--- a/811M-Ch04_DataPreparation.pptx
+++ b/811M-Ch04_DataPreparation.pptx
@@ -295,7 +295,7 @@
               <a:rPr lang="en-US" dirty="0">
                 <a:latin typeface="Tahoma" pitchFamily="34" charset="0"/>
               </a:rPr>
-              <a:t>811: Machine Learning with Python</a:t>
+              <a:t>811M: Python for Data Scientists</a:t>
             </a:r>
           </a:p>
         </p:txBody>
@@ -354,7 +354,7 @@
                 <a:ea typeface="Tahoma" pitchFamily="34" charset="0"/>
                 <a:cs typeface="Tahoma" pitchFamily="34" charset="0"/>
               </a:rPr>
-              <a:t>Chapter 3</a:t>
+              <a:t>Chapter 4</a:t>
             </a:r>
           </a:p>
         </p:txBody>
@@ -744,7 +744,7 @@
                 </a:solidFill>
                 <a:latin typeface="Tahoma" pitchFamily="34" charset="0"/>
               </a:rPr>
-              <a:t>Chapter 3-</a:t>
+              <a:t>Chapter 4-</a:t>
             </a:r>
             <a:fld id="{9C58707A-6F60-4D20-8A8B-4F90B88EA4F7}" type="slidenum">
               <a:rPr lang="en-US" sz="1200" smtClean="0">
@@ -817,7 +817,7 @@
                 </a:solidFill>
                 <a:latin typeface="Tahoma" pitchFamily="34" charset="0"/>
               </a:rPr>
-              <a:t>811: Machine Learning with Python</a:t>
+              <a:t>811M: Python for Data Scientists</a:t>
             </a:r>
           </a:p>
         </p:txBody>
@@ -5238,7 +5238,7 @@
   <p:clrMapOvr>
     <a:masterClrMapping/>
   </p:clrMapOvr>
-  <p:extLst mod="1">
+  <p:extLst>
     <p:ext uri="{DCECCB84-F9BA-43D5-87BE-67443E8EF086}">
       <p15:sldGuideLst xmlns:p15="http://schemas.microsoft.com/office/powerpoint/2012/main"/>
     </p:ext>
@@ -5579,7 +5579,7 @@
   <p:clrMapOvr>
     <a:masterClrMapping/>
   </p:clrMapOvr>
-  <p:extLst mod="1">
+  <p:extLst>
     <p:ext uri="{DCECCB84-F9BA-43D5-87BE-67443E8EF086}">
       <p15:sldGuideLst xmlns:p15="http://schemas.microsoft.com/office/powerpoint/2012/main"/>
     </p:ext>
@@ -7556,7 +7556,7 @@
                 <a:ea typeface="Tahoma" panose="020B0604030504040204" pitchFamily="34" charset="0"/>
                 <a:cs typeface="Tahoma" panose="020B0604030504040204" pitchFamily="34" charset="0"/>
               </a:rPr>
-              <a:t>811: Machine Learning with Python</a:t>
+              <a:t>811M: Python for Data Scientists</a:t>
             </a:r>
           </a:p>
         </p:txBody>
@@ -7606,7 +7606,7 @@
                 </a:solidFill>
                 <a:latin typeface="Calibri" pitchFamily="34" charset="0"/>
               </a:rPr>
-              <a:t>3-</a:t>
+              <a:t>4-</a:t>
             </a:r>
             <a:fld id="{B722F7F8-9603-472A-A081-A1C5DB32BB89}" type="slidenum">
               <a:rPr lang="en-US" sz="1100" b="0" smtClean="0">
@@ -8143,7 +8143,7 @@
       </a:lvl9pPr>
     </p:otherStyle>
   </p:txStyles>
-  <p:extLst mod="1">
+  <p:extLst>
     <p:ext uri="{27BBF7A9-308A-43DC-89C8-2F10F3537804}">
       <p15:sldGuideLst xmlns:p15="http://schemas.microsoft.com/office/powerpoint/2012/main"/>
     </p:ext>
@@ -8187,7 +8187,17 @@
               <a:rPr lang="en-US" sz="3600" dirty="0">
                 <a:effectLst/>
               </a:rPr>
-              <a:t>Chapter 3: </a:t>
+              <a:t>Chapter </a:t>
+            </a:r>
+            <a:r>
+              <a:rPr lang="en-US" dirty="0"/>
+              <a:t>4</a:t>
+            </a:r>
+            <a:r>
+              <a:rPr lang="en-US" sz="3600" dirty="0">
+                <a:effectLst/>
+              </a:rPr>
+              <a:t>: </a:t>
             </a:r>
             <a:br>
               <a:rPr lang="en-US" sz="3600" dirty="0">
@@ -8220,7 +8230,7 @@
           <a:p>
             <a:r>
               <a:rPr lang="en-US" dirty="0"/>
-              <a:t>Machine Learning with Python</a:t>
+              <a:t>Python for Data Scientists</a:t>
             </a:r>
           </a:p>
         </p:txBody>
@@ -8257,60 +8267,6 @@
       </p:grpSpPr>
       <p:sp>
         <p:nvSpPr>
-          <p:cNvPr id="3" name="Text Placeholder 2"/>
-          <p:cNvSpPr>
-            <a:spLocks noGrp="1"/>
-          </p:cNvSpPr>
-          <p:nvPr>
-            <p:ph type="body" sz="quarter" idx="11"/>
-          </p:nvPr>
-        </p:nvSpPr>
-        <p:spPr>
-          <a:xfrm>
-            <a:off x="3114493" y="1586192"/>
-            <a:ext cx="5742641" cy="4101913"/>
-          </a:xfrm>
-        </p:spPr>
-        <p:txBody>
-          <a:bodyPr/>
-          <a:lstStyle/>
-          <a:p>
-            <a:r>
-              <a:rPr lang="en-US" dirty="0"/>
-              <a:t>Statistics Primer</a:t>
-            </a:r>
-          </a:p>
-          <a:p>
-            <a:r>
-              <a:rPr lang="en-US" b="1" dirty="0"/>
-              <a:t>Basic ETL and Reshaping</a:t>
-            </a:r>
-          </a:p>
-          <a:p>
-            <a:pPr lvl="1"/>
-            <a:r>
-              <a:rPr lang="en-US" dirty="0"/>
-              <a:t>Splitting Data</a:t>
-            </a:r>
-          </a:p>
-          <a:p>
-            <a:pPr lvl="1"/>
-            <a:r>
-              <a:rPr lang="en-US" dirty="0"/>
-              <a:t>Free-Form Text</a:t>
-            </a:r>
-          </a:p>
-          <a:p>
-            <a:pPr lvl="1"/>
-            <a:r>
-              <a:rPr lang="en-US" dirty="0"/>
-              <a:t>Chapter Summary</a:t>
-            </a:r>
-          </a:p>
-        </p:txBody>
-      </p:sp>
-      <p:sp>
-        <p:nvSpPr>
           <p:cNvPr id="2" name="Title 1"/>
           <p:cNvSpPr>
             <a:spLocks noGrp="1"/>
@@ -8331,361 +8287,326 @@
           </a:p>
         </p:txBody>
       </p:sp>
-      <p:grpSp>
-        <p:nvGrpSpPr>
-          <p:cNvPr id="13" name="Group 12"/>
-          <p:cNvGrpSpPr/>
-          <p:nvPr/>
-        </p:nvGrpSpPr>
-        <p:grpSpPr>
-          <a:xfrm>
-            <a:off x="2704171" y="2326939"/>
-            <a:ext cx="410322" cy="377482"/>
-            <a:chOff x="1766887" y="1515010"/>
-            <a:chExt cx="741316" cy="700622"/>
-          </a:xfrm>
-          <a:solidFill>
-            <a:schemeClr val="accent4"/>
-          </a:solidFill>
-          <a:scene3d>
-            <a:camera prst="orthographicFront">
-              <a:rot lat="0" lon="0" rev="0"/>
-            </a:camera>
-            <a:lightRig rig="balanced" dir="t">
-              <a:rot lat="0" lon="0" rev="8700000"/>
-            </a:lightRig>
-          </a:scene3d>
-        </p:grpSpPr>
-        <p:sp>
-          <p:nvSpPr>
-            <p:cNvPr id="16" name="AutoShape 10"/>
-            <p:cNvSpPr>
-              <a:spLocks noChangeArrowheads="1"/>
-            </p:cNvSpPr>
-            <p:nvPr/>
-          </p:nvSpPr>
-          <p:spPr bwMode="black">
-            <a:xfrm rot="5400000">
-              <a:off x="1787234" y="1494663"/>
-              <a:ext cx="700622" cy="741316"/>
-            </a:xfrm>
-            <a:custGeom>
-              <a:avLst/>
-              <a:gdLst>
-                <a:gd name="connsiteX0" fmla="*/ 0 w 264955"/>
-                <a:gd name="connsiteY0" fmla="*/ 311498 h 311498"/>
-                <a:gd name="connsiteX1" fmla="*/ 132478 w 264955"/>
-                <a:gd name="connsiteY1" fmla="*/ 0 h 311498"/>
-                <a:gd name="connsiteX2" fmla="*/ 264955 w 264955"/>
-                <a:gd name="connsiteY2" fmla="*/ 311498 h 311498"/>
-                <a:gd name="connsiteX3" fmla="*/ 0 w 264955"/>
-                <a:gd name="connsiteY3" fmla="*/ 311498 h 311498"/>
-                <a:gd name="connsiteX0" fmla="*/ 0 w 264955"/>
-                <a:gd name="connsiteY0" fmla="*/ 311498 h 312908"/>
-                <a:gd name="connsiteX1" fmla="*/ 132478 w 264955"/>
-                <a:gd name="connsiteY1" fmla="*/ 0 h 312908"/>
-                <a:gd name="connsiteX2" fmla="*/ 264955 w 264955"/>
-                <a:gd name="connsiteY2" fmla="*/ 311498 h 312908"/>
-                <a:gd name="connsiteX3" fmla="*/ 124553 w 264955"/>
-                <a:gd name="connsiteY3" fmla="*/ 312908 h 312908"/>
-                <a:gd name="connsiteX4" fmla="*/ 0 w 264955"/>
-                <a:gd name="connsiteY4" fmla="*/ 311498 h 312908"/>
-                <a:gd name="connsiteX0" fmla="*/ 0 w 264955"/>
-                <a:gd name="connsiteY0" fmla="*/ 311498 h 311498"/>
-                <a:gd name="connsiteX1" fmla="*/ 132478 w 264955"/>
-                <a:gd name="connsiteY1" fmla="*/ 0 h 311498"/>
-                <a:gd name="connsiteX2" fmla="*/ 264955 w 264955"/>
-                <a:gd name="connsiteY2" fmla="*/ 311498 h 311498"/>
-                <a:gd name="connsiteX3" fmla="*/ 138844 w 264955"/>
-                <a:gd name="connsiteY3" fmla="*/ 253377 h 311498"/>
-                <a:gd name="connsiteX4" fmla="*/ 0 w 264955"/>
-                <a:gd name="connsiteY4" fmla="*/ 311498 h 311498"/>
-              </a:gdLst>
-              <a:ahLst/>
-              <a:cxnLst>
-                <a:cxn ang="0">
-                  <a:pos x="connsiteX0" y="connsiteY0"/>
-                </a:cxn>
-                <a:cxn ang="0">
-                  <a:pos x="connsiteX1" y="connsiteY1"/>
-                </a:cxn>
-                <a:cxn ang="0">
-                  <a:pos x="connsiteX2" y="connsiteY2"/>
-                </a:cxn>
-                <a:cxn ang="0">
-                  <a:pos x="connsiteX3" y="connsiteY3"/>
-                </a:cxn>
-                <a:cxn ang="0">
-                  <a:pos x="connsiteX4" y="connsiteY4"/>
-                </a:cxn>
-              </a:cxnLst>
-              <a:rect l="l" t="t" r="r" b="b"/>
-              <a:pathLst>
-                <a:path w="264955" h="311498">
-                  <a:moveTo>
-                    <a:pt x="0" y="311498"/>
-                  </a:moveTo>
-                  <a:lnTo>
-                    <a:pt x="132478" y="0"/>
-                  </a:lnTo>
-                  <a:lnTo>
-                    <a:pt x="264955" y="311498"/>
-                  </a:lnTo>
-                  <a:lnTo>
-                    <a:pt x="138844" y="253377"/>
-                  </a:lnTo>
-                  <a:lnTo>
-                    <a:pt x="0" y="311498"/>
-                  </a:lnTo>
-                  <a:close/>
-                </a:path>
-              </a:pathLst>
-            </a:custGeom>
-            <a:grpFill/>
-            <a:ln w="19050">
-              <a:noFill/>
-              <a:miter lim="800000"/>
-              <a:headEnd/>
-              <a:tailEnd/>
-            </a:ln>
-            <a:effectLst>
-              <a:outerShdw blurRad="44450" dist="27940" dir="5400000" algn="ctr">
-                <a:srgbClr val="000000">
-                  <a:alpha val="32000"/>
-                </a:srgbClr>
-              </a:outerShdw>
-            </a:effectLst>
-            <a:sp3d>
-              <a:bevelT w="190500" h="38100"/>
-            </a:sp3d>
-          </p:spPr>
-          <p:txBody>
-            <a:bodyPr rot="10800000" vert="eaVert" wrap="none" anchor="ctr"/>
-            <a:lstStyle/>
-            <a:p>
-              <a:endParaRPr lang="en-GB" dirty="0">
-                <a:solidFill>
-                  <a:schemeClr val="accent6"/>
-                </a:solidFill>
-              </a:endParaRPr>
-            </a:p>
-          </p:txBody>
-        </p:sp>
-        <p:sp>
-          <p:nvSpPr>
-            <p:cNvPr id="17" name="Freeform 11"/>
-            <p:cNvSpPr>
-              <a:spLocks/>
-            </p:cNvSpPr>
-            <p:nvPr/>
-          </p:nvSpPr>
-          <p:spPr bwMode="hidden">
-            <a:xfrm>
-              <a:off x="1802606" y="1545430"/>
-              <a:ext cx="701117" cy="344477"/>
-            </a:xfrm>
-            <a:custGeom>
-              <a:avLst/>
-              <a:gdLst>
-                <a:gd name="T0" fmla="*/ 0 w 245"/>
-                <a:gd name="T1" fmla="*/ 0 h 158"/>
-                <a:gd name="T2" fmla="*/ 245 w 245"/>
-                <a:gd name="T3" fmla="*/ 146 h 158"/>
-                <a:gd name="T4" fmla="*/ 226 w 245"/>
-                <a:gd name="T5" fmla="*/ 158 h 158"/>
-                <a:gd name="T6" fmla="*/ 0 w 245"/>
-                <a:gd name="T7" fmla="*/ 23 h 158"/>
-                <a:gd name="T8" fmla="*/ 0 w 245"/>
-                <a:gd name="T9" fmla="*/ 0 h 158"/>
-                <a:gd name="T10" fmla="*/ 0 60000 65536"/>
-                <a:gd name="T11" fmla="*/ 0 60000 65536"/>
-                <a:gd name="T12" fmla="*/ 0 60000 65536"/>
-                <a:gd name="T13" fmla="*/ 0 60000 65536"/>
-                <a:gd name="T14" fmla="*/ 0 60000 65536"/>
-                <a:gd name="T15" fmla="*/ 0 w 245"/>
-                <a:gd name="T16" fmla="*/ 0 h 158"/>
-                <a:gd name="T17" fmla="*/ 245 w 245"/>
-                <a:gd name="T18" fmla="*/ 158 h 158"/>
-              </a:gdLst>
-              <a:ahLst/>
-              <a:cxnLst>
-                <a:cxn ang="T10">
-                  <a:pos x="T0" y="T1"/>
-                </a:cxn>
-                <a:cxn ang="T11">
-                  <a:pos x="T2" y="T3"/>
-                </a:cxn>
-                <a:cxn ang="T12">
-                  <a:pos x="T4" y="T5"/>
-                </a:cxn>
-                <a:cxn ang="T13">
-                  <a:pos x="T6" y="T7"/>
-                </a:cxn>
-                <a:cxn ang="T14">
-                  <a:pos x="T8" y="T9"/>
-                </a:cxn>
-              </a:cxnLst>
-              <a:rect l="T15" t="T16" r="T17" b="T18"/>
-              <a:pathLst>
-                <a:path w="245" h="158">
-                  <a:moveTo>
-                    <a:pt x="0" y="0"/>
-                  </a:moveTo>
-                  <a:lnTo>
-                    <a:pt x="245" y="146"/>
-                  </a:lnTo>
-                  <a:lnTo>
-                    <a:pt x="226" y="158"/>
-                  </a:lnTo>
-                  <a:lnTo>
-                    <a:pt x="0" y="23"/>
-                  </a:lnTo>
-                  <a:lnTo>
-                    <a:pt x="0" y="0"/>
-                  </a:lnTo>
-                  <a:close/>
-                </a:path>
-              </a:pathLst>
-            </a:custGeom>
-            <a:grpFill/>
-            <a:ln w="28575" cap="flat" cmpd="sng">
-              <a:noFill/>
-              <a:prstDash val="solid"/>
-              <a:round/>
-              <a:headEnd type="none" w="med" len="med"/>
-              <a:tailEnd type="none" w="med" len="med"/>
-            </a:ln>
-            <a:effectLst>
-              <a:outerShdw blurRad="44450" dist="27940" dir="5400000" algn="ctr">
-                <a:srgbClr val="000000">
-                  <a:alpha val="32000"/>
-                </a:srgbClr>
-              </a:outerShdw>
-            </a:effectLst>
-            <a:sp3d>
-              <a:bevelT w="190500" h="38100"/>
-            </a:sp3d>
-          </p:spPr>
-          <p:txBody>
-            <a:bodyPr/>
-            <a:lstStyle/>
-            <a:p>
-              <a:endParaRPr lang="en-US" dirty="0">
-                <a:solidFill>
-                  <a:schemeClr val="accent6"/>
-                </a:solidFill>
-              </a:endParaRPr>
-            </a:p>
-          </p:txBody>
-        </p:sp>
-        <p:sp>
-          <p:nvSpPr>
-            <p:cNvPr id="18" name="Freeform 12"/>
-            <p:cNvSpPr>
-              <a:spLocks/>
-            </p:cNvSpPr>
-            <p:nvPr/>
-          </p:nvSpPr>
-          <p:spPr bwMode="hidden">
-            <a:xfrm>
-              <a:off x="1797843" y="1840589"/>
-              <a:ext cx="710079" cy="357304"/>
-            </a:xfrm>
-            <a:custGeom>
-              <a:avLst/>
-              <a:gdLst>
-                <a:gd name="T0" fmla="*/ 248 w 248"/>
-                <a:gd name="T1" fmla="*/ 12 h 156"/>
-                <a:gd name="T2" fmla="*/ 0 w 248"/>
-                <a:gd name="T3" fmla="*/ 156 h 156"/>
-                <a:gd name="T4" fmla="*/ 3 w 248"/>
-                <a:gd name="T5" fmla="*/ 131 h 156"/>
-                <a:gd name="T6" fmla="*/ 229 w 248"/>
-                <a:gd name="T7" fmla="*/ 0 h 156"/>
-                <a:gd name="T8" fmla="*/ 248 w 248"/>
-                <a:gd name="T9" fmla="*/ 12 h 156"/>
-                <a:gd name="T10" fmla="*/ 0 60000 65536"/>
-                <a:gd name="T11" fmla="*/ 0 60000 65536"/>
-                <a:gd name="T12" fmla="*/ 0 60000 65536"/>
-                <a:gd name="T13" fmla="*/ 0 60000 65536"/>
-                <a:gd name="T14" fmla="*/ 0 60000 65536"/>
-                <a:gd name="T15" fmla="*/ 0 w 248"/>
-                <a:gd name="T16" fmla="*/ 0 h 156"/>
-                <a:gd name="T17" fmla="*/ 248 w 248"/>
-                <a:gd name="T18" fmla="*/ 156 h 156"/>
-              </a:gdLst>
-              <a:ahLst/>
-              <a:cxnLst>
-                <a:cxn ang="T10">
-                  <a:pos x="T0" y="T1"/>
-                </a:cxn>
-                <a:cxn ang="T11">
-                  <a:pos x="T2" y="T3"/>
-                </a:cxn>
-                <a:cxn ang="T12">
-                  <a:pos x="T4" y="T5"/>
-                </a:cxn>
-                <a:cxn ang="T13">
-                  <a:pos x="T6" y="T7"/>
-                </a:cxn>
-                <a:cxn ang="T14">
-                  <a:pos x="T8" y="T9"/>
-                </a:cxn>
-              </a:cxnLst>
-              <a:rect l="T15" t="T16" r="T17" b="T18"/>
-              <a:pathLst>
-                <a:path w="248" h="156">
-                  <a:moveTo>
-                    <a:pt x="248" y="12"/>
-                  </a:moveTo>
-                  <a:lnTo>
-                    <a:pt x="0" y="156"/>
-                  </a:lnTo>
-                  <a:lnTo>
-                    <a:pt x="3" y="131"/>
-                  </a:lnTo>
-                  <a:lnTo>
-                    <a:pt x="229" y="0"/>
-                  </a:lnTo>
-                  <a:lnTo>
-                    <a:pt x="248" y="12"/>
-                  </a:lnTo>
-                  <a:close/>
-                </a:path>
-              </a:pathLst>
-            </a:custGeom>
-            <a:grpFill/>
-            <a:ln w="28575" cap="flat" cmpd="sng">
-              <a:noFill/>
-              <a:prstDash val="solid"/>
-              <a:round/>
-              <a:headEnd type="none" w="med" len="med"/>
-              <a:tailEnd type="none" w="med" len="med"/>
-            </a:ln>
-            <a:effectLst>
-              <a:outerShdw blurRad="44450" dist="27940" dir="5400000" algn="ctr">
-                <a:srgbClr val="000000">
-                  <a:alpha val="32000"/>
-                </a:srgbClr>
-              </a:outerShdw>
-            </a:effectLst>
-            <a:sp3d>
-              <a:bevelT w="190500" h="38100"/>
-            </a:sp3d>
-          </p:spPr>
-          <p:txBody>
-            <a:bodyPr/>
-            <a:lstStyle/>
-            <a:p>
-              <a:endParaRPr lang="en-US" dirty="0">
-                <a:solidFill>
-                  <a:schemeClr val="accent6"/>
-                </a:solidFill>
-              </a:endParaRPr>
-            </a:p>
-          </p:txBody>
-        </p:sp>
-      </p:grpSp>
+      <p:graphicFrame>
+        <p:nvGraphicFramePr>
+          <p:cNvPr id="9" name="Table 8">
+            <a:extLst>
+              <a:ext uri="{FF2B5EF4-FFF2-40B4-BE49-F238E27FC236}">
+                <a16:creationId xmlns:a16="http://schemas.microsoft.com/office/drawing/2014/main" id="{4D2C4DEA-1653-4D9C-955B-0FCEAEAFFEEF}"/>
+              </a:ext>
+            </a:extLst>
+          </p:cNvPr>
+          <p:cNvGraphicFramePr>
+            <a:graphicFrameLocks noGrp="1"/>
+          </p:cNvGraphicFramePr>
+          <p:nvPr>
+            <p:extLst>
+              <p:ext uri="{D42A27DB-BD31-4B8C-83A1-F6EECF244321}">
+                <p14:modId xmlns:p14="http://schemas.microsoft.com/office/powerpoint/2010/main" val="3543407761"/>
+              </p:ext>
+            </p:extLst>
+          </p:nvPr>
+        </p:nvGraphicFramePr>
+        <p:xfrm>
+          <a:off x="2880360" y="1447543"/>
+          <a:ext cx="3383280" cy="2743200"/>
+        </p:xfrm>
+        <a:graphic>
+          <a:graphicData uri="http://schemas.openxmlformats.org/drawingml/2006/table">
+            <a:tbl>
+              <a:tblPr>
+                <a:tableStyleId>{00A15C55-8517-42AA-B614-E9B94910E393}</a:tableStyleId>
+              </a:tblPr>
+              <a:tblGrid>
+                <a:gridCol w="3383280">
+                  <a:extLst>
+                    <a:ext uri="{9D8B030D-6E8A-4147-A177-3AD203B41FA5}">
+                      <a16:colId xmlns:a16="http://schemas.microsoft.com/office/drawing/2014/main" val="1695728431"/>
+                    </a:ext>
+                  </a:extLst>
+                </a:gridCol>
+              </a:tblGrid>
+              <a:tr h="548640">
+                <a:tc>
+                  <a:txBody>
+                    <a:bodyPr/>
+                    <a:lstStyle/>
+                    <a:p>
+                      <a:pPr>
+                        <a:lnSpc>
+                          <a:spcPct val="100000"/>
+                        </a:lnSpc>
+                        <a:spcAft>
+                          <a:spcPts val="0"/>
+                        </a:spcAft>
+                      </a:pPr>
+                      <a:r>
+                        <a:rPr lang="en-US" sz="2000" b="0" dirty="0">
+                          <a:solidFill>
+                            <a:schemeClr val="bg1">
+                              <a:lumMod val="65000"/>
+                            </a:schemeClr>
+                          </a:solidFill>
+                        </a:rPr>
+                        <a:t>Statistics Primer</a:t>
+                      </a:r>
+                    </a:p>
+                  </a:txBody>
+                  <a:tcPr anchor="ctr">
+                    <a:lnB w="12700" cap="flat" cmpd="sng" algn="ctr">
+                      <a:solidFill>
+                        <a:schemeClr val="bg1">
+                          <a:lumMod val="65000"/>
+                        </a:schemeClr>
+                      </a:solidFill>
+                      <a:prstDash val="solid"/>
+                      <a:round/>
+                      <a:headEnd type="none" w="med" len="med"/>
+                      <a:tailEnd type="none" w="med" len="med"/>
+                    </a:lnB>
+                    <a:noFill/>
+                  </a:tcPr>
+                </a:tc>
+                <a:extLst>
+                  <a:ext uri="{0D108BD9-81ED-4DB2-BD59-A6C34878D82A}">
+                    <a16:rowId xmlns:a16="http://schemas.microsoft.com/office/drawing/2014/main" val="2307098774"/>
+                  </a:ext>
+                </a:extLst>
+              </a:tr>
+              <a:tr h="548640">
+                <a:tc>
+                  <a:txBody>
+                    <a:bodyPr/>
+                    <a:lstStyle/>
+                    <a:p>
+                      <a:pPr>
+                        <a:lnSpc>
+                          <a:spcPct val="100000"/>
+                        </a:lnSpc>
+                        <a:spcAft>
+                          <a:spcPts val="0"/>
+                        </a:spcAft>
+                      </a:pPr>
+                      <a:r>
+                        <a:rPr lang="en-US" sz="2000" b="1" dirty="0">
+                          <a:solidFill>
+                            <a:schemeClr val="tx1"/>
+                          </a:solidFill>
+                        </a:rPr>
+                        <a:t>Basic ETL and Reshaping</a:t>
+                      </a:r>
+                    </a:p>
+                  </a:txBody>
+                  <a:tcPr anchor="ctr">
+                    <a:lnT w="12700" cap="flat" cmpd="sng" algn="ctr">
+                      <a:solidFill>
+                        <a:schemeClr val="bg1">
+                          <a:lumMod val="65000"/>
+                        </a:schemeClr>
+                      </a:solidFill>
+                      <a:prstDash val="solid"/>
+                      <a:round/>
+                      <a:headEnd type="none" w="med" len="med"/>
+                      <a:tailEnd type="none" w="med" len="med"/>
+                    </a:lnT>
+                    <a:lnB w="12700" cap="flat" cmpd="sng" algn="ctr">
+                      <a:solidFill>
+                        <a:schemeClr val="bg1">
+                          <a:lumMod val="65000"/>
+                        </a:schemeClr>
+                      </a:solidFill>
+                      <a:prstDash val="solid"/>
+                      <a:round/>
+                      <a:headEnd type="none" w="med" len="med"/>
+                      <a:tailEnd type="none" w="med" len="med"/>
+                    </a:lnB>
+                    <a:noFill/>
+                  </a:tcPr>
+                </a:tc>
+                <a:extLst>
+                  <a:ext uri="{0D108BD9-81ED-4DB2-BD59-A6C34878D82A}">
+                    <a16:rowId xmlns:a16="http://schemas.microsoft.com/office/drawing/2014/main" val="1466711860"/>
+                  </a:ext>
+                </a:extLst>
+              </a:tr>
+              <a:tr h="548640">
+                <a:tc>
+                  <a:txBody>
+                    <a:bodyPr/>
+                    <a:lstStyle/>
+                    <a:p>
+                      <a:pPr>
+                        <a:lnSpc>
+                          <a:spcPct val="100000"/>
+                        </a:lnSpc>
+                        <a:spcAft>
+                          <a:spcPts val="0"/>
+                        </a:spcAft>
+                      </a:pPr>
+                      <a:r>
+                        <a:rPr lang="en-US" sz="2000" dirty="0">
+                          <a:solidFill>
+                            <a:schemeClr val="bg1">
+                              <a:lumMod val="65000"/>
+                            </a:schemeClr>
+                          </a:solidFill>
+                        </a:rPr>
+                        <a:t>Splitting Data</a:t>
+                      </a:r>
+                    </a:p>
+                  </a:txBody>
+                  <a:tcPr anchor="ctr">
+                    <a:lnT w="12700" cap="flat" cmpd="sng" algn="ctr">
+                      <a:solidFill>
+                        <a:schemeClr val="bg1">
+                          <a:lumMod val="65000"/>
+                        </a:schemeClr>
+                      </a:solidFill>
+                      <a:prstDash val="solid"/>
+                      <a:round/>
+                      <a:headEnd type="none" w="med" len="med"/>
+                      <a:tailEnd type="none" w="med" len="med"/>
+                    </a:lnT>
+                    <a:lnB w="12700" cap="flat" cmpd="sng" algn="ctr">
+                      <a:solidFill>
+                        <a:schemeClr val="bg1">
+                          <a:lumMod val="65000"/>
+                        </a:schemeClr>
+                      </a:solidFill>
+                      <a:prstDash val="solid"/>
+                      <a:round/>
+                      <a:headEnd type="none" w="med" len="med"/>
+                      <a:tailEnd type="none" w="med" len="med"/>
+                    </a:lnB>
+                    <a:noFill/>
+                  </a:tcPr>
+                </a:tc>
+                <a:extLst>
+                  <a:ext uri="{0D108BD9-81ED-4DB2-BD59-A6C34878D82A}">
+                    <a16:rowId xmlns:a16="http://schemas.microsoft.com/office/drawing/2014/main" val="1924402624"/>
+                  </a:ext>
+                </a:extLst>
+              </a:tr>
+              <a:tr h="548640">
+                <a:tc>
+                  <a:txBody>
+                    <a:bodyPr/>
+                    <a:lstStyle/>
+                    <a:p>
+                      <a:pPr>
+                        <a:lnSpc>
+                          <a:spcPct val="100000"/>
+                        </a:lnSpc>
+                        <a:spcAft>
+                          <a:spcPts val="0"/>
+                        </a:spcAft>
+                      </a:pPr>
+                      <a:r>
+                        <a:rPr lang="en-US" sz="2000" dirty="0">
+                          <a:solidFill>
+                            <a:schemeClr val="bg1">
+                              <a:lumMod val="65000"/>
+                            </a:schemeClr>
+                          </a:solidFill>
+                        </a:rPr>
+                        <a:t>Free-Form Text</a:t>
+                      </a:r>
+                    </a:p>
+                  </a:txBody>
+                  <a:tcPr anchor="ctr">
+                    <a:lnT w="12700" cap="flat" cmpd="sng" algn="ctr">
+                      <a:solidFill>
+                        <a:schemeClr val="bg1">
+                          <a:lumMod val="65000"/>
+                        </a:schemeClr>
+                      </a:solidFill>
+                      <a:prstDash val="solid"/>
+                      <a:round/>
+                      <a:headEnd type="none" w="med" len="med"/>
+                      <a:tailEnd type="none" w="med" len="med"/>
+                    </a:lnT>
+                    <a:lnB w="12700" cap="flat" cmpd="sng" algn="ctr">
+                      <a:solidFill>
+                        <a:schemeClr val="bg1">
+                          <a:lumMod val="65000"/>
+                        </a:schemeClr>
+                      </a:solidFill>
+                      <a:prstDash val="solid"/>
+                      <a:round/>
+                      <a:headEnd type="none" w="med" len="med"/>
+                      <a:tailEnd type="none" w="med" len="med"/>
+                    </a:lnB>
+                    <a:noFill/>
+                  </a:tcPr>
+                </a:tc>
+                <a:extLst>
+                  <a:ext uri="{0D108BD9-81ED-4DB2-BD59-A6C34878D82A}">
+                    <a16:rowId xmlns:a16="http://schemas.microsoft.com/office/drawing/2014/main" val="2634114360"/>
+                  </a:ext>
+                </a:extLst>
+              </a:tr>
+              <a:tr h="548640">
+                <a:tc>
+                  <a:txBody>
+                    <a:bodyPr/>
+                    <a:lstStyle/>
+                    <a:p>
+                      <a:pPr>
+                        <a:lnSpc>
+                          <a:spcPct val="100000"/>
+                        </a:lnSpc>
+                        <a:spcAft>
+                          <a:spcPts val="0"/>
+                        </a:spcAft>
+                      </a:pPr>
+                      <a:r>
+                        <a:rPr lang="en-US" sz="2000" dirty="0">
+                          <a:solidFill>
+                            <a:schemeClr val="bg1">
+                              <a:lumMod val="65000"/>
+                            </a:schemeClr>
+                          </a:solidFill>
+                        </a:rPr>
+                        <a:t>Chapter Summary</a:t>
+                      </a:r>
+                    </a:p>
+                  </a:txBody>
+                  <a:tcPr anchor="ctr">
+                    <a:lnT w="12700" cap="flat" cmpd="sng" algn="ctr">
+                      <a:solidFill>
+                        <a:schemeClr val="bg1">
+                          <a:lumMod val="65000"/>
+                        </a:schemeClr>
+                      </a:solidFill>
+                      <a:prstDash val="solid"/>
+                      <a:round/>
+                      <a:headEnd type="none" w="med" len="med"/>
+                      <a:tailEnd type="none" w="med" len="med"/>
+                    </a:lnT>
+                    <a:lnB w="12700" cap="flat" cmpd="sng" algn="ctr">
+                      <a:solidFill>
+                        <a:schemeClr val="bg1">
+                          <a:lumMod val="65000"/>
+                        </a:schemeClr>
+                      </a:solidFill>
+                      <a:prstDash val="solid"/>
+                      <a:round/>
+                      <a:headEnd type="none" w="med" len="med"/>
+                      <a:tailEnd type="none" w="med" len="med"/>
+                    </a:lnB>
+                    <a:noFill/>
+                  </a:tcPr>
+                </a:tc>
+                <a:extLst>
+                  <a:ext uri="{0D108BD9-81ED-4DB2-BD59-A6C34878D82A}">
+                    <a16:rowId xmlns:a16="http://schemas.microsoft.com/office/drawing/2014/main" val="376303497"/>
+                  </a:ext>
+                </a:extLst>
+              </a:tr>
+            </a:tbl>
+          </a:graphicData>
+        </a:graphic>
+      </p:graphicFrame>
     </p:spTree>
     <p:extLst>
       <p:ext uri="{BB962C8B-B14F-4D97-AF65-F5344CB8AC3E}">
@@ -8822,8 +8743,8 @@
         </p:nvSpPr>
         <p:spPr>
           <a:xfrm>
-            <a:off x="1148336" y="2939454"/>
-            <a:ext cx="6847328" cy="1692771"/>
+            <a:off x="939928" y="2957742"/>
+            <a:ext cx="7264144" cy="1815882"/>
           </a:xfrm>
           <a:prstGeom prst="rect">
             <a:avLst/>
@@ -8958,34 +8879,34 @@
           </a:lstStyle>
           <a:p>
             <a:r>
-              <a:rPr lang="en-US" sz="1300" b="1" dirty="0"/>
+              <a:rPr lang="en-US" b="1" dirty="0"/>
               <a:t>fatal.insert(11, 'Program', pd.Categorical(fatal['State or Federal Program']).codes)</a:t>
             </a:r>
           </a:p>
           <a:p>
-            <a:endParaRPr lang="en-US" sz="1300" b="1" dirty="0"/>
-          </a:p>
-          <a:p>
-            <a:r>
-              <a:rPr lang="en-US" sz="1300" b="1" dirty="0"/>
+            <a:endParaRPr lang="en-US" b="1" dirty="0"/>
+          </a:p>
+          <a:p>
+            <a:r>
+              <a:rPr lang="en-US" b="1" dirty="0"/>
               <a:t>print (fatal[['Program', 'State or Federal Program']])</a:t>
             </a:r>
           </a:p>
           <a:p>
-            <a:endParaRPr lang="en-US" sz="1300" b="1" dirty="0"/>
-          </a:p>
-          <a:p>
-            <a:r>
-              <a:rPr lang="en-US" sz="1300" b="1" dirty="0"/>
+            <a:endParaRPr lang="en-US" b="1" dirty="0"/>
+          </a:p>
+          <a:p>
+            <a:r>
+              <a:rPr lang="en-US" b="1" dirty="0"/>
               <a:t>fatal['Number of Fatalities, 2012'].fillna(0).astype(int)</a:t>
             </a:r>
           </a:p>
           <a:p>
-            <a:endParaRPr lang="en-US" sz="1300" b="1" dirty="0"/>
-          </a:p>
-          <a:p>
-            <a:r>
-              <a:rPr lang="en-US" sz="1300" b="1" dirty="0"/>
+            <a:endParaRPr lang="en-US" b="1" dirty="0"/>
+          </a:p>
+          <a:p>
+            <a:r>
+              <a:rPr lang="en-US" b="1" dirty="0"/>
               <a:t>fatal.drop(['State or Federal Program'], axis=1, inplace=True)</a:t>
             </a:r>
           </a:p>
@@ -9603,7 +9524,7 @@
           <a:p>
             <a:r>
               <a:rPr lang="en-US" dirty="0"/>
-              <a:t>Rescaling them to a common scale can be helpful in understanding how to compare data in different scale</a:t>
+              <a:t>Rescaling them to a common scale can be helpful for understanding how to compare data in different scale</a:t>
             </a:r>
           </a:p>
           <a:p>
@@ -9644,10 +9565,10 @@
       </p:sp>
       <p:sp>
         <p:nvSpPr>
-          <p:cNvPr id="4" name="TextBox 3">
+          <p:cNvPr id="5" name="TextBox 4">
             <a:extLst>
               <a:ext uri="{FF2B5EF4-FFF2-40B4-BE49-F238E27FC236}">
-                <a16:creationId xmlns:a16="http://schemas.microsoft.com/office/drawing/2014/main" id="{B25BD5BC-E8B9-4540-A404-A5C6B4AFC25D}"/>
+                <a16:creationId xmlns:a16="http://schemas.microsoft.com/office/drawing/2014/main" id="{6E2B987B-3EAA-4E97-8E1A-5B79760D5A5B}"/>
               </a:ext>
             </a:extLst>
           </p:cNvPr>
@@ -9656,8 +9577,8 @@
         </p:nvSpPr>
         <p:spPr>
           <a:xfrm>
-            <a:off x="587695" y="4333499"/>
-            <a:ext cx="7968611" cy="1492716"/>
+            <a:off x="415910" y="4311280"/>
+            <a:ext cx="8312181" cy="1492716"/>
           </a:xfrm>
           <a:prstGeom prst="rect">
             <a:avLst/>
@@ -9811,15 +9732,12 @@
               <a:rPr lang="en-US" sz="1300" b="1" dirty="0">
                 <a:sym typeface="Wingdings"/>
               </a:rPr>
-              <a:t> </a:t>
-            </a:r>
-            <a:r>
-              <a:rPr lang="is-IS" sz="1300" b="1" dirty="0">
-                <a:sym typeface="Wingdings"/>
-              </a:rPr>
-              <a:t>171 624 0 4628</a:t>
-            </a:r>
-            <a:endParaRPr lang="en-US" sz="1300" b="1" dirty="0"/>
+              <a:t></a:t>
+            </a:r>
+            <a:r>
+              <a:rPr lang="en-US" sz="1300" b="1" dirty="0"/>
+              <a:t> 171 624 0 4628</a:t>
+            </a:r>
           </a:p>
           <a:p>
             <a:r>
@@ -9830,15 +9748,12 @@
               <a:rPr lang="en-US" sz="1300" b="1" dirty="0">
                 <a:sym typeface="Wingdings"/>
               </a:rPr>
-              <a:t> </a:t>
-            </a:r>
-            <a:r>
-              <a:rPr lang="tr-TR" sz="1300" b="1" dirty="0">
-                <a:sym typeface="Wingdings"/>
-              </a:rPr>
-              <a:t>[ 60. 218. 149.  88. 137.]</a:t>
-            </a:r>
-            <a:endParaRPr lang="en-US" sz="1300" b="1" dirty="0"/>
+              <a:t></a:t>
+            </a:r>
+            <a:r>
+              <a:rPr lang="en-US" sz="1300" b="1" dirty="0"/>
+              <a:t> [ 60. 218. 149.  88. 137.]</a:t>
+            </a:r>
           </a:p>
           <a:p>
             <a:r>
@@ -9849,15 +9764,12 @@
               <a:rPr lang="en-US" sz="1300" b="1" dirty="0">
                 <a:sym typeface="Wingdings"/>
               </a:rPr>
-              <a:t> </a:t>
-            </a:r>
-            <a:r>
-              <a:rPr lang="mr-IN" sz="1300" b="1" dirty="0">
-                <a:sym typeface="Wingdings"/>
-              </a:rPr>
-              <a:t>[-111  46  -22. -83 -34]</a:t>
-            </a:r>
-            <a:endParaRPr lang="en-US" sz="1300" b="1" dirty="0"/>
+              <a:t></a:t>
+            </a:r>
+            <a:r>
+              <a:rPr lang="en-US" sz="1300" b="1" dirty="0"/>
+              <a:t> [-111  46  -22. -83 -34]</a:t>
+            </a:r>
           </a:p>
           <a:p>
             <a:r>
@@ -9868,15 +9780,12 @@
               <a:rPr lang="en-US" sz="1300" b="1" dirty="0">
                 <a:sym typeface="Wingdings"/>
               </a:rPr>
-              <a:t> </a:t>
-            </a:r>
-            <a:r>
-              <a:rPr lang="pt-BR" sz="1300" b="1" dirty="0">
-                <a:sym typeface="Wingdings"/>
-              </a:rPr>
-              <a:t>[0.09 0.35 0.24 0.14 0.22]</a:t>
-            </a:r>
-            <a:endParaRPr lang="en-US" sz="1300" b="1" dirty="0"/>
+              <a:t></a:t>
+            </a:r>
+            <a:r>
+              <a:rPr lang="en-US" sz="1300" b="1" dirty="0"/>
+              <a:t> [0.09 0.35 0.24 0.14 0.22]</a:t>
+            </a:r>
           </a:p>
           <a:p>
             <a:r>
@@ -9887,15 +9796,12 @@
               <a:rPr lang="en-US" sz="1300" b="1" dirty="0">
                 <a:sym typeface="Wingdings"/>
               </a:rPr>
-              <a:t> </a:t>
-            </a:r>
-            <a:r>
-              <a:rPr lang="mr-IN" sz="1300" b="1" dirty="0">
-                <a:sym typeface="Wingdings"/>
-              </a:rPr>
-              <a:t>[-0.17  0.07 -0.03 -0.13  -0.05]</a:t>
-            </a:r>
-            <a:endParaRPr lang="en-US" sz="1300" b="1" dirty="0"/>
+              <a:t></a:t>
+            </a:r>
+            <a:r>
+              <a:rPr lang="en-US" sz="1300" b="1" dirty="0"/>
+              <a:t> [-0.17  0.07 -0.03 -0.13  -0.05]</a:t>
+            </a:r>
           </a:p>
         </p:txBody>
       </p:sp>
@@ -10022,10 +9928,10 @@
       </p:sp>
       <p:sp>
         <p:nvSpPr>
-          <p:cNvPr id="4" name="TextBox 3">
+          <p:cNvPr id="5" name="TextBox 4">
             <a:extLst>
               <a:ext uri="{FF2B5EF4-FFF2-40B4-BE49-F238E27FC236}">
-                <a16:creationId xmlns:a16="http://schemas.microsoft.com/office/drawing/2014/main" id="{B25BD5BC-E8B9-4540-A404-A5C6B4AFC25D}"/>
+                <a16:creationId xmlns:a16="http://schemas.microsoft.com/office/drawing/2014/main" id="{C5E63D19-8C74-48E2-93B8-5FCE44ACFF42}"/>
               </a:ext>
             </a:extLst>
           </p:cNvPr>
@@ -10034,8 +9940,8 @@
         </p:nvSpPr>
         <p:spPr>
           <a:xfrm>
-            <a:off x="655789" y="2970126"/>
-            <a:ext cx="7968611" cy="2246769"/>
+            <a:off x="272745" y="2957333"/>
+            <a:ext cx="8598511" cy="2246769"/>
           </a:xfrm>
           <a:prstGeom prst="rect">
             <a:avLst/>
@@ -10170,312 +10076,59 @@
           </a:lstStyle>
           <a:p>
             <a:r>
-              <a:rPr lang="mr-IN" b="1" dirty="0"/>
-              <a:t>df1 = </a:t>
-            </a:r>
-            <a:r>
-              <a:rPr lang="mr-IN" b="1" dirty="0" err="1"/>
-              <a:t>pd.DataFrame</a:t>
-            </a:r>
-            <a:r>
-              <a:rPr lang="mr-IN" b="1" dirty="0"/>
-              <a:t>([('</a:t>
-            </a:r>
-            <a:r>
-              <a:rPr lang="mr-IN" b="1" dirty="0" err="1"/>
-              <a:t>Male</a:t>
-            </a:r>
-            <a:r>
-              <a:rPr lang="mr-IN" b="1" dirty="0"/>
-              <a:t>', 10),('</a:t>
-            </a:r>
-            <a:r>
-              <a:rPr lang="mr-IN" b="1" dirty="0" err="1"/>
-              <a:t>Male</a:t>
-            </a:r>
-            <a:r>
-              <a:rPr lang="mr-IN" b="1" dirty="0"/>
-              <a:t>', 11), ('</a:t>
-            </a:r>
-            <a:r>
-              <a:rPr lang="mr-IN" b="1" dirty="0" err="1"/>
-              <a:t>Female</a:t>
-            </a:r>
-            <a:r>
-              <a:rPr lang="mr-IN" b="1" dirty="0"/>
-              <a:t>', 11), ('</a:t>
-            </a:r>
-            <a:r>
-              <a:rPr lang="mr-IN" b="1" dirty="0" err="1"/>
-              <a:t>Female</a:t>
-            </a:r>
-            <a:r>
-              <a:rPr lang="mr-IN" b="1" dirty="0"/>
-              <a:t>', 12), ('</a:t>
-            </a:r>
-            <a:r>
-              <a:rPr lang="mr-IN" b="1" dirty="0" err="1"/>
-              <a:t>Female</a:t>
-            </a:r>
-            <a:r>
-              <a:rPr lang="mr-IN" b="1" dirty="0"/>
-              <a:t>', 12)], </a:t>
-            </a:r>
-            <a:r>
-              <a:rPr lang="mr-IN" b="1" dirty="0" err="1"/>
-              <a:t>columns</a:t>
-            </a:r>
-            <a:r>
-              <a:rPr lang="mr-IN" b="1" dirty="0"/>
-              <a:t>=['</a:t>
-            </a:r>
-            <a:r>
-              <a:rPr lang="mr-IN" b="1" dirty="0" err="1"/>
-              <a:t>Gender</a:t>
-            </a:r>
-            <a:r>
-              <a:rPr lang="mr-IN" b="1" dirty="0"/>
-              <a:t>','Age'])</a:t>
-            </a:r>
-            <a:endParaRPr lang="en-US" b="1" dirty="0"/>
-          </a:p>
-          <a:p>
-            <a:r>
-              <a:rPr lang="mr-IN" b="1" dirty="0"/>
-              <a:t>df2 = </a:t>
-            </a:r>
-            <a:r>
-              <a:rPr lang="mr-IN" b="1" dirty="0" err="1"/>
-              <a:t>pd.DataFrame</a:t>
-            </a:r>
-            <a:r>
-              <a:rPr lang="mr-IN" b="1" dirty="0"/>
-              <a:t>([('</a:t>
-            </a:r>
-            <a:r>
-              <a:rPr lang="mr-IN" b="1" dirty="0" err="1"/>
-              <a:t>Male</a:t>
-            </a:r>
-            <a:r>
-              <a:rPr lang="mr-IN" b="1" dirty="0"/>
-              <a:t>', 20),('</a:t>
-            </a:r>
-            <a:r>
-              <a:rPr lang="mr-IN" b="1" dirty="0" err="1"/>
-              <a:t>Male</a:t>
-            </a:r>
-            <a:r>
-              <a:rPr lang="mr-IN" b="1" dirty="0"/>
-              <a:t>', 21), ('</a:t>
-            </a:r>
-            <a:r>
-              <a:rPr lang="mr-IN" b="1" dirty="0" err="1"/>
-              <a:t>Female</a:t>
-            </a:r>
-            <a:r>
-              <a:rPr lang="mr-IN" b="1" dirty="0"/>
-              <a:t>', 21), ('</a:t>
-            </a:r>
-            <a:r>
-              <a:rPr lang="mr-IN" b="1" dirty="0" err="1"/>
-              <a:t>Female</a:t>
-            </a:r>
-            <a:r>
-              <a:rPr lang="mr-IN" b="1" dirty="0"/>
-              <a:t>', 22)], </a:t>
-            </a:r>
-            <a:r>
-              <a:rPr lang="mr-IN" b="1" dirty="0" err="1"/>
-              <a:t>columns</a:t>
-            </a:r>
-            <a:r>
-              <a:rPr lang="mr-IN" b="1" dirty="0"/>
-              <a:t>=['</a:t>
-            </a:r>
-            <a:r>
-              <a:rPr lang="mr-IN" b="1" dirty="0" err="1"/>
-              <a:t>Gender</a:t>
-            </a:r>
-            <a:r>
-              <a:rPr lang="mr-IN" b="1" dirty="0"/>
-              <a:t>','Age'])</a:t>
-            </a:r>
-            <a:endParaRPr lang="en-US" b="1" dirty="0"/>
-          </a:p>
-          <a:p>
-            <a:r>
-              <a:rPr lang="mr-IN" b="1" dirty="0" err="1"/>
-              <a:t>df</a:t>
-            </a:r>
-            <a:r>
-              <a:rPr lang="mr-IN" b="1" dirty="0"/>
-              <a:t> = </a:t>
-            </a:r>
-            <a:r>
-              <a:rPr lang="mr-IN" b="1" dirty="0" err="1"/>
-              <a:t>pd.concat</a:t>
-            </a:r>
-            <a:r>
-              <a:rPr lang="mr-IN" b="1" dirty="0"/>
-              <a:t>([df1, df2])</a:t>
-            </a:r>
-            <a:endParaRPr lang="en-US" b="1" dirty="0"/>
-          </a:p>
-          <a:p>
-            <a:r>
-              <a:rPr lang="mr-IN" b="1" dirty="0" err="1"/>
-              <a:t>print</a:t>
-            </a:r>
-            <a:r>
-              <a:rPr lang="mr-IN" b="1" dirty="0"/>
-              <a:t>(</a:t>
-            </a:r>
-            <a:r>
-              <a:rPr lang="mr-IN" b="1" dirty="0" err="1"/>
-              <a:t>df</a:t>
-            </a:r>
-            <a:r>
-              <a:rPr lang="mr-IN" b="1" dirty="0"/>
-              <a:t>)</a:t>
-            </a:r>
-            <a:endParaRPr lang="en-US" b="1" dirty="0"/>
-          </a:p>
-          <a:p>
-            <a:r>
-              <a:rPr lang="mr-IN" b="1" dirty="0"/>
-              <a:t>df3 = </a:t>
-            </a:r>
-            <a:r>
-              <a:rPr lang="mr-IN" b="1" dirty="0" err="1"/>
-              <a:t>pd.DataFrame</a:t>
-            </a:r>
-            <a:r>
-              <a:rPr lang="mr-IN" b="1" dirty="0"/>
-              <a:t>([('</a:t>
-            </a:r>
-            <a:r>
-              <a:rPr lang="mr-IN" b="1" dirty="0" err="1"/>
-              <a:t>John</a:t>
-            </a:r>
-            <a:r>
-              <a:rPr lang="mr-IN" b="1" dirty="0"/>
-              <a:t>', '</a:t>
-            </a:r>
-            <a:r>
-              <a:rPr lang="mr-IN" b="1" dirty="0" err="1"/>
-              <a:t>Smith</a:t>
-            </a:r>
-            <a:r>
-              <a:rPr lang="mr-IN" b="1" dirty="0"/>
-              <a:t>'), ('</a:t>
-            </a:r>
-            <a:r>
-              <a:rPr lang="mr-IN" b="1" dirty="0" err="1"/>
-              <a:t>Joe</a:t>
-            </a:r>
-            <a:r>
-              <a:rPr lang="mr-IN" b="1" dirty="0"/>
-              <a:t>','</a:t>
-            </a:r>
-            <a:r>
-              <a:rPr lang="mr-IN" b="1" dirty="0" err="1"/>
-              <a:t>Average</a:t>
-            </a:r>
-            <a:r>
-              <a:rPr lang="mr-IN" b="1" dirty="0"/>
-              <a:t>'), ('</a:t>
-            </a:r>
-            <a:r>
-              <a:rPr lang="mr-IN" b="1" dirty="0" err="1"/>
-              <a:t>Jane</a:t>
-            </a:r>
-            <a:r>
-              <a:rPr lang="mr-IN" b="1" dirty="0"/>
-              <a:t>', '</a:t>
-            </a:r>
-            <a:r>
-              <a:rPr lang="mr-IN" b="1" dirty="0" err="1"/>
-              <a:t>Doe</a:t>
-            </a:r>
-            <a:r>
-              <a:rPr lang="mr-IN" b="1" dirty="0"/>
-              <a:t>'), ('</a:t>
-            </a:r>
-            <a:r>
-              <a:rPr lang="mr-IN" b="1" dirty="0" err="1"/>
-              <a:t>Jill</a:t>
-            </a:r>
-            <a:r>
-              <a:rPr lang="mr-IN" b="1" dirty="0"/>
-              <a:t>', '</a:t>
-            </a:r>
-            <a:r>
-              <a:rPr lang="mr-IN" b="1" dirty="0" err="1"/>
-              <a:t>Hill</a:t>
-            </a:r>
-            <a:r>
-              <a:rPr lang="mr-IN" b="1" dirty="0"/>
-              <a:t>')], </a:t>
-            </a:r>
-            <a:r>
-              <a:rPr lang="mr-IN" b="1" dirty="0" err="1"/>
-              <a:t>columns</a:t>
-            </a:r>
-            <a:r>
-              <a:rPr lang="mr-IN" b="1" dirty="0"/>
-              <a:t> = ['</a:t>
-            </a:r>
-            <a:r>
-              <a:rPr lang="mr-IN" b="1" dirty="0" err="1"/>
-              <a:t>First</a:t>
-            </a:r>
-            <a:r>
-              <a:rPr lang="mr-IN" b="1" dirty="0"/>
-              <a:t>', '</a:t>
-            </a:r>
-            <a:r>
-              <a:rPr lang="mr-IN" b="1" dirty="0" err="1"/>
-              <a:t>Last</a:t>
-            </a:r>
-            <a:r>
-              <a:rPr lang="mr-IN" b="1" dirty="0"/>
-              <a:t>'])</a:t>
-            </a:r>
-            <a:endParaRPr lang="en-US" b="1" dirty="0"/>
-          </a:p>
-          <a:p>
-            <a:r>
-              <a:rPr lang="mr-IN" b="1" dirty="0" err="1"/>
-              <a:t>df</a:t>
-            </a:r>
-            <a:r>
-              <a:rPr lang="mr-IN" b="1" dirty="0"/>
-              <a:t> = </a:t>
-            </a:r>
-            <a:r>
-              <a:rPr lang="mr-IN" b="1" dirty="0" err="1"/>
-              <a:t>pd.concat</a:t>
-            </a:r>
-            <a:r>
-              <a:rPr lang="mr-IN" b="1" dirty="0"/>
-              <a:t>([df1, df3], </a:t>
-            </a:r>
-            <a:r>
-              <a:rPr lang="mr-IN" b="1" dirty="0" err="1"/>
-              <a:t>axis</a:t>
-            </a:r>
-            <a:r>
-              <a:rPr lang="mr-IN" b="1" dirty="0"/>
-              <a:t> = 1)</a:t>
-            </a:r>
-            <a:endParaRPr lang="en-US" b="1" dirty="0"/>
-          </a:p>
-          <a:p>
-            <a:r>
-              <a:rPr lang="mr-IN" b="1" dirty="0"/>
+              <a:rPr lang="en-US" b="1" dirty="0">
+                <a:cs typeface="Courier New" panose="02070309020205020404" pitchFamily="49" charset="0"/>
+              </a:rPr>
+              <a:t>df1 = pd.DataFrame([('Male', 10),('Male', 11), ('Female', 11), ('Female', 12), ('Female', 12)], columns=['Gender','Age'])</a:t>
+            </a:r>
+          </a:p>
+          <a:p>
+            <a:r>
+              <a:rPr lang="en-US" b="1" dirty="0">
+                <a:cs typeface="Courier New" panose="02070309020205020404" pitchFamily="49" charset="0"/>
+              </a:rPr>
+              <a:t>df2 = pd.DataFrame([('Male', 20),('Male', 21), ('Female', 21), ('Female', 22)], columns=['Gender','Age'])</a:t>
+            </a:r>
+          </a:p>
+          <a:p>
+            <a:r>
+              <a:rPr lang="en-US" b="1" dirty="0">
+                <a:cs typeface="Courier New" panose="02070309020205020404" pitchFamily="49" charset="0"/>
+              </a:rPr>
+              <a:t>df = pd.concat([df1, df2])</a:t>
+            </a:r>
+          </a:p>
+          <a:p>
+            <a:r>
+              <a:rPr lang="en-US" b="1" dirty="0">
+                <a:cs typeface="Courier New" panose="02070309020205020404" pitchFamily="49" charset="0"/>
+              </a:rPr>
               <a:t>print (df)</a:t>
             </a:r>
-            <a:endParaRPr lang="en-US" b="1" dirty="0"/>
+          </a:p>
+          <a:p>
+            <a:r>
+              <a:rPr lang="en-US" b="1" dirty="0">
+                <a:cs typeface="Courier New" panose="02070309020205020404" pitchFamily="49" charset="0"/>
+              </a:rPr>
+              <a:t>df3 = pd.DataFrame([('John', 'Smith'), ('Joe','Average'), ('Jane', 'Doe'), ('Jill', 'Hill')], columns = ['First', 'Last'])</a:t>
+            </a:r>
+          </a:p>
+          <a:p>
+            <a:r>
+              <a:rPr lang="en-US" b="1" dirty="0">
+                <a:cs typeface="Courier New" panose="02070309020205020404" pitchFamily="49" charset="0"/>
+              </a:rPr>
+              <a:t>df = pd.concat([df1, df3], axis = 1)</a:t>
+            </a:r>
+          </a:p>
+          <a:p>
+            <a:r>
+              <a:rPr lang="en-US" b="1" dirty="0">
+                <a:cs typeface="Courier New" panose="02070309020205020404" pitchFamily="49" charset="0"/>
+              </a:rPr>
+              <a:t>print (df)</a:t>
+            </a:r>
           </a:p>
         </p:txBody>
       </p:sp>
@@ -10570,10 +10223,10 @@
       </p:sp>
       <p:sp>
         <p:nvSpPr>
-          <p:cNvPr id="4" name="TextBox 3">
+          <p:cNvPr id="5" name="TextBox 4">
             <a:extLst>
               <a:ext uri="{FF2B5EF4-FFF2-40B4-BE49-F238E27FC236}">
-                <a16:creationId xmlns:a16="http://schemas.microsoft.com/office/drawing/2014/main" id="{B25BD5BC-E8B9-4540-A404-A5C6B4AFC25D}"/>
+                <a16:creationId xmlns:a16="http://schemas.microsoft.com/office/drawing/2014/main" id="{9190A111-1DE6-4DCD-90BC-A835D0B6B3A9}"/>
               </a:ext>
             </a:extLst>
           </p:cNvPr>
@@ -10582,8 +10235,8 @@
         </p:nvSpPr>
         <p:spPr>
           <a:xfrm>
-            <a:off x="837706" y="1912108"/>
-            <a:ext cx="7468588" cy="2246769"/>
+            <a:off x="170441" y="1961584"/>
+            <a:ext cx="8803118" cy="2246769"/>
           </a:xfrm>
           <a:prstGeom prst="rect">
             <a:avLst/>
@@ -10718,405 +10371,60 @@
           </a:lstStyle>
           <a:p>
             <a:r>
-              <a:rPr lang="mr-IN" b="1" dirty="0" err="1"/>
-              <a:t>person_data</a:t>
-            </a:r>
-            <a:r>
-              <a:rPr lang="mr-IN" b="1" dirty="0"/>
-              <a:t> = { '</a:t>
-            </a:r>
-            <a:r>
-              <a:rPr lang="mr-IN" b="1" dirty="0" err="1"/>
-              <a:t>id</a:t>
-            </a:r>
-            <a:r>
-              <a:rPr lang="mr-IN" b="1" dirty="0"/>
-              <a:t>': ['1', '2', '3', '4', '5'],       </a:t>
-            </a:r>
+              <a:rPr lang="en-US" b="1" dirty="0"/>
+              <a:t>person_data = { 'id': ['1', '2', '3', '4', '5'],       </a:t>
+            </a:r>
+          </a:p>
+          <a:p>
+            <a:r>
+              <a:rPr lang="en-US" b="1" dirty="0"/>
+              <a:t>     'first_name': ['John', 'Sue', 'Jack', 'Alice', 'Joe'],        </a:t>
+            </a:r>
+          </a:p>
+          <a:p>
+            <a:r>
+              <a:rPr lang="en-US" b="1" dirty="0"/>
+              <a:t>     'last_name': ['Smith', 'Miller', 'Sprat', 'Wonderland', 'Blow']}</a:t>
+            </a:r>
+          </a:p>
+          <a:p>
+            <a:r>
+              <a:rPr lang="en-US" b="1" dirty="0"/>
+              <a:t>df1 = pd.DataFrame(person_data, columns = ['id', 'first_name', 'last_name'])</a:t>
+            </a:r>
+          </a:p>
+          <a:p>
             <a:endParaRPr lang="en-US" b="1" dirty="0"/>
           </a:p>
           <a:p>
             <a:r>
               <a:rPr lang="en-US" b="1" dirty="0"/>
-              <a:t>    </a:t>
-            </a:r>
-            <a:r>
-              <a:rPr lang="mr-IN" b="1" dirty="0"/>
-              <a:t> '</a:t>
-            </a:r>
-            <a:r>
-              <a:rPr lang="mr-IN" b="1" dirty="0" err="1"/>
-              <a:t>first_name</a:t>
-            </a:r>
-            <a:r>
-              <a:rPr lang="mr-IN" b="1" dirty="0"/>
-              <a:t>': ['</a:t>
-            </a:r>
-            <a:r>
-              <a:rPr lang="mr-IN" b="1" dirty="0" err="1"/>
-              <a:t>John</a:t>
-            </a:r>
-            <a:r>
-              <a:rPr lang="mr-IN" b="1" dirty="0"/>
-              <a:t>', '</a:t>
-            </a:r>
-            <a:r>
-              <a:rPr lang="mr-IN" b="1" dirty="0" err="1"/>
-              <a:t>Sue</a:t>
-            </a:r>
-            <a:r>
-              <a:rPr lang="mr-IN" b="1" dirty="0"/>
-              <a:t>', '</a:t>
-            </a:r>
-            <a:r>
-              <a:rPr lang="mr-IN" b="1" dirty="0" err="1"/>
-              <a:t>Jack</a:t>
-            </a:r>
-            <a:r>
-              <a:rPr lang="mr-IN" b="1" dirty="0"/>
-              <a:t>', '</a:t>
-            </a:r>
-            <a:r>
-              <a:rPr lang="mr-IN" b="1" dirty="0" err="1"/>
-              <a:t>Alice</a:t>
-            </a:r>
-            <a:r>
-              <a:rPr lang="mr-IN" b="1" dirty="0"/>
-              <a:t>', '</a:t>
-            </a:r>
-            <a:r>
-              <a:rPr lang="mr-IN" b="1" dirty="0" err="1"/>
-              <a:t>Joe</a:t>
-            </a:r>
-            <a:r>
-              <a:rPr lang="mr-IN" b="1" dirty="0"/>
-              <a:t>'],        </a:t>
-            </a:r>
-            <a:endParaRPr lang="en-US" b="1" dirty="0"/>
+              <a:t>skill_data = {'id' : ['1', '1', '2', '3', '3', '3', '5', '6'],</a:t>
+            </a:r>
           </a:p>
           <a:p>
             <a:r>
               <a:rPr lang="en-US" b="1" dirty="0"/>
-              <a:t>    </a:t>
-            </a:r>
-            <a:r>
-              <a:rPr lang="mr-IN" b="1" dirty="0"/>
-              <a:t> '</a:t>
-            </a:r>
-            <a:r>
-              <a:rPr lang="mr-IN" b="1" dirty="0" err="1"/>
-              <a:t>last_name</a:t>
-            </a:r>
-            <a:r>
-              <a:rPr lang="mr-IN" b="1" dirty="0"/>
-              <a:t>': ['</a:t>
-            </a:r>
-            <a:r>
-              <a:rPr lang="mr-IN" b="1" dirty="0" err="1"/>
-              <a:t>Smith</a:t>
-            </a:r>
-            <a:r>
-              <a:rPr lang="mr-IN" b="1" dirty="0"/>
-              <a:t>', '</a:t>
-            </a:r>
-            <a:r>
-              <a:rPr lang="mr-IN" b="1" dirty="0" err="1"/>
-              <a:t>Miller</a:t>
-            </a:r>
-            <a:r>
-              <a:rPr lang="mr-IN" b="1" dirty="0"/>
-              <a:t>', '</a:t>
-            </a:r>
-            <a:r>
-              <a:rPr lang="mr-IN" b="1" dirty="0" err="1"/>
-              <a:t>Sprat</a:t>
-            </a:r>
-            <a:r>
-              <a:rPr lang="mr-IN" b="1" dirty="0"/>
-              <a:t>', '</a:t>
-            </a:r>
-            <a:r>
-              <a:rPr lang="mr-IN" b="1" dirty="0" err="1"/>
-              <a:t>Wonderland</a:t>
-            </a:r>
-            <a:r>
-              <a:rPr lang="mr-IN" b="1" dirty="0"/>
-              <a:t>', '</a:t>
-            </a:r>
-            <a:r>
-              <a:rPr lang="mr-IN" b="1" dirty="0" err="1"/>
-              <a:t>Blow</a:t>
-            </a:r>
-            <a:r>
-              <a:rPr lang="mr-IN" b="1" dirty="0"/>
-              <a:t>']}</a:t>
-            </a:r>
-            <a:endParaRPr lang="en-US" b="1" dirty="0"/>
-          </a:p>
-          <a:p>
-            <a:r>
-              <a:rPr lang="mr-IN" b="1" dirty="0"/>
-              <a:t>df1 = </a:t>
-            </a:r>
-            <a:r>
-              <a:rPr lang="mr-IN" b="1" dirty="0" err="1"/>
-              <a:t>pd.DataFrame</a:t>
-            </a:r>
-            <a:r>
-              <a:rPr lang="mr-IN" b="1" dirty="0"/>
-              <a:t>(</a:t>
-            </a:r>
-            <a:r>
-              <a:rPr lang="mr-IN" b="1" dirty="0" err="1"/>
-              <a:t>person_data</a:t>
-            </a:r>
-            <a:r>
-              <a:rPr lang="mr-IN" b="1" dirty="0"/>
-              <a:t>, </a:t>
-            </a:r>
-            <a:r>
-              <a:rPr lang="mr-IN" b="1" dirty="0" err="1"/>
-              <a:t>columns</a:t>
-            </a:r>
-            <a:r>
-              <a:rPr lang="mr-IN" b="1" dirty="0"/>
-              <a:t> = ['</a:t>
-            </a:r>
-            <a:r>
-              <a:rPr lang="mr-IN" b="1" dirty="0" err="1"/>
-              <a:t>id</a:t>
-            </a:r>
-            <a:r>
-              <a:rPr lang="mr-IN" b="1" dirty="0"/>
-              <a:t>', '</a:t>
-            </a:r>
-            <a:r>
-              <a:rPr lang="mr-IN" b="1" dirty="0" err="1"/>
-              <a:t>first_name</a:t>
-            </a:r>
-            <a:r>
-              <a:rPr lang="mr-IN" b="1" dirty="0"/>
-              <a:t>', '</a:t>
-            </a:r>
-            <a:r>
-              <a:rPr lang="mr-IN" b="1" dirty="0" err="1"/>
-              <a:t>last_name</a:t>
-            </a:r>
-            <a:r>
-              <a:rPr lang="mr-IN" b="1" dirty="0"/>
-              <a:t>'])</a:t>
-            </a:r>
-            <a:endParaRPr lang="en-US" b="1" dirty="0"/>
-          </a:p>
-          <a:p>
-            <a:endParaRPr lang="en-US" b="1" dirty="0"/>
-          </a:p>
-          <a:p>
-            <a:r>
-              <a:rPr lang="mr-IN" b="1" dirty="0" err="1"/>
-              <a:t>skill_data</a:t>
-            </a:r>
-            <a:r>
-              <a:rPr lang="mr-IN" b="1" dirty="0"/>
-              <a:t> = {'</a:t>
-            </a:r>
-            <a:r>
-              <a:rPr lang="mr-IN" b="1" dirty="0" err="1"/>
-              <a:t>id</a:t>
-            </a:r>
-            <a:r>
-              <a:rPr lang="mr-IN" b="1" dirty="0"/>
-              <a:t>' : ['1', '1', '2', '3', '3', '3', '5', '6'],</a:t>
-            </a:r>
-            <a:endParaRPr lang="en-US" b="1" dirty="0"/>
-          </a:p>
-          <a:p>
-            <a:r>
-              <a:rPr lang="mr-IN" b="1" dirty="0"/>
-              <a:t>   '</a:t>
-            </a:r>
-            <a:r>
-              <a:rPr lang="mr-IN" b="1" dirty="0" err="1"/>
-              <a:t>skill</a:t>
-            </a:r>
-            <a:r>
-              <a:rPr lang="mr-IN" b="1" dirty="0"/>
-              <a:t>' : ['C++', '</a:t>
-            </a:r>
-            <a:r>
-              <a:rPr lang="mr-IN" b="1" dirty="0" err="1"/>
-              <a:t>Java</a:t>
-            </a:r>
-            <a:r>
-              <a:rPr lang="mr-IN" b="1" dirty="0"/>
-              <a:t>', '</a:t>
-            </a:r>
-            <a:r>
-              <a:rPr lang="mr-IN" b="1" dirty="0" err="1"/>
-              <a:t>Java</a:t>
-            </a:r>
-            <a:r>
-              <a:rPr lang="mr-IN" b="1" dirty="0"/>
-              <a:t>', 'C++', '</a:t>
-            </a:r>
-            <a:r>
-              <a:rPr lang="mr-IN" b="1" dirty="0" err="1"/>
-              <a:t>Java</a:t>
-            </a:r>
-            <a:r>
-              <a:rPr lang="mr-IN" b="1" dirty="0"/>
-              <a:t>', '</a:t>
-            </a:r>
-            <a:r>
-              <a:rPr lang="mr-IN" b="1" dirty="0" err="1"/>
-              <a:t>Python</a:t>
-            </a:r>
-            <a:r>
-              <a:rPr lang="mr-IN" b="1" dirty="0"/>
-              <a:t>', '</a:t>
-            </a:r>
-            <a:r>
-              <a:rPr lang="mr-IN" b="1" dirty="0" err="1"/>
-              <a:t>Python</a:t>
-            </a:r>
-            <a:r>
-              <a:rPr lang="mr-IN" b="1" dirty="0"/>
-              <a:t>',</a:t>
-            </a:r>
+              <a:t>   'skill' : ['C++', 'Java', 'Java', 'C++', 'Java', 'Python', 'Python', 'Java']}</a:t>
+            </a:r>
+          </a:p>
+          <a:p>
             <a:r>
               <a:rPr lang="en-US" b="1" dirty="0"/>
-              <a:t> </a:t>
-            </a:r>
-            <a:r>
-              <a:rPr lang="mr-IN" b="1" dirty="0"/>
-              <a:t>'</a:t>
-            </a:r>
-            <a:r>
-              <a:rPr lang="mr-IN" b="1" dirty="0" err="1"/>
-              <a:t>Java</a:t>
-            </a:r>
-            <a:r>
-              <a:rPr lang="mr-IN" b="1" dirty="0"/>
-              <a:t>']}</a:t>
-            </a:r>
-            <a:endParaRPr lang="en-US" b="1" dirty="0"/>
-          </a:p>
-          <a:p>
-            <a:r>
-              <a:rPr lang="mr-IN" b="1" dirty="0"/>
-              <a:t>df2 = </a:t>
-            </a:r>
-            <a:r>
-              <a:rPr lang="mr-IN" b="1" dirty="0" err="1"/>
-              <a:t>pd.DataFrame</a:t>
-            </a:r>
-            <a:r>
-              <a:rPr lang="mr-IN" b="1" dirty="0"/>
-              <a:t>(</a:t>
-            </a:r>
-            <a:r>
-              <a:rPr lang="mr-IN" b="1" dirty="0" err="1"/>
-              <a:t>skill_data</a:t>
-            </a:r>
-            <a:r>
-              <a:rPr lang="mr-IN" b="1" dirty="0"/>
-              <a:t>, </a:t>
-            </a:r>
-            <a:r>
-              <a:rPr lang="mr-IN" b="1" dirty="0" err="1"/>
-              <a:t>columns</a:t>
-            </a:r>
-            <a:r>
-              <a:rPr lang="mr-IN" b="1" dirty="0"/>
-              <a:t> = ['</a:t>
-            </a:r>
-            <a:r>
-              <a:rPr lang="mr-IN" b="1" dirty="0" err="1"/>
-              <a:t>id</a:t>
-            </a:r>
-            <a:r>
-              <a:rPr lang="mr-IN" b="1" dirty="0"/>
-              <a:t>', '</a:t>
-            </a:r>
-            <a:r>
-              <a:rPr lang="mr-IN" b="1" dirty="0" err="1"/>
-              <a:t>skill</a:t>
-            </a:r>
-            <a:r>
-              <a:rPr lang="mr-IN" b="1" dirty="0"/>
-              <a:t>'])</a:t>
-            </a:r>
-            <a:endParaRPr lang="en-US" b="1" dirty="0"/>
-          </a:p>
-          <a:p>
-            <a:r>
-              <a:rPr lang="mr-IN" b="1" dirty="0" err="1"/>
-              <a:t>print</a:t>
-            </a:r>
-            <a:r>
-              <a:rPr lang="mr-IN" b="1" dirty="0"/>
-              <a:t> (</a:t>
-            </a:r>
-            <a:r>
-              <a:rPr lang="mr-IN" b="1" dirty="0" err="1"/>
-              <a:t>pd.merge</a:t>
-            </a:r>
-            <a:r>
-              <a:rPr lang="mr-IN" b="1" dirty="0"/>
-              <a:t>(df1, df2, </a:t>
-            </a:r>
-            <a:r>
-              <a:rPr lang="mr-IN" b="1" dirty="0" err="1"/>
-              <a:t>on</a:t>
-            </a:r>
-            <a:r>
-              <a:rPr lang="mr-IN" b="1" dirty="0"/>
-              <a:t> = '</a:t>
-            </a:r>
-            <a:r>
-              <a:rPr lang="mr-IN" b="1" dirty="0" err="1"/>
-              <a:t>id</a:t>
-            </a:r>
-            <a:r>
-              <a:rPr lang="mr-IN" b="1" dirty="0"/>
-              <a:t>'))</a:t>
-            </a:r>
-            <a:endParaRPr lang="en-US" b="1" dirty="0"/>
-          </a:p>
-          <a:p>
-            <a:r>
-              <a:rPr lang="mr-IN" b="1" dirty="0" err="1"/>
-              <a:t>print</a:t>
-            </a:r>
-            <a:r>
-              <a:rPr lang="mr-IN" b="1" dirty="0"/>
-              <a:t> (</a:t>
-            </a:r>
-            <a:r>
-              <a:rPr lang="mr-IN" b="1" dirty="0" err="1"/>
-              <a:t>pd.merge</a:t>
-            </a:r>
-            <a:r>
-              <a:rPr lang="mr-IN" b="1" dirty="0"/>
-              <a:t>(df1, df2, </a:t>
-            </a:r>
-            <a:r>
-              <a:rPr lang="mr-IN" b="1" dirty="0" err="1"/>
-              <a:t>how</a:t>
-            </a:r>
-            <a:r>
-              <a:rPr lang="mr-IN" b="1" dirty="0"/>
-              <a:t> = '</a:t>
-            </a:r>
-            <a:r>
-              <a:rPr lang="mr-IN" b="1" dirty="0" err="1"/>
-              <a:t>left</a:t>
-            </a:r>
-            <a:r>
-              <a:rPr lang="mr-IN" b="1" dirty="0"/>
-              <a:t>' ))</a:t>
-            </a:r>
-            <a:endParaRPr lang="en-US" b="1" dirty="0"/>
+              <a:t>df2 = pd.DataFrame(skill_data, columns = ['id', 'skill'])</a:t>
+            </a:r>
+          </a:p>
+          <a:p>
+            <a:r>
+              <a:rPr lang="en-US" b="1" dirty="0"/>
+              <a:t>print (pd.merge(df1, df2, on = 'id'))</a:t>
+            </a:r>
+          </a:p>
+          <a:p>
+            <a:r>
+              <a:rPr lang="en-US" b="1" dirty="0"/>
+              <a:t>print (pd.merge(df1, df2, how = 'left'))</a:t>
+            </a:r>
           </a:p>
         </p:txBody>
       </p:sp>
@@ -11700,15 +11008,7 @@
           <a:p>
             <a:r>
               <a:rPr lang="en-US" b="1" dirty="0"/>
-              <a:t>df2 = </a:t>
-            </a:r>
-            <a:r>
-              <a:rPr lang="en-US" b="1" dirty="0" err="1"/>
-              <a:t>pd.concat</a:t>
-            </a:r>
-            <a:r>
-              <a:rPr lang="en-US" b="1" dirty="0"/>
-              <a:t>([df1[['id','first_name']], dummies], axis = 1)</a:t>
+              <a:t>df2 = pd.concat([df1[['id','first_name']], dummies], axis = 1)</a:t>
             </a:r>
           </a:p>
           <a:p>
@@ -11726,15 +11026,7 @@
           <a:p>
             <a:r>
               <a:rPr lang="en-US" b="1" dirty="0"/>
-              <a:t>df3 = </a:t>
-            </a:r>
-            <a:r>
-              <a:rPr lang="en-US" b="1" dirty="0" err="1"/>
-              <a:t>pd.concat</a:t>
-            </a:r>
-            <a:r>
-              <a:rPr lang="en-US" b="1" dirty="0"/>
-              <a:t>([df1[['id','first_name']], dummies], axis = 1)</a:t>
+              <a:t>df3 = pd.concat([df1[['id','first_name']], dummies], axis = 1)</a:t>
             </a:r>
           </a:p>
           <a:p>
@@ -11805,9 +11097,14 @@
         </p:blipFill>
         <p:spPr>
           <a:xfrm>
-            <a:off x="5696506" y="3414020"/>
+            <a:off x="5650786" y="3331724"/>
             <a:ext cx="3246326" cy="2859230"/>
           </a:xfrm>
+          <a:ln>
+            <a:solidFill>
+              <a:schemeClr val="accent3"/>
+            </a:solidFill>
+          </a:ln>
         </p:spPr>
       </p:pic>
       <p:sp>
@@ -12204,31 +11501,31 @@
             </a:pPr>
             <a:r>
               <a:rPr lang="en-US" dirty="0"/>
-              <a:t>In this chapter, we will:</a:t>
+              <a:t>In this chapter, we will introduce:</a:t>
             </a:r>
           </a:p>
           <a:p>
             <a:r>
               <a:rPr lang="en-US" dirty="0"/>
-              <a:t>Basic statistics Primer</a:t>
+              <a:t>A basic refresher on statistics</a:t>
             </a:r>
           </a:p>
           <a:p>
             <a:r>
               <a:rPr lang="en-US" dirty="0"/>
-              <a:t>Learn basic ETL (extract, transform, and load) and reshaping data for modeling</a:t>
+              <a:t>Basic ETL (extract, transform, and load) and reshaping data for modeling</a:t>
             </a:r>
           </a:p>
           <a:p>
             <a:r>
               <a:rPr lang="en-US" dirty="0"/>
-              <a:t>Split data into training and testing sets</a:t>
+              <a:t>Splitting data into training and testing sets</a:t>
             </a:r>
           </a:p>
           <a:p>
             <a:r>
               <a:rPr lang="en-US" dirty="0"/>
-              <a:t>Explore free-form text</a:t>
+              <a:t>Free-form text</a:t>
             </a:r>
           </a:p>
           <a:p>
@@ -12302,60 +11599,6 @@
       </p:grpSpPr>
       <p:sp>
         <p:nvSpPr>
-          <p:cNvPr id="3" name="Text Placeholder 2"/>
-          <p:cNvSpPr>
-            <a:spLocks noGrp="1"/>
-          </p:cNvSpPr>
-          <p:nvPr>
-            <p:ph type="body" sz="quarter" idx="11"/>
-          </p:nvPr>
-        </p:nvSpPr>
-        <p:spPr>
-          <a:xfrm>
-            <a:off x="3114493" y="1586192"/>
-            <a:ext cx="5742641" cy="4101913"/>
-          </a:xfrm>
-        </p:spPr>
-        <p:txBody>
-          <a:bodyPr/>
-          <a:lstStyle/>
-          <a:p>
-            <a:r>
-              <a:rPr lang="en-US" dirty="0"/>
-              <a:t>Statistics Primer</a:t>
-            </a:r>
-          </a:p>
-          <a:p>
-            <a:r>
-              <a:rPr lang="en-US" dirty="0"/>
-              <a:t>Basic ETL and Reshaping</a:t>
-            </a:r>
-          </a:p>
-          <a:p>
-            <a:pPr lvl="1"/>
-            <a:r>
-              <a:rPr lang="en-US" b="1" dirty="0"/>
-              <a:t>Splitting Data</a:t>
-            </a:r>
-          </a:p>
-          <a:p>
-            <a:pPr lvl="1"/>
-            <a:r>
-              <a:rPr lang="en-US" dirty="0"/>
-              <a:t>Free-Form Text</a:t>
-            </a:r>
-          </a:p>
-          <a:p>
-            <a:pPr lvl="1"/>
-            <a:r>
-              <a:rPr lang="en-US" dirty="0"/>
-              <a:t>Chapter Summary</a:t>
-            </a:r>
-          </a:p>
-        </p:txBody>
-      </p:sp>
-      <p:sp>
-        <p:nvSpPr>
           <p:cNvPr id="2" name="Title 1"/>
           <p:cNvSpPr>
             <a:spLocks noGrp="1"/>
@@ -12376,361 +11619,326 @@
           </a:p>
         </p:txBody>
       </p:sp>
-      <p:grpSp>
-        <p:nvGrpSpPr>
-          <p:cNvPr id="13" name="Group 12"/>
-          <p:cNvGrpSpPr/>
-          <p:nvPr/>
-        </p:nvGrpSpPr>
-        <p:grpSpPr>
-          <a:xfrm>
-            <a:off x="2704171" y="2953956"/>
-            <a:ext cx="410322" cy="377482"/>
-            <a:chOff x="1766887" y="1515010"/>
-            <a:chExt cx="741316" cy="700622"/>
-          </a:xfrm>
-          <a:solidFill>
-            <a:schemeClr val="accent4"/>
-          </a:solidFill>
-          <a:scene3d>
-            <a:camera prst="orthographicFront">
-              <a:rot lat="0" lon="0" rev="0"/>
-            </a:camera>
-            <a:lightRig rig="balanced" dir="t">
-              <a:rot lat="0" lon="0" rev="8700000"/>
-            </a:lightRig>
-          </a:scene3d>
-        </p:grpSpPr>
-        <p:sp>
-          <p:nvSpPr>
-            <p:cNvPr id="16" name="AutoShape 10"/>
-            <p:cNvSpPr>
-              <a:spLocks noChangeArrowheads="1"/>
-            </p:cNvSpPr>
-            <p:nvPr/>
-          </p:nvSpPr>
-          <p:spPr bwMode="black">
-            <a:xfrm rot="5400000">
-              <a:off x="1787234" y="1494663"/>
-              <a:ext cx="700622" cy="741316"/>
-            </a:xfrm>
-            <a:custGeom>
-              <a:avLst/>
-              <a:gdLst>
-                <a:gd name="connsiteX0" fmla="*/ 0 w 264955"/>
-                <a:gd name="connsiteY0" fmla="*/ 311498 h 311498"/>
-                <a:gd name="connsiteX1" fmla="*/ 132478 w 264955"/>
-                <a:gd name="connsiteY1" fmla="*/ 0 h 311498"/>
-                <a:gd name="connsiteX2" fmla="*/ 264955 w 264955"/>
-                <a:gd name="connsiteY2" fmla="*/ 311498 h 311498"/>
-                <a:gd name="connsiteX3" fmla="*/ 0 w 264955"/>
-                <a:gd name="connsiteY3" fmla="*/ 311498 h 311498"/>
-                <a:gd name="connsiteX0" fmla="*/ 0 w 264955"/>
-                <a:gd name="connsiteY0" fmla="*/ 311498 h 312908"/>
-                <a:gd name="connsiteX1" fmla="*/ 132478 w 264955"/>
-                <a:gd name="connsiteY1" fmla="*/ 0 h 312908"/>
-                <a:gd name="connsiteX2" fmla="*/ 264955 w 264955"/>
-                <a:gd name="connsiteY2" fmla="*/ 311498 h 312908"/>
-                <a:gd name="connsiteX3" fmla="*/ 124553 w 264955"/>
-                <a:gd name="connsiteY3" fmla="*/ 312908 h 312908"/>
-                <a:gd name="connsiteX4" fmla="*/ 0 w 264955"/>
-                <a:gd name="connsiteY4" fmla="*/ 311498 h 312908"/>
-                <a:gd name="connsiteX0" fmla="*/ 0 w 264955"/>
-                <a:gd name="connsiteY0" fmla="*/ 311498 h 311498"/>
-                <a:gd name="connsiteX1" fmla="*/ 132478 w 264955"/>
-                <a:gd name="connsiteY1" fmla="*/ 0 h 311498"/>
-                <a:gd name="connsiteX2" fmla="*/ 264955 w 264955"/>
-                <a:gd name="connsiteY2" fmla="*/ 311498 h 311498"/>
-                <a:gd name="connsiteX3" fmla="*/ 138844 w 264955"/>
-                <a:gd name="connsiteY3" fmla="*/ 253377 h 311498"/>
-                <a:gd name="connsiteX4" fmla="*/ 0 w 264955"/>
-                <a:gd name="connsiteY4" fmla="*/ 311498 h 311498"/>
-              </a:gdLst>
-              <a:ahLst/>
-              <a:cxnLst>
-                <a:cxn ang="0">
-                  <a:pos x="connsiteX0" y="connsiteY0"/>
-                </a:cxn>
-                <a:cxn ang="0">
-                  <a:pos x="connsiteX1" y="connsiteY1"/>
-                </a:cxn>
-                <a:cxn ang="0">
-                  <a:pos x="connsiteX2" y="connsiteY2"/>
-                </a:cxn>
-                <a:cxn ang="0">
-                  <a:pos x="connsiteX3" y="connsiteY3"/>
-                </a:cxn>
-                <a:cxn ang="0">
-                  <a:pos x="connsiteX4" y="connsiteY4"/>
-                </a:cxn>
-              </a:cxnLst>
-              <a:rect l="l" t="t" r="r" b="b"/>
-              <a:pathLst>
-                <a:path w="264955" h="311498">
-                  <a:moveTo>
-                    <a:pt x="0" y="311498"/>
-                  </a:moveTo>
-                  <a:lnTo>
-                    <a:pt x="132478" y="0"/>
-                  </a:lnTo>
-                  <a:lnTo>
-                    <a:pt x="264955" y="311498"/>
-                  </a:lnTo>
-                  <a:lnTo>
-                    <a:pt x="138844" y="253377"/>
-                  </a:lnTo>
-                  <a:lnTo>
-                    <a:pt x="0" y="311498"/>
-                  </a:lnTo>
-                  <a:close/>
-                </a:path>
-              </a:pathLst>
-            </a:custGeom>
-            <a:grpFill/>
-            <a:ln w="19050">
-              <a:noFill/>
-              <a:miter lim="800000"/>
-              <a:headEnd/>
-              <a:tailEnd/>
-            </a:ln>
-            <a:effectLst>
-              <a:outerShdw blurRad="44450" dist="27940" dir="5400000" algn="ctr">
-                <a:srgbClr val="000000">
-                  <a:alpha val="32000"/>
-                </a:srgbClr>
-              </a:outerShdw>
-            </a:effectLst>
-            <a:sp3d>
-              <a:bevelT w="190500" h="38100"/>
-            </a:sp3d>
-          </p:spPr>
-          <p:txBody>
-            <a:bodyPr rot="10800000" vert="eaVert" wrap="none" anchor="ctr"/>
-            <a:lstStyle/>
-            <a:p>
-              <a:endParaRPr lang="en-GB" dirty="0">
-                <a:solidFill>
-                  <a:schemeClr val="accent6"/>
-                </a:solidFill>
-              </a:endParaRPr>
-            </a:p>
-          </p:txBody>
-        </p:sp>
-        <p:sp>
-          <p:nvSpPr>
-            <p:cNvPr id="17" name="Freeform 11"/>
-            <p:cNvSpPr>
-              <a:spLocks/>
-            </p:cNvSpPr>
-            <p:nvPr/>
-          </p:nvSpPr>
-          <p:spPr bwMode="hidden">
-            <a:xfrm>
-              <a:off x="1802606" y="1545430"/>
-              <a:ext cx="701117" cy="344477"/>
-            </a:xfrm>
-            <a:custGeom>
-              <a:avLst/>
-              <a:gdLst>
-                <a:gd name="T0" fmla="*/ 0 w 245"/>
-                <a:gd name="T1" fmla="*/ 0 h 158"/>
-                <a:gd name="T2" fmla="*/ 245 w 245"/>
-                <a:gd name="T3" fmla="*/ 146 h 158"/>
-                <a:gd name="T4" fmla="*/ 226 w 245"/>
-                <a:gd name="T5" fmla="*/ 158 h 158"/>
-                <a:gd name="T6" fmla="*/ 0 w 245"/>
-                <a:gd name="T7" fmla="*/ 23 h 158"/>
-                <a:gd name="T8" fmla="*/ 0 w 245"/>
-                <a:gd name="T9" fmla="*/ 0 h 158"/>
-                <a:gd name="T10" fmla="*/ 0 60000 65536"/>
-                <a:gd name="T11" fmla="*/ 0 60000 65536"/>
-                <a:gd name="T12" fmla="*/ 0 60000 65536"/>
-                <a:gd name="T13" fmla="*/ 0 60000 65536"/>
-                <a:gd name="T14" fmla="*/ 0 60000 65536"/>
-                <a:gd name="T15" fmla="*/ 0 w 245"/>
-                <a:gd name="T16" fmla="*/ 0 h 158"/>
-                <a:gd name="T17" fmla="*/ 245 w 245"/>
-                <a:gd name="T18" fmla="*/ 158 h 158"/>
-              </a:gdLst>
-              <a:ahLst/>
-              <a:cxnLst>
-                <a:cxn ang="T10">
-                  <a:pos x="T0" y="T1"/>
-                </a:cxn>
-                <a:cxn ang="T11">
-                  <a:pos x="T2" y="T3"/>
-                </a:cxn>
-                <a:cxn ang="T12">
-                  <a:pos x="T4" y="T5"/>
-                </a:cxn>
-                <a:cxn ang="T13">
-                  <a:pos x="T6" y="T7"/>
-                </a:cxn>
-                <a:cxn ang="T14">
-                  <a:pos x="T8" y="T9"/>
-                </a:cxn>
-              </a:cxnLst>
-              <a:rect l="T15" t="T16" r="T17" b="T18"/>
-              <a:pathLst>
-                <a:path w="245" h="158">
-                  <a:moveTo>
-                    <a:pt x="0" y="0"/>
-                  </a:moveTo>
-                  <a:lnTo>
-                    <a:pt x="245" y="146"/>
-                  </a:lnTo>
-                  <a:lnTo>
-                    <a:pt x="226" y="158"/>
-                  </a:lnTo>
-                  <a:lnTo>
-                    <a:pt x="0" y="23"/>
-                  </a:lnTo>
-                  <a:lnTo>
-                    <a:pt x="0" y="0"/>
-                  </a:lnTo>
-                  <a:close/>
-                </a:path>
-              </a:pathLst>
-            </a:custGeom>
-            <a:grpFill/>
-            <a:ln w="28575" cap="flat" cmpd="sng">
-              <a:noFill/>
-              <a:prstDash val="solid"/>
-              <a:round/>
-              <a:headEnd type="none" w="med" len="med"/>
-              <a:tailEnd type="none" w="med" len="med"/>
-            </a:ln>
-            <a:effectLst>
-              <a:outerShdw blurRad="44450" dist="27940" dir="5400000" algn="ctr">
-                <a:srgbClr val="000000">
-                  <a:alpha val="32000"/>
-                </a:srgbClr>
-              </a:outerShdw>
-            </a:effectLst>
-            <a:sp3d>
-              <a:bevelT w="190500" h="38100"/>
-            </a:sp3d>
-          </p:spPr>
-          <p:txBody>
-            <a:bodyPr/>
-            <a:lstStyle/>
-            <a:p>
-              <a:endParaRPr lang="en-US" dirty="0">
-                <a:solidFill>
-                  <a:schemeClr val="accent6"/>
-                </a:solidFill>
-              </a:endParaRPr>
-            </a:p>
-          </p:txBody>
-        </p:sp>
-        <p:sp>
-          <p:nvSpPr>
-            <p:cNvPr id="18" name="Freeform 12"/>
-            <p:cNvSpPr>
-              <a:spLocks/>
-            </p:cNvSpPr>
-            <p:nvPr/>
-          </p:nvSpPr>
-          <p:spPr bwMode="hidden">
-            <a:xfrm>
-              <a:off x="1797843" y="1840589"/>
-              <a:ext cx="710079" cy="357304"/>
-            </a:xfrm>
-            <a:custGeom>
-              <a:avLst/>
-              <a:gdLst>
-                <a:gd name="T0" fmla="*/ 248 w 248"/>
-                <a:gd name="T1" fmla="*/ 12 h 156"/>
-                <a:gd name="T2" fmla="*/ 0 w 248"/>
-                <a:gd name="T3" fmla="*/ 156 h 156"/>
-                <a:gd name="T4" fmla="*/ 3 w 248"/>
-                <a:gd name="T5" fmla="*/ 131 h 156"/>
-                <a:gd name="T6" fmla="*/ 229 w 248"/>
-                <a:gd name="T7" fmla="*/ 0 h 156"/>
-                <a:gd name="T8" fmla="*/ 248 w 248"/>
-                <a:gd name="T9" fmla="*/ 12 h 156"/>
-                <a:gd name="T10" fmla="*/ 0 60000 65536"/>
-                <a:gd name="T11" fmla="*/ 0 60000 65536"/>
-                <a:gd name="T12" fmla="*/ 0 60000 65536"/>
-                <a:gd name="T13" fmla="*/ 0 60000 65536"/>
-                <a:gd name="T14" fmla="*/ 0 60000 65536"/>
-                <a:gd name="T15" fmla="*/ 0 w 248"/>
-                <a:gd name="T16" fmla="*/ 0 h 156"/>
-                <a:gd name="T17" fmla="*/ 248 w 248"/>
-                <a:gd name="T18" fmla="*/ 156 h 156"/>
-              </a:gdLst>
-              <a:ahLst/>
-              <a:cxnLst>
-                <a:cxn ang="T10">
-                  <a:pos x="T0" y="T1"/>
-                </a:cxn>
-                <a:cxn ang="T11">
-                  <a:pos x="T2" y="T3"/>
-                </a:cxn>
-                <a:cxn ang="T12">
-                  <a:pos x="T4" y="T5"/>
-                </a:cxn>
-                <a:cxn ang="T13">
-                  <a:pos x="T6" y="T7"/>
-                </a:cxn>
-                <a:cxn ang="T14">
-                  <a:pos x="T8" y="T9"/>
-                </a:cxn>
-              </a:cxnLst>
-              <a:rect l="T15" t="T16" r="T17" b="T18"/>
-              <a:pathLst>
-                <a:path w="248" h="156">
-                  <a:moveTo>
-                    <a:pt x="248" y="12"/>
-                  </a:moveTo>
-                  <a:lnTo>
-                    <a:pt x="0" y="156"/>
-                  </a:lnTo>
-                  <a:lnTo>
-                    <a:pt x="3" y="131"/>
-                  </a:lnTo>
-                  <a:lnTo>
-                    <a:pt x="229" y="0"/>
-                  </a:lnTo>
-                  <a:lnTo>
-                    <a:pt x="248" y="12"/>
-                  </a:lnTo>
-                  <a:close/>
-                </a:path>
-              </a:pathLst>
-            </a:custGeom>
-            <a:grpFill/>
-            <a:ln w="28575" cap="flat" cmpd="sng">
-              <a:noFill/>
-              <a:prstDash val="solid"/>
-              <a:round/>
-              <a:headEnd type="none" w="med" len="med"/>
-              <a:tailEnd type="none" w="med" len="med"/>
-            </a:ln>
-            <a:effectLst>
-              <a:outerShdw blurRad="44450" dist="27940" dir="5400000" algn="ctr">
-                <a:srgbClr val="000000">
-                  <a:alpha val="32000"/>
-                </a:srgbClr>
-              </a:outerShdw>
-            </a:effectLst>
-            <a:sp3d>
-              <a:bevelT w="190500" h="38100"/>
-            </a:sp3d>
-          </p:spPr>
-          <p:txBody>
-            <a:bodyPr/>
-            <a:lstStyle/>
-            <a:p>
-              <a:endParaRPr lang="en-US" dirty="0">
-                <a:solidFill>
-                  <a:schemeClr val="accent6"/>
-                </a:solidFill>
-              </a:endParaRPr>
-            </a:p>
-          </p:txBody>
-        </p:sp>
-      </p:grpSp>
+      <p:graphicFrame>
+        <p:nvGraphicFramePr>
+          <p:cNvPr id="9" name="Table 8">
+            <a:extLst>
+              <a:ext uri="{FF2B5EF4-FFF2-40B4-BE49-F238E27FC236}">
+                <a16:creationId xmlns:a16="http://schemas.microsoft.com/office/drawing/2014/main" id="{2361001A-5DBC-47D9-B608-B15AA1CD9DA1}"/>
+              </a:ext>
+            </a:extLst>
+          </p:cNvPr>
+          <p:cNvGraphicFramePr>
+            <a:graphicFrameLocks noGrp="1"/>
+          </p:cNvGraphicFramePr>
+          <p:nvPr>
+            <p:extLst>
+              <p:ext uri="{D42A27DB-BD31-4B8C-83A1-F6EECF244321}">
+                <p14:modId xmlns:p14="http://schemas.microsoft.com/office/powerpoint/2010/main" val="1557471655"/>
+              </p:ext>
+            </p:extLst>
+          </p:nvPr>
+        </p:nvGraphicFramePr>
+        <p:xfrm>
+          <a:off x="2880360" y="1447543"/>
+          <a:ext cx="3383280" cy="2743200"/>
+        </p:xfrm>
+        <a:graphic>
+          <a:graphicData uri="http://schemas.openxmlformats.org/drawingml/2006/table">
+            <a:tbl>
+              <a:tblPr>
+                <a:tableStyleId>{00A15C55-8517-42AA-B614-E9B94910E393}</a:tableStyleId>
+              </a:tblPr>
+              <a:tblGrid>
+                <a:gridCol w="3383280">
+                  <a:extLst>
+                    <a:ext uri="{9D8B030D-6E8A-4147-A177-3AD203B41FA5}">
+                      <a16:colId xmlns:a16="http://schemas.microsoft.com/office/drawing/2014/main" val="1695728431"/>
+                    </a:ext>
+                  </a:extLst>
+                </a:gridCol>
+              </a:tblGrid>
+              <a:tr h="548640">
+                <a:tc>
+                  <a:txBody>
+                    <a:bodyPr/>
+                    <a:lstStyle/>
+                    <a:p>
+                      <a:pPr>
+                        <a:lnSpc>
+                          <a:spcPct val="100000"/>
+                        </a:lnSpc>
+                        <a:spcAft>
+                          <a:spcPts val="0"/>
+                        </a:spcAft>
+                      </a:pPr>
+                      <a:r>
+                        <a:rPr lang="en-US" sz="2000" b="0" dirty="0">
+                          <a:solidFill>
+                            <a:schemeClr val="bg1">
+                              <a:lumMod val="65000"/>
+                            </a:schemeClr>
+                          </a:solidFill>
+                        </a:rPr>
+                        <a:t>Statistics Primer</a:t>
+                      </a:r>
+                    </a:p>
+                  </a:txBody>
+                  <a:tcPr anchor="ctr">
+                    <a:lnB w="12700" cap="flat" cmpd="sng" algn="ctr">
+                      <a:solidFill>
+                        <a:schemeClr val="bg1">
+                          <a:lumMod val="65000"/>
+                        </a:schemeClr>
+                      </a:solidFill>
+                      <a:prstDash val="solid"/>
+                      <a:round/>
+                      <a:headEnd type="none" w="med" len="med"/>
+                      <a:tailEnd type="none" w="med" len="med"/>
+                    </a:lnB>
+                    <a:noFill/>
+                  </a:tcPr>
+                </a:tc>
+                <a:extLst>
+                  <a:ext uri="{0D108BD9-81ED-4DB2-BD59-A6C34878D82A}">
+                    <a16:rowId xmlns:a16="http://schemas.microsoft.com/office/drawing/2014/main" val="2307098774"/>
+                  </a:ext>
+                </a:extLst>
+              </a:tr>
+              <a:tr h="548640">
+                <a:tc>
+                  <a:txBody>
+                    <a:bodyPr/>
+                    <a:lstStyle/>
+                    <a:p>
+                      <a:pPr>
+                        <a:lnSpc>
+                          <a:spcPct val="100000"/>
+                        </a:lnSpc>
+                        <a:spcAft>
+                          <a:spcPts val="0"/>
+                        </a:spcAft>
+                      </a:pPr>
+                      <a:r>
+                        <a:rPr lang="en-US" sz="2000" dirty="0">
+                          <a:solidFill>
+                            <a:schemeClr val="bg1">
+                              <a:lumMod val="65000"/>
+                            </a:schemeClr>
+                          </a:solidFill>
+                        </a:rPr>
+                        <a:t>Basic ETL and Reshaping</a:t>
+                      </a:r>
+                    </a:p>
+                  </a:txBody>
+                  <a:tcPr anchor="ctr">
+                    <a:lnT w="12700" cap="flat" cmpd="sng" algn="ctr">
+                      <a:solidFill>
+                        <a:schemeClr val="bg1">
+                          <a:lumMod val="65000"/>
+                        </a:schemeClr>
+                      </a:solidFill>
+                      <a:prstDash val="solid"/>
+                      <a:round/>
+                      <a:headEnd type="none" w="med" len="med"/>
+                      <a:tailEnd type="none" w="med" len="med"/>
+                    </a:lnT>
+                    <a:lnB w="12700" cap="flat" cmpd="sng" algn="ctr">
+                      <a:solidFill>
+                        <a:schemeClr val="bg1">
+                          <a:lumMod val="65000"/>
+                        </a:schemeClr>
+                      </a:solidFill>
+                      <a:prstDash val="solid"/>
+                      <a:round/>
+                      <a:headEnd type="none" w="med" len="med"/>
+                      <a:tailEnd type="none" w="med" len="med"/>
+                    </a:lnB>
+                    <a:noFill/>
+                  </a:tcPr>
+                </a:tc>
+                <a:extLst>
+                  <a:ext uri="{0D108BD9-81ED-4DB2-BD59-A6C34878D82A}">
+                    <a16:rowId xmlns:a16="http://schemas.microsoft.com/office/drawing/2014/main" val="1466711860"/>
+                  </a:ext>
+                </a:extLst>
+              </a:tr>
+              <a:tr h="548640">
+                <a:tc>
+                  <a:txBody>
+                    <a:bodyPr/>
+                    <a:lstStyle/>
+                    <a:p>
+                      <a:pPr>
+                        <a:lnSpc>
+                          <a:spcPct val="100000"/>
+                        </a:lnSpc>
+                        <a:spcAft>
+                          <a:spcPts val="0"/>
+                        </a:spcAft>
+                      </a:pPr>
+                      <a:r>
+                        <a:rPr lang="en-US" sz="2000" b="1" dirty="0">
+                          <a:solidFill>
+                            <a:schemeClr val="tx1"/>
+                          </a:solidFill>
+                        </a:rPr>
+                        <a:t>Splitting Data</a:t>
+                      </a:r>
+                    </a:p>
+                  </a:txBody>
+                  <a:tcPr anchor="ctr">
+                    <a:lnT w="12700" cap="flat" cmpd="sng" algn="ctr">
+                      <a:solidFill>
+                        <a:schemeClr val="bg1">
+                          <a:lumMod val="65000"/>
+                        </a:schemeClr>
+                      </a:solidFill>
+                      <a:prstDash val="solid"/>
+                      <a:round/>
+                      <a:headEnd type="none" w="med" len="med"/>
+                      <a:tailEnd type="none" w="med" len="med"/>
+                    </a:lnT>
+                    <a:lnB w="12700" cap="flat" cmpd="sng" algn="ctr">
+                      <a:solidFill>
+                        <a:schemeClr val="bg1">
+                          <a:lumMod val="65000"/>
+                        </a:schemeClr>
+                      </a:solidFill>
+                      <a:prstDash val="solid"/>
+                      <a:round/>
+                      <a:headEnd type="none" w="med" len="med"/>
+                      <a:tailEnd type="none" w="med" len="med"/>
+                    </a:lnB>
+                    <a:noFill/>
+                  </a:tcPr>
+                </a:tc>
+                <a:extLst>
+                  <a:ext uri="{0D108BD9-81ED-4DB2-BD59-A6C34878D82A}">
+                    <a16:rowId xmlns:a16="http://schemas.microsoft.com/office/drawing/2014/main" val="1924402624"/>
+                  </a:ext>
+                </a:extLst>
+              </a:tr>
+              <a:tr h="548640">
+                <a:tc>
+                  <a:txBody>
+                    <a:bodyPr/>
+                    <a:lstStyle/>
+                    <a:p>
+                      <a:pPr>
+                        <a:lnSpc>
+                          <a:spcPct val="100000"/>
+                        </a:lnSpc>
+                        <a:spcAft>
+                          <a:spcPts val="0"/>
+                        </a:spcAft>
+                      </a:pPr>
+                      <a:r>
+                        <a:rPr lang="en-US" sz="2000" dirty="0">
+                          <a:solidFill>
+                            <a:schemeClr val="bg1">
+                              <a:lumMod val="65000"/>
+                            </a:schemeClr>
+                          </a:solidFill>
+                        </a:rPr>
+                        <a:t>Free-Form Text</a:t>
+                      </a:r>
+                    </a:p>
+                  </a:txBody>
+                  <a:tcPr anchor="ctr">
+                    <a:lnT w="12700" cap="flat" cmpd="sng" algn="ctr">
+                      <a:solidFill>
+                        <a:schemeClr val="bg1">
+                          <a:lumMod val="65000"/>
+                        </a:schemeClr>
+                      </a:solidFill>
+                      <a:prstDash val="solid"/>
+                      <a:round/>
+                      <a:headEnd type="none" w="med" len="med"/>
+                      <a:tailEnd type="none" w="med" len="med"/>
+                    </a:lnT>
+                    <a:lnB w="12700" cap="flat" cmpd="sng" algn="ctr">
+                      <a:solidFill>
+                        <a:schemeClr val="bg1">
+                          <a:lumMod val="65000"/>
+                        </a:schemeClr>
+                      </a:solidFill>
+                      <a:prstDash val="solid"/>
+                      <a:round/>
+                      <a:headEnd type="none" w="med" len="med"/>
+                      <a:tailEnd type="none" w="med" len="med"/>
+                    </a:lnB>
+                    <a:noFill/>
+                  </a:tcPr>
+                </a:tc>
+                <a:extLst>
+                  <a:ext uri="{0D108BD9-81ED-4DB2-BD59-A6C34878D82A}">
+                    <a16:rowId xmlns:a16="http://schemas.microsoft.com/office/drawing/2014/main" val="2634114360"/>
+                  </a:ext>
+                </a:extLst>
+              </a:tr>
+              <a:tr h="548640">
+                <a:tc>
+                  <a:txBody>
+                    <a:bodyPr/>
+                    <a:lstStyle/>
+                    <a:p>
+                      <a:pPr>
+                        <a:lnSpc>
+                          <a:spcPct val="100000"/>
+                        </a:lnSpc>
+                        <a:spcAft>
+                          <a:spcPts val="0"/>
+                        </a:spcAft>
+                      </a:pPr>
+                      <a:r>
+                        <a:rPr lang="en-US" sz="2000" dirty="0">
+                          <a:solidFill>
+                            <a:schemeClr val="bg1">
+                              <a:lumMod val="65000"/>
+                            </a:schemeClr>
+                          </a:solidFill>
+                        </a:rPr>
+                        <a:t>Chapter Summary</a:t>
+                      </a:r>
+                    </a:p>
+                  </a:txBody>
+                  <a:tcPr anchor="ctr">
+                    <a:lnT w="12700" cap="flat" cmpd="sng" algn="ctr">
+                      <a:solidFill>
+                        <a:schemeClr val="bg1">
+                          <a:lumMod val="65000"/>
+                        </a:schemeClr>
+                      </a:solidFill>
+                      <a:prstDash val="solid"/>
+                      <a:round/>
+                      <a:headEnd type="none" w="med" len="med"/>
+                      <a:tailEnd type="none" w="med" len="med"/>
+                    </a:lnT>
+                    <a:lnB w="12700" cap="flat" cmpd="sng" algn="ctr">
+                      <a:solidFill>
+                        <a:schemeClr val="bg1">
+                          <a:lumMod val="65000"/>
+                        </a:schemeClr>
+                      </a:solidFill>
+                      <a:prstDash val="solid"/>
+                      <a:round/>
+                      <a:headEnd type="none" w="med" len="med"/>
+                      <a:tailEnd type="none" w="med" len="med"/>
+                    </a:lnB>
+                    <a:noFill/>
+                  </a:tcPr>
+                </a:tc>
+                <a:extLst>
+                  <a:ext uri="{0D108BD9-81ED-4DB2-BD59-A6C34878D82A}">
+                    <a16:rowId xmlns:a16="http://schemas.microsoft.com/office/drawing/2014/main" val="376303497"/>
+                  </a:ext>
+                </a:extLst>
+              </a:tr>
+            </a:tbl>
+          </a:graphicData>
+        </a:graphic>
+      </p:graphicFrame>
     </p:spTree>
     <p:extLst>
       <p:ext uri="{BB962C8B-B14F-4D97-AF65-F5344CB8AC3E}">
@@ -13123,13 +12331,13 @@
           <a:p>
             <a:r>
               <a:rPr lang="en-US" b="1" dirty="0"/>
-              <a:t>print(x1.value_counts()/x1.count())</a:t>
+              <a:t>print (x1.value_counts()/x1.count())</a:t>
             </a:r>
           </a:p>
           <a:p>
             <a:r>
               <a:rPr lang="en-US" b="1" dirty="0"/>
-              <a:t>print(x2.value_counts()/x2.count())</a:t>
+              <a:t>print (x2.value_counts()/x2.count())</a:t>
             </a:r>
           </a:p>
           <a:p>
@@ -13465,13 +12673,13 @@
           <a:p>
             <a:r>
               <a:rPr lang="en-US" b="1" dirty="0"/>
-              <a:t>print(x1.value_counts()/x1.count())</a:t>
+              <a:t>print (x1.value_counts()/x1.count())</a:t>
             </a:r>
           </a:p>
           <a:p>
             <a:r>
               <a:rPr lang="en-US" b="1" dirty="0"/>
-              <a:t>print(x2.value_counts()/x2.count())</a:t>
+              <a:t>print (x2.value_counts()/x2.count())</a:t>
             </a:r>
           </a:p>
           <a:p>
@@ -13569,60 +12777,6 @@
       </p:grpSpPr>
       <p:sp>
         <p:nvSpPr>
-          <p:cNvPr id="3" name="Text Placeholder 2"/>
-          <p:cNvSpPr>
-            <a:spLocks noGrp="1"/>
-          </p:cNvSpPr>
-          <p:nvPr>
-            <p:ph type="body" sz="quarter" idx="11"/>
-          </p:nvPr>
-        </p:nvSpPr>
-        <p:spPr>
-          <a:xfrm>
-            <a:off x="3114493" y="1586192"/>
-            <a:ext cx="5742641" cy="4101913"/>
-          </a:xfrm>
-        </p:spPr>
-        <p:txBody>
-          <a:bodyPr/>
-          <a:lstStyle/>
-          <a:p>
-            <a:r>
-              <a:rPr lang="en-US" dirty="0"/>
-              <a:t>Statistics Primer</a:t>
-            </a:r>
-          </a:p>
-          <a:p>
-            <a:r>
-              <a:rPr lang="en-US" dirty="0"/>
-              <a:t>Basic ETL and Reshaping</a:t>
-            </a:r>
-          </a:p>
-          <a:p>
-            <a:pPr lvl="1"/>
-            <a:r>
-              <a:rPr lang="en-US" dirty="0"/>
-              <a:t>Splitting Data</a:t>
-            </a:r>
-          </a:p>
-          <a:p>
-            <a:pPr lvl="1"/>
-            <a:r>
-              <a:rPr lang="en-US" b="1" dirty="0"/>
-              <a:t>Free-Form Text</a:t>
-            </a:r>
-          </a:p>
-          <a:p>
-            <a:pPr lvl="1"/>
-            <a:r>
-              <a:rPr lang="en-US" dirty="0"/>
-              <a:t>Chapter Summary</a:t>
-            </a:r>
-          </a:p>
-        </p:txBody>
-      </p:sp>
-      <p:sp>
-        <p:nvSpPr>
           <p:cNvPr id="2" name="Title 1"/>
           <p:cNvSpPr>
             <a:spLocks noGrp="1"/>
@@ -13643,361 +12797,326 @@
           </a:p>
         </p:txBody>
       </p:sp>
-      <p:grpSp>
-        <p:nvGrpSpPr>
-          <p:cNvPr id="13" name="Group 12"/>
-          <p:cNvGrpSpPr/>
-          <p:nvPr/>
-        </p:nvGrpSpPr>
-        <p:grpSpPr>
-          <a:xfrm>
-            <a:off x="2704171" y="3539847"/>
-            <a:ext cx="410322" cy="377482"/>
-            <a:chOff x="1766887" y="1515010"/>
-            <a:chExt cx="741316" cy="700622"/>
-          </a:xfrm>
-          <a:solidFill>
-            <a:schemeClr val="accent4"/>
-          </a:solidFill>
-          <a:scene3d>
-            <a:camera prst="orthographicFront">
-              <a:rot lat="0" lon="0" rev="0"/>
-            </a:camera>
-            <a:lightRig rig="balanced" dir="t">
-              <a:rot lat="0" lon="0" rev="8700000"/>
-            </a:lightRig>
-          </a:scene3d>
-        </p:grpSpPr>
-        <p:sp>
-          <p:nvSpPr>
-            <p:cNvPr id="16" name="AutoShape 10"/>
-            <p:cNvSpPr>
-              <a:spLocks noChangeArrowheads="1"/>
-            </p:cNvSpPr>
-            <p:nvPr/>
-          </p:nvSpPr>
-          <p:spPr bwMode="black">
-            <a:xfrm rot="5400000">
-              <a:off x="1787234" y="1494663"/>
-              <a:ext cx="700622" cy="741316"/>
-            </a:xfrm>
-            <a:custGeom>
-              <a:avLst/>
-              <a:gdLst>
-                <a:gd name="connsiteX0" fmla="*/ 0 w 264955"/>
-                <a:gd name="connsiteY0" fmla="*/ 311498 h 311498"/>
-                <a:gd name="connsiteX1" fmla="*/ 132478 w 264955"/>
-                <a:gd name="connsiteY1" fmla="*/ 0 h 311498"/>
-                <a:gd name="connsiteX2" fmla="*/ 264955 w 264955"/>
-                <a:gd name="connsiteY2" fmla="*/ 311498 h 311498"/>
-                <a:gd name="connsiteX3" fmla="*/ 0 w 264955"/>
-                <a:gd name="connsiteY3" fmla="*/ 311498 h 311498"/>
-                <a:gd name="connsiteX0" fmla="*/ 0 w 264955"/>
-                <a:gd name="connsiteY0" fmla="*/ 311498 h 312908"/>
-                <a:gd name="connsiteX1" fmla="*/ 132478 w 264955"/>
-                <a:gd name="connsiteY1" fmla="*/ 0 h 312908"/>
-                <a:gd name="connsiteX2" fmla="*/ 264955 w 264955"/>
-                <a:gd name="connsiteY2" fmla="*/ 311498 h 312908"/>
-                <a:gd name="connsiteX3" fmla="*/ 124553 w 264955"/>
-                <a:gd name="connsiteY3" fmla="*/ 312908 h 312908"/>
-                <a:gd name="connsiteX4" fmla="*/ 0 w 264955"/>
-                <a:gd name="connsiteY4" fmla="*/ 311498 h 312908"/>
-                <a:gd name="connsiteX0" fmla="*/ 0 w 264955"/>
-                <a:gd name="connsiteY0" fmla="*/ 311498 h 311498"/>
-                <a:gd name="connsiteX1" fmla="*/ 132478 w 264955"/>
-                <a:gd name="connsiteY1" fmla="*/ 0 h 311498"/>
-                <a:gd name="connsiteX2" fmla="*/ 264955 w 264955"/>
-                <a:gd name="connsiteY2" fmla="*/ 311498 h 311498"/>
-                <a:gd name="connsiteX3" fmla="*/ 138844 w 264955"/>
-                <a:gd name="connsiteY3" fmla="*/ 253377 h 311498"/>
-                <a:gd name="connsiteX4" fmla="*/ 0 w 264955"/>
-                <a:gd name="connsiteY4" fmla="*/ 311498 h 311498"/>
-              </a:gdLst>
-              <a:ahLst/>
-              <a:cxnLst>
-                <a:cxn ang="0">
-                  <a:pos x="connsiteX0" y="connsiteY0"/>
-                </a:cxn>
-                <a:cxn ang="0">
-                  <a:pos x="connsiteX1" y="connsiteY1"/>
-                </a:cxn>
-                <a:cxn ang="0">
-                  <a:pos x="connsiteX2" y="connsiteY2"/>
-                </a:cxn>
-                <a:cxn ang="0">
-                  <a:pos x="connsiteX3" y="connsiteY3"/>
-                </a:cxn>
-                <a:cxn ang="0">
-                  <a:pos x="connsiteX4" y="connsiteY4"/>
-                </a:cxn>
-              </a:cxnLst>
-              <a:rect l="l" t="t" r="r" b="b"/>
-              <a:pathLst>
-                <a:path w="264955" h="311498">
-                  <a:moveTo>
-                    <a:pt x="0" y="311498"/>
-                  </a:moveTo>
-                  <a:lnTo>
-                    <a:pt x="132478" y="0"/>
-                  </a:lnTo>
-                  <a:lnTo>
-                    <a:pt x="264955" y="311498"/>
-                  </a:lnTo>
-                  <a:lnTo>
-                    <a:pt x="138844" y="253377"/>
-                  </a:lnTo>
-                  <a:lnTo>
-                    <a:pt x="0" y="311498"/>
-                  </a:lnTo>
-                  <a:close/>
-                </a:path>
-              </a:pathLst>
-            </a:custGeom>
-            <a:grpFill/>
-            <a:ln w="19050">
-              <a:noFill/>
-              <a:miter lim="800000"/>
-              <a:headEnd/>
-              <a:tailEnd/>
-            </a:ln>
-            <a:effectLst>
-              <a:outerShdw blurRad="44450" dist="27940" dir="5400000" algn="ctr">
-                <a:srgbClr val="000000">
-                  <a:alpha val="32000"/>
-                </a:srgbClr>
-              </a:outerShdw>
-            </a:effectLst>
-            <a:sp3d>
-              <a:bevelT w="190500" h="38100"/>
-            </a:sp3d>
-          </p:spPr>
-          <p:txBody>
-            <a:bodyPr rot="10800000" vert="eaVert" wrap="none" anchor="ctr"/>
-            <a:lstStyle/>
-            <a:p>
-              <a:endParaRPr lang="en-GB" dirty="0">
-                <a:solidFill>
-                  <a:schemeClr val="accent6"/>
-                </a:solidFill>
-              </a:endParaRPr>
-            </a:p>
-          </p:txBody>
-        </p:sp>
-        <p:sp>
-          <p:nvSpPr>
-            <p:cNvPr id="17" name="Freeform 11"/>
-            <p:cNvSpPr>
-              <a:spLocks/>
-            </p:cNvSpPr>
-            <p:nvPr/>
-          </p:nvSpPr>
-          <p:spPr bwMode="hidden">
-            <a:xfrm>
-              <a:off x="1802606" y="1545430"/>
-              <a:ext cx="701117" cy="344477"/>
-            </a:xfrm>
-            <a:custGeom>
-              <a:avLst/>
-              <a:gdLst>
-                <a:gd name="T0" fmla="*/ 0 w 245"/>
-                <a:gd name="T1" fmla="*/ 0 h 158"/>
-                <a:gd name="T2" fmla="*/ 245 w 245"/>
-                <a:gd name="T3" fmla="*/ 146 h 158"/>
-                <a:gd name="T4" fmla="*/ 226 w 245"/>
-                <a:gd name="T5" fmla="*/ 158 h 158"/>
-                <a:gd name="T6" fmla="*/ 0 w 245"/>
-                <a:gd name="T7" fmla="*/ 23 h 158"/>
-                <a:gd name="T8" fmla="*/ 0 w 245"/>
-                <a:gd name="T9" fmla="*/ 0 h 158"/>
-                <a:gd name="T10" fmla="*/ 0 60000 65536"/>
-                <a:gd name="T11" fmla="*/ 0 60000 65536"/>
-                <a:gd name="T12" fmla="*/ 0 60000 65536"/>
-                <a:gd name="T13" fmla="*/ 0 60000 65536"/>
-                <a:gd name="T14" fmla="*/ 0 60000 65536"/>
-                <a:gd name="T15" fmla="*/ 0 w 245"/>
-                <a:gd name="T16" fmla="*/ 0 h 158"/>
-                <a:gd name="T17" fmla="*/ 245 w 245"/>
-                <a:gd name="T18" fmla="*/ 158 h 158"/>
-              </a:gdLst>
-              <a:ahLst/>
-              <a:cxnLst>
-                <a:cxn ang="T10">
-                  <a:pos x="T0" y="T1"/>
-                </a:cxn>
-                <a:cxn ang="T11">
-                  <a:pos x="T2" y="T3"/>
-                </a:cxn>
-                <a:cxn ang="T12">
-                  <a:pos x="T4" y="T5"/>
-                </a:cxn>
-                <a:cxn ang="T13">
-                  <a:pos x="T6" y="T7"/>
-                </a:cxn>
-                <a:cxn ang="T14">
-                  <a:pos x="T8" y="T9"/>
-                </a:cxn>
-              </a:cxnLst>
-              <a:rect l="T15" t="T16" r="T17" b="T18"/>
-              <a:pathLst>
-                <a:path w="245" h="158">
-                  <a:moveTo>
-                    <a:pt x="0" y="0"/>
-                  </a:moveTo>
-                  <a:lnTo>
-                    <a:pt x="245" y="146"/>
-                  </a:lnTo>
-                  <a:lnTo>
-                    <a:pt x="226" y="158"/>
-                  </a:lnTo>
-                  <a:lnTo>
-                    <a:pt x="0" y="23"/>
-                  </a:lnTo>
-                  <a:lnTo>
-                    <a:pt x="0" y="0"/>
-                  </a:lnTo>
-                  <a:close/>
-                </a:path>
-              </a:pathLst>
-            </a:custGeom>
-            <a:grpFill/>
-            <a:ln w="28575" cap="flat" cmpd="sng">
-              <a:noFill/>
-              <a:prstDash val="solid"/>
-              <a:round/>
-              <a:headEnd type="none" w="med" len="med"/>
-              <a:tailEnd type="none" w="med" len="med"/>
-            </a:ln>
-            <a:effectLst>
-              <a:outerShdw blurRad="44450" dist="27940" dir="5400000" algn="ctr">
-                <a:srgbClr val="000000">
-                  <a:alpha val="32000"/>
-                </a:srgbClr>
-              </a:outerShdw>
-            </a:effectLst>
-            <a:sp3d>
-              <a:bevelT w="190500" h="38100"/>
-            </a:sp3d>
-          </p:spPr>
-          <p:txBody>
-            <a:bodyPr/>
-            <a:lstStyle/>
-            <a:p>
-              <a:endParaRPr lang="en-US" dirty="0">
-                <a:solidFill>
-                  <a:schemeClr val="accent6"/>
-                </a:solidFill>
-              </a:endParaRPr>
-            </a:p>
-          </p:txBody>
-        </p:sp>
-        <p:sp>
-          <p:nvSpPr>
-            <p:cNvPr id="18" name="Freeform 12"/>
-            <p:cNvSpPr>
-              <a:spLocks/>
-            </p:cNvSpPr>
-            <p:nvPr/>
-          </p:nvSpPr>
-          <p:spPr bwMode="hidden">
-            <a:xfrm>
-              <a:off x="1797843" y="1840589"/>
-              <a:ext cx="710079" cy="357304"/>
-            </a:xfrm>
-            <a:custGeom>
-              <a:avLst/>
-              <a:gdLst>
-                <a:gd name="T0" fmla="*/ 248 w 248"/>
-                <a:gd name="T1" fmla="*/ 12 h 156"/>
-                <a:gd name="T2" fmla="*/ 0 w 248"/>
-                <a:gd name="T3" fmla="*/ 156 h 156"/>
-                <a:gd name="T4" fmla="*/ 3 w 248"/>
-                <a:gd name="T5" fmla="*/ 131 h 156"/>
-                <a:gd name="T6" fmla="*/ 229 w 248"/>
-                <a:gd name="T7" fmla="*/ 0 h 156"/>
-                <a:gd name="T8" fmla="*/ 248 w 248"/>
-                <a:gd name="T9" fmla="*/ 12 h 156"/>
-                <a:gd name="T10" fmla="*/ 0 60000 65536"/>
-                <a:gd name="T11" fmla="*/ 0 60000 65536"/>
-                <a:gd name="T12" fmla="*/ 0 60000 65536"/>
-                <a:gd name="T13" fmla="*/ 0 60000 65536"/>
-                <a:gd name="T14" fmla="*/ 0 60000 65536"/>
-                <a:gd name="T15" fmla="*/ 0 w 248"/>
-                <a:gd name="T16" fmla="*/ 0 h 156"/>
-                <a:gd name="T17" fmla="*/ 248 w 248"/>
-                <a:gd name="T18" fmla="*/ 156 h 156"/>
-              </a:gdLst>
-              <a:ahLst/>
-              <a:cxnLst>
-                <a:cxn ang="T10">
-                  <a:pos x="T0" y="T1"/>
-                </a:cxn>
-                <a:cxn ang="T11">
-                  <a:pos x="T2" y="T3"/>
-                </a:cxn>
-                <a:cxn ang="T12">
-                  <a:pos x="T4" y="T5"/>
-                </a:cxn>
-                <a:cxn ang="T13">
-                  <a:pos x="T6" y="T7"/>
-                </a:cxn>
-                <a:cxn ang="T14">
-                  <a:pos x="T8" y="T9"/>
-                </a:cxn>
-              </a:cxnLst>
-              <a:rect l="T15" t="T16" r="T17" b="T18"/>
-              <a:pathLst>
-                <a:path w="248" h="156">
-                  <a:moveTo>
-                    <a:pt x="248" y="12"/>
-                  </a:moveTo>
-                  <a:lnTo>
-                    <a:pt x="0" y="156"/>
-                  </a:lnTo>
-                  <a:lnTo>
-                    <a:pt x="3" y="131"/>
-                  </a:lnTo>
-                  <a:lnTo>
-                    <a:pt x="229" y="0"/>
-                  </a:lnTo>
-                  <a:lnTo>
-                    <a:pt x="248" y="12"/>
-                  </a:lnTo>
-                  <a:close/>
-                </a:path>
-              </a:pathLst>
-            </a:custGeom>
-            <a:grpFill/>
-            <a:ln w="28575" cap="flat" cmpd="sng">
-              <a:noFill/>
-              <a:prstDash val="solid"/>
-              <a:round/>
-              <a:headEnd type="none" w="med" len="med"/>
-              <a:tailEnd type="none" w="med" len="med"/>
-            </a:ln>
-            <a:effectLst>
-              <a:outerShdw blurRad="44450" dist="27940" dir="5400000" algn="ctr">
-                <a:srgbClr val="000000">
-                  <a:alpha val="32000"/>
-                </a:srgbClr>
-              </a:outerShdw>
-            </a:effectLst>
-            <a:sp3d>
-              <a:bevelT w="190500" h="38100"/>
-            </a:sp3d>
-          </p:spPr>
-          <p:txBody>
-            <a:bodyPr/>
-            <a:lstStyle/>
-            <a:p>
-              <a:endParaRPr lang="en-US" dirty="0">
-                <a:solidFill>
-                  <a:schemeClr val="accent6"/>
-                </a:solidFill>
-              </a:endParaRPr>
-            </a:p>
-          </p:txBody>
-        </p:sp>
-      </p:grpSp>
+      <p:graphicFrame>
+        <p:nvGraphicFramePr>
+          <p:cNvPr id="9" name="Table 8">
+            <a:extLst>
+              <a:ext uri="{FF2B5EF4-FFF2-40B4-BE49-F238E27FC236}">
+                <a16:creationId xmlns:a16="http://schemas.microsoft.com/office/drawing/2014/main" id="{E977BF55-7035-42E5-935D-CC05BDA5C6C5}"/>
+              </a:ext>
+            </a:extLst>
+          </p:cNvPr>
+          <p:cNvGraphicFramePr>
+            <a:graphicFrameLocks noGrp="1"/>
+          </p:cNvGraphicFramePr>
+          <p:nvPr>
+            <p:extLst>
+              <p:ext uri="{D42A27DB-BD31-4B8C-83A1-F6EECF244321}">
+                <p14:modId xmlns:p14="http://schemas.microsoft.com/office/powerpoint/2010/main" val="2526134994"/>
+              </p:ext>
+            </p:extLst>
+          </p:nvPr>
+        </p:nvGraphicFramePr>
+        <p:xfrm>
+          <a:off x="2880360" y="1447543"/>
+          <a:ext cx="3383280" cy="2743200"/>
+        </p:xfrm>
+        <a:graphic>
+          <a:graphicData uri="http://schemas.openxmlformats.org/drawingml/2006/table">
+            <a:tbl>
+              <a:tblPr>
+                <a:tableStyleId>{00A15C55-8517-42AA-B614-E9B94910E393}</a:tableStyleId>
+              </a:tblPr>
+              <a:tblGrid>
+                <a:gridCol w="3383280">
+                  <a:extLst>
+                    <a:ext uri="{9D8B030D-6E8A-4147-A177-3AD203B41FA5}">
+                      <a16:colId xmlns:a16="http://schemas.microsoft.com/office/drawing/2014/main" val="1695728431"/>
+                    </a:ext>
+                  </a:extLst>
+                </a:gridCol>
+              </a:tblGrid>
+              <a:tr h="548640">
+                <a:tc>
+                  <a:txBody>
+                    <a:bodyPr/>
+                    <a:lstStyle/>
+                    <a:p>
+                      <a:pPr>
+                        <a:lnSpc>
+                          <a:spcPct val="100000"/>
+                        </a:lnSpc>
+                        <a:spcAft>
+                          <a:spcPts val="0"/>
+                        </a:spcAft>
+                      </a:pPr>
+                      <a:r>
+                        <a:rPr lang="en-US" sz="2000" b="0" dirty="0">
+                          <a:solidFill>
+                            <a:schemeClr val="bg1">
+                              <a:lumMod val="65000"/>
+                            </a:schemeClr>
+                          </a:solidFill>
+                        </a:rPr>
+                        <a:t>Statistics Primer</a:t>
+                      </a:r>
+                    </a:p>
+                  </a:txBody>
+                  <a:tcPr anchor="ctr">
+                    <a:lnB w="12700" cap="flat" cmpd="sng" algn="ctr">
+                      <a:solidFill>
+                        <a:schemeClr val="bg1">
+                          <a:lumMod val="65000"/>
+                        </a:schemeClr>
+                      </a:solidFill>
+                      <a:prstDash val="solid"/>
+                      <a:round/>
+                      <a:headEnd type="none" w="med" len="med"/>
+                      <a:tailEnd type="none" w="med" len="med"/>
+                    </a:lnB>
+                    <a:noFill/>
+                  </a:tcPr>
+                </a:tc>
+                <a:extLst>
+                  <a:ext uri="{0D108BD9-81ED-4DB2-BD59-A6C34878D82A}">
+                    <a16:rowId xmlns:a16="http://schemas.microsoft.com/office/drawing/2014/main" val="2307098774"/>
+                  </a:ext>
+                </a:extLst>
+              </a:tr>
+              <a:tr h="548640">
+                <a:tc>
+                  <a:txBody>
+                    <a:bodyPr/>
+                    <a:lstStyle/>
+                    <a:p>
+                      <a:pPr>
+                        <a:lnSpc>
+                          <a:spcPct val="100000"/>
+                        </a:lnSpc>
+                        <a:spcAft>
+                          <a:spcPts val="0"/>
+                        </a:spcAft>
+                      </a:pPr>
+                      <a:r>
+                        <a:rPr lang="en-US" sz="2000" dirty="0">
+                          <a:solidFill>
+                            <a:schemeClr val="bg1">
+                              <a:lumMod val="65000"/>
+                            </a:schemeClr>
+                          </a:solidFill>
+                        </a:rPr>
+                        <a:t>Basic ETL and Reshaping</a:t>
+                      </a:r>
+                    </a:p>
+                  </a:txBody>
+                  <a:tcPr anchor="ctr">
+                    <a:lnT w="12700" cap="flat" cmpd="sng" algn="ctr">
+                      <a:solidFill>
+                        <a:schemeClr val="bg1">
+                          <a:lumMod val="65000"/>
+                        </a:schemeClr>
+                      </a:solidFill>
+                      <a:prstDash val="solid"/>
+                      <a:round/>
+                      <a:headEnd type="none" w="med" len="med"/>
+                      <a:tailEnd type="none" w="med" len="med"/>
+                    </a:lnT>
+                    <a:lnB w="12700" cap="flat" cmpd="sng" algn="ctr">
+                      <a:solidFill>
+                        <a:schemeClr val="bg1">
+                          <a:lumMod val="65000"/>
+                        </a:schemeClr>
+                      </a:solidFill>
+                      <a:prstDash val="solid"/>
+                      <a:round/>
+                      <a:headEnd type="none" w="med" len="med"/>
+                      <a:tailEnd type="none" w="med" len="med"/>
+                    </a:lnB>
+                    <a:noFill/>
+                  </a:tcPr>
+                </a:tc>
+                <a:extLst>
+                  <a:ext uri="{0D108BD9-81ED-4DB2-BD59-A6C34878D82A}">
+                    <a16:rowId xmlns:a16="http://schemas.microsoft.com/office/drawing/2014/main" val="1466711860"/>
+                  </a:ext>
+                </a:extLst>
+              </a:tr>
+              <a:tr h="548640">
+                <a:tc>
+                  <a:txBody>
+                    <a:bodyPr/>
+                    <a:lstStyle/>
+                    <a:p>
+                      <a:pPr>
+                        <a:lnSpc>
+                          <a:spcPct val="100000"/>
+                        </a:lnSpc>
+                        <a:spcAft>
+                          <a:spcPts val="0"/>
+                        </a:spcAft>
+                      </a:pPr>
+                      <a:r>
+                        <a:rPr lang="en-US" sz="2000" dirty="0">
+                          <a:solidFill>
+                            <a:schemeClr val="bg1">
+                              <a:lumMod val="65000"/>
+                            </a:schemeClr>
+                          </a:solidFill>
+                        </a:rPr>
+                        <a:t>Splitting Data</a:t>
+                      </a:r>
+                    </a:p>
+                  </a:txBody>
+                  <a:tcPr anchor="ctr">
+                    <a:lnT w="12700" cap="flat" cmpd="sng" algn="ctr">
+                      <a:solidFill>
+                        <a:schemeClr val="bg1">
+                          <a:lumMod val="65000"/>
+                        </a:schemeClr>
+                      </a:solidFill>
+                      <a:prstDash val="solid"/>
+                      <a:round/>
+                      <a:headEnd type="none" w="med" len="med"/>
+                      <a:tailEnd type="none" w="med" len="med"/>
+                    </a:lnT>
+                    <a:lnB w="12700" cap="flat" cmpd="sng" algn="ctr">
+                      <a:solidFill>
+                        <a:schemeClr val="bg1">
+                          <a:lumMod val="65000"/>
+                        </a:schemeClr>
+                      </a:solidFill>
+                      <a:prstDash val="solid"/>
+                      <a:round/>
+                      <a:headEnd type="none" w="med" len="med"/>
+                      <a:tailEnd type="none" w="med" len="med"/>
+                    </a:lnB>
+                    <a:noFill/>
+                  </a:tcPr>
+                </a:tc>
+                <a:extLst>
+                  <a:ext uri="{0D108BD9-81ED-4DB2-BD59-A6C34878D82A}">
+                    <a16:rowId xmlns:a16="http://schemas.microsoft.com/office/drawing/2014/main" val="1924402624"/>
+                  </a:ext>
+                </a:extLst>
+              </a:tr>
+              <a:tr h="548640">
+                <a:tc>
+                  <a:txBody>
+                    <a:bodyPr/>
+                    <a:lstStyle/>
+                    <a:p>
+                      <a:pPr>
+                        <a:lnSpc>
+                          <a:spcPct val="100000"/>
+                        </a:lnSpc>
+                        <a:spcAft>
+                          <a:spcPts val="0"/>
+                        </a:spcAft>
+                      </a:pPr>
+                      <a:r>
+                        <a:rPr lang="en-US" sz="2000" b="1" dirty="0">
+                          <a:solidFill>
+                            <a:schemeClr val="tx1"/>
+                          </a:solidFill>
+                        </a:rPr>
+                        <a:t>Free-Form Text</a:t>
+                      </a:r>
+                    </a:p>
+                  </a:txBody>
+                  <a:tcPr anchor="ctr">
+                    <a:lnT w="12700" cap="flat" cmpd="sng" algn="ctr">
+                      <a:solidFill>
+                        <a:schemeClr val="bg1">
+                          <a:lumMod val="65000"/>
+                        </a:schemeClr>
+                      </a:solidFill>
+                      <a:prstDash val="solid"/>
+                      <a:round/>
+                      <a:headEnd type="none" w="med" len="med"/>
+                      <a:tailEnd type="none" w="med" len="med"/>
+                    </a:lnT>
+                    <a:lnB w="12700" cap="flat" cmpd="sng" algn="ctr">
+                      <a:solidFill>
+                        <a:schemeClr val="bg1">
+                          <a:lumMod val="65000"/>
+                        </a:schemeClr>
+                      </a:solidFill>
+                      <a:prstDash val="solid"/>
+                      <a:round/>
+                      <a:headEnd type="none" w="med" len="med"/>
+                      <a:tailEnd type="none" w="med" len="med"/>
+                    </a:lnB>
+                    <a:noFill/>
+                  </a:tcPr>
+                </a:tc>
+                <a:extLst>
+                  <a:ext uri="{0D108BD9-81ED-4DB2-BD59-A6C34878D82A}">
+                    <a16:rowId xmlns:a16="http://schemas.microsoft.com/office/drawing/2014/main" val="2634114360"/>
+                  </a:ext>
+                </a:extLst>
+              </a:tr>
+              <a:tr h="548640">
+                <a:tc>
+                  <a:txBody>
+                    <a:bodyPr/>
+                    <a:lstStyle/>
+                    <a:p>
+                      <a:pPr>
+                        <a:lnSpc>
+                          <a:spcPct val="100000"/>
+                        </a:lnSpc>
+                        <a:spcAft>
+                          <a:spcPts val="0"/>
+                        </a:spcAft>
+                      </a:pPr>
+                      <a:r>
+                        <a:rPr lang="en-US" sz="2000" dirty="0">
+                          <a:solidFill>
+                            <a:schemeClr val="bg1">
+                              <a:lumMod val="65000"/>
+                            </a:schemeClr>
+                          </a:solidFill>
+                        </a:rPr>
+                        <a:t>Chapter Summary</a:t>
+                      </a:r>
+                    </a:p>
+                  </a:txBody>
+                  <a:tcPr anchor="ctr">
+                    <a:lnT w="12700" cap="flat" cmpd="sng" algn="ctr">
+                      <a:solidFill>
+                        <a:schemeClr val="bg1">
+                          <a:lumMod val="65000"/>
+                        </a:schemeClr>
+                      </a:solidFill>
+                      <a:prstDash val="solid"/>
+                      <a:round/>
+                      <a:headEnd type="none" w="med" len="med"/>
+                      <a:tailEnd type="none" w="med" len="med"/>
+                    </a:lnT>
+                    <a:lnB w="12700" cap="flat" cmpd="sng" algn="ctr">
+                      <a:solidFill>
+                        <a:schemeClr val="bg1">
+                          <a:lumMod val="65000"/>
+                        </a:schemeClr>
+                      </a:solidFill>
+                      <a:prstDash val="solid"/>
+                      <a:round/>
+                      <a:headEnd type="none" w="med" len="med"/>
+                      <a:tailEnd type="none" w="med" len="med"/>
+                    </a:lnB>
+                    <a:noFill/>
+                  </a:tcPr>
+                </a:tc>
+                <a:extLst>
+                  <a:ext uri="{0D108BD9-81ED-4DB2-BD59-A6C34878D82A}">
+                    <a16:rowId xmlns:a16="http://schemas.microsoft.com/office/drawing/2014/main" val="376303497"/>
+                  </a:ext>
+                </a:extLst>
+              </a:tr>
+            </a:tbl>
+          </a:graphicData>
+        </a:graphic>
+      </p:graphicFrame>
     </p:spTree>
     <p:extLst>
       <p:ext uri="{BB962C8B-B14F-4D97-AF65-F5344CB8AC3E}">
@@ -14574,13 +13693,13 @@
           <a:p>
             <a:r>
               <a:rPr lang="en-US" b="1" dirty="0"/>
-              <a:t>corpus = corpus_from_dir('text')</a:t>
+              <a:t>corpus = corpus_from_dir('text’)</a:t>
             </a:r>
           </a:p>
           <a:p>
             <a:r>
               <a:rPr lang="en-US" b="1" dirty="0"/>
-              <a:t>print(corpus)</a:t>
+              <a:t>print (corpus)</a:t>
             </a:r>
           </a:p>
           <a:p>
@@ -14636,60 +13755,6 @@
       </p:grpSpPr>
       <p:sp>
         <p:nvSpPr>
-          <p:cNvPr id="3" name="Text Placeholder 2"/>
-          <p:cNvSpPr>
-            <a:spLocks noGrp="1"/>
-          </p:cNvSpPr>
-          <p:nvPr>
-            <p:ph type="body" sz="quarter" idx="11"/>
-          </p:nvPr>
-        </p:nvSpPr>
-        <p:spPr>
-          <a:xfrm>
-            <a:off x="3114493" y="1586192"/>
-            <a:ext cx="5742641" cy="4101913"/>
-          </a:xfrm>
-        </p:spPr>
-        <p:txBody>
-          <a:bodyPr/>
-          <a:lstStyle/>
-          <a:p>
-            <a:r>
-              <a:rPr lang="en-US" dirty="0"/>
-              <a:t>Statistics Primer</a:t>
-            </a:r>
-          </a:p>
-          <a:p>
-            <a:r>
-              <a:rPr lang="en-US" dirty="0"/>
-              <a:t>Basic ETL and Reshaping</a:t>
-            </a:r>
-          </a:p>
-          <a:p>
-            <a:pPr lvl="1"/>
-            <a:r>
-              <a:rPr lang="en-US" dirty="0"/>
-              <a:t>Splitting Data</a:t>
-            </a:r>
-          </a:p>
-          <a:p>
-            <a:pPr lvl="1"/>
-            <a:r>
-              <a:rPr lang="en-US" dirty="0"/>
-              <a:t>Free-Form Text</a:t>
-            </a:r>
-          </a:p>
-          <a:p>
-            <a:pPr lvl="1"/>
-            <a:r>
-              <a:rPr lang="en-US" b="1" dirty="0"/>
-              <a:t>Chapter Summary</a:t>
-            </a:r>
-          </a:p>
-        </p:txBody>
-      </p:sp>
-      <p:sp>
-        <p:nvSpPr>
           <p:cNvPr id="2" name="Title 1"/>
           <p:cNvSpPr>
             <a:spLocks noGrp="1"/>
@@ -14710,361 +13775,326 @@
           </a:p>
         </p:txBody>
       </p:sp>
-      <p:grpSp>
-        <p:nvGrpSpPr>
-          <p:cNvPr id="13" name="Group 12"/>
-          <p:cNvGrpSpPr/>
-          <p:nvPr/>
-        </p:nvGrpSpPr>
-        <p:grpSpPr>
-          <a:xfrm>
-            <a:off x="2704171" y="4114613"/>
-            <a:ext cx="410322" cy="377482"/>
-            <a:chOff x="1766887" y="1515010"/>
-            <a:chExt cx="741316" cy="700622"/>
-          </a:xfrm>
-          <a:solidFill>
-            <a:schemeClr val="accent4"/>
-          </a:solidFill>
-          <a:scene3d>
-            <a:camera prst="orthographicFront">
-              <a:rot lat="0" lon="0" rev="0"/>
-            </a:camera>
-            <a:lightRig rig="balanced" dir="t">
-              <a:rot lat="0" lon="0" rev="8700000"/>
-            </a:lightRig>
-          </a:scene3d>
-        </p:grpSpPr>
-        <p:sp>
-          <p:nvSpPr>
-            <p:cNvPr id="16" name="AutoShape 10"/>
-            <p:cNvSpPr>
-              <a:spLocks noChangeArrowheads="1"/>
-            </p:cNvSpPr>
-            <p:nvPr/>
-          </p:nvSpPr>
-          <p:spPr bwMode="black">
-            <a:xfrm rot="5400000">
-              <a:off x="1787234" y="1494663"/>
-              <a:ext cx="700622" cy="741316"/>
-            </a:xfrm>
-            <a:custGeom>
-              <a:avLst/>
-              <a:gdLst>
-                <a:gd name="connsiteX0" fmla="*/ 0 w 264955"/>
-                <a:gd name="connsiteY0" fmla="*/ 311498 h 311498"/>
-                <a:gd name="connsiteX1" fmla="*/ 132478 w 264955"/>
-                <a:gd name="connsiteY1" fmla="*/ 0 h 311498"/>
-                <a:gd name="connsiteX2" fmla="*/ 264955 w 264955"/>
-                <a:gd name="connsiteY2" fmla="*/ 311498 h 311498"/>
-                <a:gd name="connsiteX3" fmla="*/ 0 w 264955"/>
-                <a:gd name="connsiteY3" fmla="*/ 311498 h 311498"/>
-                <a:gd name="connsiteX0" fmla="*/ 0 w 264955"/>
-                <a:gd name="connsiteY0" fmla="*/ 311498 h 312908"/>
-                <a:gd name="connsiteX1" fmla="*/ 132478 w 264955"/>
-                <a:gd name="connsiteY1" fmla="*/ 0 h 312908"/>
-                <a:gd name="connsiteX2" fmla="*/ 264955 w 264955"/>
-                <a:gd name="connsiteY2" fmla="*/ 311498 h 312908"/>
-                <a:gd name="connsiteX3" fmla="*/ 124553 w 264955"/>
-                <a:gd name="connsiteY3" fmla="*/ 312908 h 312908"/>
-                <a:gd name="connsiteX4" fmla="*/ 0 w 264955"/>
-                <a:gd name="connsiteY4" fmla="*/ 311498 h 312908"/>
-                <a:gd name="connsiteX0" fmla="*/ 0 w 264955"/>
-                <a:gd name="connsiteY0" fmla="*/ 311498 h 311498"/>
-                <a:gd name="connsiteX1" fmla="*/ 132478 w 264955"/>
-                <a:gd name="connsiteY1" fmla="*/ 0 h 311498"/>
-                <a:gd name="connsiteX2" fmla="*/ 264955 w 264955"/>
-                <a:gd name="connsiteY2" fmla="*/ 311498 h 311498"/>
-                <a:gd name="connsiteX3" fmla="*/ 138844 w 264955"/>
-                <a:gd name="connsiteY3" fmla="*/ 253377 h 311498"/>
-                <a:gd name="connsiteX4" fmla="*/ 0 w 264955"/>
-                <a:gd name="connsiteY4" fmla="*/ 311498 h 311498"/>
-              </a:gdLst>
-              <a:ahLst/>
-              <a:cxnLst>
-                <a:cxn ang="0">
-                  <a:pos x="connsiteX0" y="connsiteY0"/>
-                </a:cxn>
-                <a:cxn ang="0">
-                  <a:pos x="connsiteX1" y="connsiteY1"/>
-                </a:cxn>
-                <a:cxn ang="0">
-                  <a:pos x="connsiteX2" y="connsiteY2"/>
-                </a:cxn>
-                <a:cxn ang="0">
-                  <a:pos x="connsiteX3" y="connsiteY3"/>
-                </a:cxn>
-                <a:cxn ang="0">
-                  <a:pos x="connsiteX4" y="connsiteY4"/>
-                </a:cxn>
-              </a:cxnLst>
-              <a:rect l="l" t="t" r="r" b="b"/>
-              <a:pathLst>
-                <a:path w="264955" h="311498">
-                  <a:moveTo>
-                    <a:pt x="0" y="311498"/>
-                  </a:moveTo>
-                  <a:lnTo>
-                    <a:pt x="132478" y="0"/>
-                  </a:lnTo>
-                  <a:lnTo>
-                    <a:pt x="264955" y="311498"/>
-                  </a:lnTo>
-                  <a:lnTo>
-                    <a:pt x="138844" y="253377"/>
-                  </a:lnTo>
-                  <a:lnTo>
-                    <a:pt x="0" y="311498"/>
-                  </a:lnTo>
-                  <a:close/>
-                </a:path>
-              </a:pathLst>
-            </a:custGeom>
-            <a:grpFill/>
-            <a:ln w="19050">
-              <a:noFill/>
-              <a:miter lim="800000"/>
-              <a:headEnd/>
-              <a:tailEnd/>
-            </a:ln>
-            <a:effectLst>
-              <a:outerShdw blurRad="44450" dist="27940" dir="5400000" algn="ctr">
-                <a:srgbClr val="000000">
-                  <a:alpha val="32000"/>
-                </a:srgbClr>
-              </a:outerShdw>
-            </a:effectLst>
-            <a:sp3d>
-              <a:bevelT w="190500" h="38100"/>
-            </a:sp3d>
-          </p:spPr>
-          <p:txBody>
-            <a:bodyPr rot="10800000" vert="eaVert" wrap="none" anchor="ctr"/>
-            <a:lstStyle/>
-            <a:p>
-              <a:endParaRPr lang="en-GB" dirty="0">
-                <a:solidFill>
-                  <a:schemeClr val="accent6"/>
-                </a:solidFill>
-              </a:endParaRPr>
-            </a:p>
-          </p:txBody>
-        </p:sp>
-        <p:sp>
-          <p:nvSpPr>
-            <p:cNvPr id="17" name="Freeform 11"/>
-            <p:cNvSpPr>
-              <a:spLocks/>
-            </p:cNvSpPr>
-            <p:nvPr/>
-          </p:nvSpPr>
-          <p:spPr bwMode="hidden">
-            <a:xfrm>
-              <a:off x="1802606" y="1545430"/>
-              <a:ext cx="701117" cy="344477"/>
-            </a:xfrm>
-            <a:custGeom>
-              <a:avLst/>
-              <a:gdLst>
-                <a:gd name="T0" fmla="*/ 0 w 245"/>
-                <a:gd name="T1" fmla="*/ 0 h 158"/>
-                <a:gd name="T2" fmla="*/ 245 w 245"/>
-                <a:gd name="T3" fmla="*/ 146 h 158"/>
-                <a:gd name="T4" fmla="*/ 226 w 245"/>
-                <a:gd name="T5" fmla="*/ 158 h 158"/>
-                <a:gd name="T6" fmla="*/ 0 w 245"/>
-                <a:gd name="T7" fmla="*/ 23 h 158"/>
-                <a:gd name="T8" fmla="*/ 0 w 245"/>
-                <a:gd name="T9" fmla="*/ 0 h 158"/>
-                <a:gd name="T10" fmla="*/ 0 60000 65536"/>
-                <a:gd name="T11" fmla="*/ 0 60000 65536"/>
-                <a:gd name="T12" fmla="*/ 0 60000 65536"/>
-                <a:gd name="T13" fmla="*/ 0 60000 65536"/>
-                <a:gd name="T14" fmla="*/ 0 60000 65536"/>
-                <a:gd name="T15" fmla="*/ 0 w 245"/>
-                <a:gd name="T16" fmla="*/ 0 h 158"/>
-                <a:gd name="T17" fmla="*/ 245 w 245"/>
-                <a:gd name="T18" fmla="*/ 158 h 158"/>
-              </a:gdLst>
-              <a:ahLst/>
-              <a:cxnLst>
-                <a:cxn ang="T10">
-                  <a:pos x="T0" y="T1"/>
-                </a:cxn>
-                <a:cxn ang="T11">
-                  <a:pos x="T2" y="T3"/>
-                </a:cxn>
-                <a:cxn ang="T12">
-                  <a:pos x="T4" y="T5"/>
-                </a:cxn>
-                <a:cxn ang="T13">
-                  <a:pos x="T6" y="T7"/>
-                </a:cxn>
-                <a:cxn ang="T14">
-                  <a:pos x="T8" y="T9"/>
-                </a:cxn>
-              </a:cxnLst>
-              <a:rect l="T15" t="T16" r="T17" b="T18"/>
-              <a:pathLst>
-                <a:path w="245" h="158">
-                  <a:moveTo>
-                    <a:pt x="0" y="0"/>
-                  </a:moveTo>
-                  <a:lnTo>
-                    <a:pt x="245" y="146"/>
-                  </a:lnTo>
-                  <a:lnTo>
-                    <a:pt x="226" y="158"/>
-                  </a:lnTo>
-                  <a:lnTo>
-                    <a:pt x="0" y="23"/>
-                  </a:lnTo>
-                  <a:lnTo>
-                    <a:pt x="0" y="0"/>
-                  </a:lnTo>
-                  <a:close/>
-                </a:path>
-              </a:pathLst>
-            </a:custGeom>
-            <a:grpFill/>
-            <a:ln w="28575" cap="flat" cmpd="sng">
-              <a:noFill/>
-              <a:prstDash val="solid"/>
-              <a:round/>
-              <a:headEnd type="none" w="med" len="med"/>
-              <a:tailEnd type="none" w="med" len="med"/>
-            </a:ln>
-            <a:effectLst>
-              <a:outerShdw blurRad="44450" dist="27940" dir="5400000" algn="ctr">
-                <a:srgbClr val="000000">
-                  <a:alpha val="32000"/>
-                </a:srgbClr>
-              </a:outerShdw>
-            </a:effectLst>
-            <a:sp3d>
-              <a:bevelT w="190500" h="38100"/>
-            </a:sp3d>
-          </p:spPr>
-          <p:txBody>
-            <a:bodyPr/>
-            <a:lstStyle/>
-            <a:p>
-              <a:endParaRPr lang="en-US" dirty="0">
-                <a:solidFill>
-                  <a:schemeClr val="accent6"/>
-                </a:solidFill>
-              </a:endParaRPr>
-            </a:p>
-          </p:txBody>
-        </p:sp>
-        <p:sp>
-          <p:nvSpPr>
-            <p:cNvPr id="18" name="Freeform 12"/>
-            <p:cNvSpPr>
-              <a:spLocks/>
-            </p:cNvSpPr>
-            <p:nvPr/>
-          </p:nvSpPr>
-          <p:spPr bwMode="hidden">
-            <a:xfrm>
-              <a:off x="1797843" y="1840589"/>
-              <a:ext cx="710079" cy="357304"/>
-            </a:xfrm>
-            <a:custGeom>
-              <a:avLst/>
-              <a:gdLst>
-                <a:gd name="T0" fmla="*/ 248 w 248"/>
-                <a:gd name="T1" fmla="*/ 12 h 156"/>
-                <a:gd name="T2" fmla="*/ 0 w 248"/>
-                <a:gd name="T3" fmla="*/ 156 h 156"/>
-                <a:gd name="T4" fmla="*/ 3 w 248"/>
-                <a:gd name="T5" fmla="*/ 131 h 156"/>
-                <a:gd name="T6" fmla="*/ 229 w 248"/>
-                <a:gd name="T7" fmla="*/ 0 h 156"/>
-                <a:gd name="T8" fmla="*/ 248 w 248"/>
-                <a:gd name="T9" fmla="*/ 12 h 156"/>
-                <a:gd name="T10" fmla="*/ 0 60000 65536"/>
-                <a:gd name="T11" fmla="*/ 0 60000 65536"/>
-                <a:gd name="T12" fmla="*/ 0 60000 65536"/>
-                <a:gd name="T13" fmla="*/ 0 60000 65536"/>
-                <a:gd name="T14" fmla="*/ 0 60000 65536"/>
-                <a:gd name="T15" fmla="*/ 0 w 248"/>
-                <a:gd name="T16" fmla="*/ 0 h 156"/>
-                <a:gd name="T17" fmla="*/ 248 w 248"/>
-                <a:gd name="T18" fmla="*/ 156 h 156"/>
-              </a:gdLst>
-              <a:ahLst/>
-              <a:cxnLst>
-                <a:cxn ang="T10">
-                  <a:pos x="T0" y="T1"/>
-                </a:cxn>
-                <a:cxn ang="T11">
-                  <a:pos x="T2" y="T3"/>
-                </a:cxn>
-                <a:cxn ang="T12">
-                  <a:pos x="T4" y="T5"/>
-                </a:cxn>
-                <a:cxn ang="T13">
-                  <a:pos x="T6" y="T7"/>
-                </a:cxn>
-                <a:cxn ang="T14">
-                  <a:pos x="T8" y="T9"/>
-                </a:cxn>
-              </a:cxnLst>
-              <a:rect l="T15" t="T16" r="T17" b="T18"/>
-              <a:pathLst>
-                <a:path w="248" h="156">
-                  <a:moveTo>
-                    <a:pt x="248" y="12"/>
-                  </a:moveTo>
-                  <a:lnTo>
-                    <a:pt x="0" y="156"/>
-                  </a:lnTo>
-                  <a:lnTo>
-                    <a:pt x="3" y="131"/>
-                  </a:lnTo>
-                  <a:lnTo>
-                    <a:pt x="229" y="0"/>
-                  </a:lnTo>
-                  <a:lnTo>
-                    <a:pt x="248" y="12"/>
-                  </a:lnTo>
-                  <a:close/>
-                </a:path>
-              </a:pathLst>
-            </a:custGeom>
-            <a:grpFill/>
-            <a:ln w="28575" cap="flat" cmpd="sng">
-              <a:noFill/>
-              <a:prstDash val="solid"/>
-              <a:round/>
-              <a:headEnd type="none" w="med" len="med"/>
-              <a:tailEnd type="none" w="med" len="med"/>
-            </a:ln>
-            <a:effectLst>
-              <a:outerShdw blurRad="44450" dist="27940" dir="5400000" algn="ctr">
-                <a:srgbClr val="000000">
-                  <a:alpha val="32000"/>
-                </a:srgbClr>
-              </a:outerShdw>
-            </a:effectLst>
-            <a:sp3d>
-              <a:bevelT w="190500" h="38100"/>
-            </a:sp3d>
-          </p:spPr>
-          <p:txBody>
-            <a:bodyPr/>
-            <a:lstStyle/>
-            <a:p>
-              <a:endParaRPr lang="en-US" dirty="0">
-                <a:solidFill>
-                  <a:schemeClr val="accent6"/>
-                </a:solidFill>
-              </a:endParaRPr>
-            </a:p>
-          </p:txBody>
-        </p:sp>
-      </p:grpSp>
+      <p:graphicFrame>
+        <p:nvGraphicFramePr>
+          <p:cNvPr id="9" name="Table 8">
+            <a:extLst>
+              <a:ext uri="{FF2B5EF4-FFF2-40B4-BE49-F238E27FC236}">
+                <a16:creationId xmlns:a16="http://schemas.microsoft.com/office/drawing/2014/main" id="{95FCD529-E5A8-43A4-8F33-2326E2A40775}"/>
+              </a:ext>
+            </a:extLst>
+          </p:cNvPr>
+          <p:cNvGraphicFramePr>
+            <a:graphicFrameLocks noGrp="1"/>
+          </p:cNvGraphicFramePr>
+          <p:nvPr>
+            <p:extLst>
+              <p:ext uri="{D42A27DB-BD31-4B8C-83A1-F6EECF244321}">
+                <p14:modId xmlns:p14="http://schemas.microsoft.com/office/powerpoint/2010/main" val="3739973039"/>
+              </p:ext>
+            </p:extLst>
+          </p:nvPr>
+        </p:nvGraphicFramePr>
+        <p:xfrm>
+          <a:off x="2880360" y="1447543"/>
+          <a:ext cx="3383280" cy="2743200"/>
+        </p:xfrm>
+        <a:graphic>
+          <a:graphicData uri="http://schemas.openxmlformats.org/drawingml/2006/table">
+            <a:tbl>
+              <a:tblPr>
+                <a:tableStyleId>{00A15C55-8517-42AA-B614-E9B94910E393}</a:tableStyleId>
+              </a:tblPr>
+              <a:tblGrid>
+                <a:gridCol w="3383280">
+                  <a:extLst>
+                    <a:ext uri="{9D8B030D-6E8A-4147-A177-3AD203B41FA5}">
+                      <a16:colId xmlns:a16="http://schemas.microsoft.com/office/drawing/2014/main" val="1695728431"/>
+                    </a:ext>
+                  </a:extLst>
+                </a:gridCol>
+              </a:tblGrid>
+              <a:tr h="548640">
+                <a:tc>
+                  <a:txBody>
+                    <a:bodyPr/>
+                    <a:lstStyle/>
+                    <a:p>
+                      <a:pPr>
+                        <a:lnSpc>
+                          <a:spcPct val="100000"/>
+                        </a:lnSpc>
+                        <a:spcAft>
+                          <a:spcPts val="0"/>
+                        </a:spcAft>
+                      </a:pPr>
+                      <a:r>
+                        <a:rPr lang="en-US" sz="2000" b="0" dirty="0">
+                          <a:solidFill>
+                            <a:schemeClr val="bg1">
+                              <a:lumMod val="65000"/>
+                            </a:schemeClr>
+                          </a:solidFill>
+                        </a:rPr>
+                        <a:t>Statistics Primer</a:t>
+                      </a:r>
+                    </a:p>
+                  </a:txBody>
+                  <a:tcPr anchor="ctr">
+                    <a:lnB w="12700" cap="flat" cmpd="sng" algn="ctr">
+                      <a:solidFill>
+                        <a:schemeClr val="bg1">
+                          <a:lumMod val="65000"/>
+                        </a:schemeClr>
+                      </a:solidFill>
+                      <a:prstDash val="solid"/>
+                      <a:round/>
+                      <a:headEnd type="none" w="med" len="med"/>
+                      <a:tailEnd type="none" w="med" len="med"/>
+                    </a:lnB>
+                    <a:noFill/>
+                  </a:tcPr>
+                </a:tc>
+                <a:extLst>
+                  <a:ext uri="{0D108BD9-81ED-4DB2-BD59-A6C34878D82A}">
+                    <a16:rowId xmlns:a16="http://schemas.microsoft.com/office/drawing/2014/main" val="2307098774"/>
+                  </a:ext>
+                </a:extLst>
+              </a:tr>
+              <a:tr h="548640">
+                <a:tc>
+                  <a:txBody>
+                    <a:bodyPr/>
+                    <a:lstStyle/>
+                    <a:p>
+                      <a:pPr>
+                        <a:lnSpc>
+                          <a:spcPct val="100000"/>
+                        </a:lnSpc>
+                        <a:spcAft>
+                          <a:spcPts val="0"/>
+                        </a:spcAft>
+                      </a:pPr>
+                      <a:r>
+                        <a:rPr lang="en-US" sz="2000" dirty="0">
+                          <a:solidFill>
+                            <a:schemeClr val="bg1">
+                              <a:lumMod val="65000"/>
+                            </a:schemeClr>
+                          </a:solidFill>
+                        </a:rPr>
+                        <a:t>Basic ETL and Reshaping</a:t>
+                      </a:r>
+                    </a:p>
+                  </a:txBody>
+                  <a:tcPr anchor="ctr">
+                    <a:lnT w="12700" cap="flat" cmpd="sng" algn="ctr">
+                      <a:solidFill>
+                        <a:schemeClr val="bg1">
+                          <a:lumMod val="65000"/>
+                        </a:schemeClr>
+                      </a:solidFill>
+                      <a:prstDash val="solid"/>
+                      <a:round/>
+                      <a:headEnd type="none" w="med" len="med"/>
+                      <a:tailEnd type="none" w="med" len="med"/>
+                    </a:lnT>
+                    <a:lnB w="12700" cap="flat" cmpd="sng" algn="ctr">
+                      <a:solidFill>
+                        <a:schemeClr val="bg1">
+                          <a:lumMod val="65000"/>
+                        </a:schemeClr>
+                      </a:solidFill>
+                      <a:prstDash val="solid"/>
+                      <a:round/>
+                      <a:headEnd type="none" w="med" len="med"/>
+                      <a:tailEnd type="none" w="med" len="med"/>
+                    </a:lnB>
+                    <a:noFill/>
+                  </a:tcPr>
+                </a:tc>
+                <a:extLst>
+                  <a:ext uri="{0D108BD9-81ED-4DB2-BD59-A6C34878D82A}">
+                    <a16:rowId xmlns:a16="http://schemas.microsoft.com/office/drawing/2014/main" val="1466711860"/>
+                  </a:ext>
+                </a:extLst>
+              </a:tr>
+              <a:tr h="548640">
+                <a:tc>
+                  <a:txBody>
+                    <a:bodyPr/>
+                    <a:lstStyle/>
+                    <a:p>
+                      <a:pPr>
+                        <a:lnSpc>
+                          <a:spcPct val="100000"/>
+                        </a:lnSpc>
+                        <a:spcAft>
+                          <a:spcPts val="0"/>
+                        </a:spcAft>
+                      </a:pPr>
+                      <a:r>
+                        <a:rPr lang="en-US" sz="2000" dirty="0">
+                          <a:solidFill>
+                            <a:schemeClr val="bg1">
+                              <a:lumMod val="65000"/>
+                            </a:schemeClr>
+                          </a:solidFill>
+                        </a:rPr>
+                        <a:t>Splitting Data</a:t>
+                      </a:r>
+                    </a:p>
+                  </a:txBody>
+                  <a:tcPr anchor="ctr">
+                    <a:lnT w="12700" cap="flat" cmpd="sng" algn="ctr">
+                      <a:solidFill>
+                        <a:schemeClr val="bg1">
+                          <a:lumMod val="65000"/>
+                        </a:schemeClr>
+                      </a:solidFill>
+                      <a:prstDash val="solid"/>
+                      <a:round/>
+                      <a:headEnd type="none" w="med" len="med"/>
+                      <a:tailEnd type="none" w="med" len="med"/>
+                    </a:lnT>
+                    <a:lnB w="12700" cap="flat" cmpd="sng" algn="ctr">
+                      <a:solidFill>
+                        <a:schemeClr val="bg1">
+                          <a:lumMod val="65000"/>
+                        </a:schemeClr>
+                      </a:solidFill>
+                      <a:prstDash val="solid"/>
+                      <a:round/>
+                      <a:headEnd type="none" w="med" len="med"/>
+                      <a:tailEnd type="none" w="med" len="med"/>
+                    </a:lnB>
+                    <a:noFill/>
+                  </a:tcPr>
+                </a:tc>
+                <a:extLst>
+                  <a:ext uri="{0D108BD9-81ED-4DB2-BD59-A6C34878D82A}">
+                    <a16:rowId xmlns:a16="http://schemas.microsoft.com/office/drawing/2014/main" val="1924402624"/>
+                  </a:ext>
+                </a:extLst>
+              </a:tr>
+              <a:tr h="548640">
+                <a:tc>
+                  <a:txBody>
+                    <a:bodyPr/>
+                    <a:lstStyle/>
+                    <a:p>
+                      <a:pPr>
+                        <a:lnSpc>
+                          <a:spcPct val="100000"/>
+                        </a:lnSpc>
+                        <a:spcAft>
+                          <a:spcPts val="0"/>
+                        </a:spcAft>
+                      </a:pPr>
+                      <a:r>
+                        <a:rPr lang="en-US" sz="2000" dirty="0">
+                          <a:solidFill>
+                            <a:schemeClr val="bg1">
+                              <a:lumMod val="65000"/>
+                            </a:schemeClr>
+                          </a:solidFill>
+                        </a:rPr>
+                        <a:t>Free-Form Text</a:t>
+                      </a:r>
+                    </a:p>
+                  </a:txBody>
+                  <a:tcPr anchor="ctr">
+                    <a:lnT w="12700" cap="flat" cmpd="sng" algn="ctr">
+                      <a:solidFill>
+                        <a:schemeClr val="bg1">
+                          <a:lumMod val="65000"/>
+                        </a:schemeClr>
+                      </a:solidFill>
+                      <a:prstDash val="solid"/>
+                      <a:round/>
+                      <a:headEnd type="none" w="med" len="med"/>
+                      <a:tailEnd type="none" w="med" len="med"/>
+                    </a:lnT>
+                    <a:lnB w="12700" cap="flat" cmpd="sng" algn="ctr">
+                      <a:solidFill>
+                        <a:schemeClr val="bg1">
+                          <a:lumMod val="65000"/>
+                        </a:schemeClr>
+                      </a:solidFill>
+                      <a:prstDash val="solid"/>
+                      <a:round/>
+                      <a:headEnd type="none" w="med" len="med"/>
+                      <a:tailEnd type="none" w="med" len="med"/>
+                    </a:lnB>
+                    <a:noFill/>
+                  </a:tcPr>
+                </a:tc>
+                <a:extLst>
+                  <a:ext uri="{0D108BD9-81ED-4DB2-BD59-A6C34878D82A}">
+                    <a16:rowId xmlns:a16="http://schemas.microsoft.com/office/drawing/2014/main" val="2634114360"/>
+                  </a:ext>
+                </a:extLst>
+              </a:tr>
+              <a:tr h="548640">
+                <a:tc>
+                  <a:txBody>
+                    <a:bodyPr/>
+                    <a:lstStyle/>
+                    <a:p>
+                      <a:pPr>
+                        <a:lnSpc>
+                          <a:spcPct val="100000"/>
+                        </a:lnSpc>
+                        <a:spcAft>
+                          <a:spcPts val="0"/>
+                        </a:spcAft>
+                      </a:pPr>
+                      <a:r>
+                        <a:rPr lang="en-US" sz="2000" b="1" dirty="0">
+                          <a:solidFill>
+                            <a:schemeClr val="tx1"/>
+                          </a:solidFill>
+                        </a:rPr>
+                        <a:t>Chapter Summary</a:t>
+                      </a:r>
+                    </a:p>
+                  </a:txBody>
+                  <a:tcPr anchor="ctr">
+                    <a:lnT w="12700" cap="flat" cmpd="sng" algn="ctr">
+                      <a:solidFill>
+                        <a:schemeClr val="bg1">
+                          <a:lumMod val="65000"/>
+                        </a:schemeClr>
+                      </a:solidFill>
+                      <a:prstDash val="solid"/>
+                      <a:round/>
+                      <a:headEnd type="none" w="med" len="med"/>
+                      <a:tailEnd type="none" w="med" len="med"/>
+                    </a:lnT>
+                    <a:lnB w="12700" cap="flat" cmpd="sng" algn="ctr">
+                      <a:solidFill>
+                        <a:schemeClr val="bg1">
+                          <a:lumMod val="65000"/>
+                        </a:schemeClr>
+                      </a:solidFill>
+                      <a:prstDash val="solid"/>
+                      <a:round/>
+                      <a:headEnd type="none" w="med" len="med"/>
+                      <a:tailEnd type="none" w="med" len="med"/>
+                    </a:lnB>
+                    <a:noFill/>
+                  </a:tcPr>
+                </a:tc>
+                <a:extLst>
+                  <a:ext uri="{0D108BD9-81ED-4DB2-BD59-A6C34878D82A}">
+                    <a16:rowId xmlns:a16="http://schemas.microsoft.com/office/drawing/2014/main" val="376303497"/>
+                  </a:ext>
+                </a:extLst>
+              </a:tr>
+            </a:tbl>
+          </a:graphicData>
+        </a:graphic>
+      </p:graphicFrame>
     </p:spTree>
     <p:extLst>
       <p:ext uri="{BB962C8B-B14F-4D97-AF65-F5344CB8AC3E}">
@@ -15237,60 +14267,6 @@
       </p:grpSpPr>
       <p:sp>
         <p:nvSpPr>
-          <p:cNvPr id="3" name="Text Placeholder 2"/>
-          <p:cNvSpPr>
-            <a:spLocks noGrp="1"/>
-          </p:cNvSpPr>
-          <p:nvPr>
-            <p:ph type="body" sz="quarter" idx="11"/>
-          </p:nvPr>
-        </p:nvSpPr>
-        <p:spPr>
-          <a:xfrm>
-            <a:off x="3114493" y="1586192"/>
-            <a:ext cx="5742641" cy="4101913"/>
-          </a:xfrm>
-        </p:spPr>
-        <p:txBody>
-          <a:bodyPr/>
-          <a:lstStyle/>
-          <a:p>
-            <a:r>
-              <a:rPr lang="en-US" b="1" dirty="0"/>
-              <a:t>Statistics Primer</a:t>
-            </a:r>
-          </a:p>
-          <a:p>
-            <a:r>
-              <a:rPr lang="en-US" dirty="0"/>
-              <a:t>Basic ETL and Reshaping</a:t>
-            </a:r>
-          </a:p>
-          <a:p>
-            <a:pPr lvl="1"/>
-            <a:r>
-              <a:rPr lang="en-US" dirty="0"/>
-              <a:t>Splitting Data</a:t>
-            </a:r>
-          </a:p>
-          <a:p>
-            <a:pPr lvl="1"/>
-            <a:r>
-              <a:rPr lang="en-US" dirty="0"/>
-              <a:t>Free-Form Text</a:t>
-            </a:r>
-          </a:p>
-          <a:p>
-            <a:pPr lvl="1"/>
-            <a:r>
-              <a:rPr lang="en-US" dirty="0"/>
-              <a:t>Chapter Summary</a:t>
-            </a:r>
-          </a:p>
-        </p:txBody>
-      </p:sp>
-      <p:sp>
-        <p:nvSpPr>
           <p:cNvPr id="2" name="Title 1"/>
           <p:cNvSpPr>
             <a:spLocks noGrp="1"/>
@@ -15311,361 +14287,326 @@
           </a:p>
         </p:txBody>
       </p:sp>
-      <p:grpSp>
-        <p:nvGrpSpPr>
-          <p:cNvPr id="13" name="Group 12"/>
-          <p:cNvGrpSpPr/>
-          <p:nvPr/>
-        </p:nvGrpSpPr>
-        <p:grpSpPr>
-          <a:xfrm>
-            <a:off x="2704171" y="1686859"/>
-            <a:ext cx="410322" cy="377482"/>
-            <a:chOff x="1766887" y="1515010"/>
-            <a:chExt cx="741316" cy="700622"/>
-          </a:xfrm>
-          <a:solidFill>
-            <a:schemeClr val="accent4"/>
-          </a:solidFill>
-          <a:scene3d>
-            <a:camera prst="orthographicFront">
-              <a:rot lat="0" lon="0" rev="0"/>
-            </a:camera>
-            <a:lightRig rig="balanced" dir="t">
-              <a:rot lat="0" lon="0" rev="8700000"/>
-            </a:lightRig>
-          </a:scene3d>
-        </p:grpSpPr>
-        <p:sp>
-          <p:nvSpPr>
-            <p:cNvPr id="16" name="AutoShape 10"/>
-            <p:cNvSpPr>
-              <a:spLocks noChangeArrowheads="1"/>
-            </p:cNvSpPr>
-            <p:nvPr/>
-          </p:nvSpPr>
-          <p:spPr bwMode="black">
-            <a:xfrm rot="5400000">
-              <a:off x="1787234" y="1494663"/>
-              <a:ext cx="700622" cy="741316"/>
-            </a:xfrm>
-            <a:custGeom>
-              <a:avLst/>
-              <a:gdLst>
-                <a:gd name="connsiteX0" fmla="*/ 0 w 264955"/>
-                <a:gd name="connsiteY0" fmla="*/ 311498 h 311498"/>
-                <a:gd name="connsiteX1" fmla="*/ 132478 w 264955"/>
-                <a:gd name="connsiteY1" fmla="*/ 0 h 311498"/>
-                <a:gd name="connsiteX2" fmla="*/ 264955 w 264955"/>
-                <a:gd name="connsiteY2" fmla="*/ 311498 h 311498"/>
-                <a:gd name="connsiteX3" fmla="*/ 0 w 264955"/>
-                <a:gd name="connsiteY3" fmla="*/ 311498 h 311498"/>
-                <a:gd name="connsiteX0" fmla="*/ 0 w 264955"/>
-                <a:gd name="connsiteY0" fmla="*/ 311498 h 312908"/>
-                <a:gd name="connsiteX1" fmla="*/ 132478 w 264955"/>
-                <a:gd name="connsiteY1" fmla="*/ 0 h 312908"/>
-                <a:gd name="connsiteX2" fmla="*/ 264955 w 264955"/>
-                <a:gd name="connsiteY2" fmla="*/ 311498 h 312908"/>
-                <a:gd name="connsiteX3" fmla="*/ 124553 w 264955"/>
-                <a:gd name="connsiteY3" fmla="*/ 312908 h 312908"/>
-                <a:gd name="connsiteX4" fmla="*/ 0 w 264955"/>
-                <a:gd name="connsiteY4" fmla="*/ 311498 h 312908"/>
-                <a:gd name="connsiteX0" fmla="*/ 0 w 264955"/>
-                <a:gd name="connsiteY0" fmla="*/ 311498 h 311498"/>
-                <a:gd name="connsiteX1" fmla="*/ 132478 w 264955"/>
-                <a:gd name="connsiteY1" fmla="*/ 0 h 311498"/>
-                <a:gd name="connsiteX2" fmla="*/ 264955 w 264955"/>
-                <a:gd name="connsiteY2" fmla="*/ 311498 h 311498"/>
-                <a:gd name="connsiteX3" fmla="*/ 138844 w 264955"/>
-                <a:gd name="connsiteY3" fmla="*/ 253377 h 311498"/>
-                <a:gd name="connsiteX4" fmla="*/ 0 w 264955"/>
-                <a:gd name="connsiteY4" fmla="*/ 311498 h 311498"/>
-              </a:gdLst>
-              <a:ahLst/>
-              <a:cxnLst>
-                <a:cxn ang="0">
-                  <a:pos x="connsiteX0" y="connsiteY0"/>
-                </a:cxn>
-                <a:cxn ang="0">
-                  <a:pos x="connsiteX1" y="connsiteY1"/>
-                </a:cxn>
-                <a:cxn ang="0">
-                  <a:pos x="connsiteX2" y="connsiteY2"/>
-                </a:cxn>
-                <a:cxn ang="0">
-                  <a:pos x="connsiteX3" y="connsiteY3"/>
-                </a:cxn>
-                <a:cxn ang="0">
-                  <a:pos x="connsiteX4" y="connsiteY4"/>
-                </a:cxn>
-              </a:cxnLst>
-              <a:rect l="l" t="t" r="r" b="b"/>
-              <a:pathLst>
-                <a:path w="264955" h="311498">
-                  <a:moveTo>
-                    <a:pt x="0" y="311498"/>
-                  </a:moveTo>
-                  <a:lnTo>
-                    <a:pt x="132478" y="0"/>
-                  </a:lnTo>
-                  <a:lnTo>
-                    <a:pt x="264955" y="311498"/>
-                  </a:lnTo>
-                  <a:lnTo>
-                    <a:pt x="138844" y="253377"/>
-                  </a:lnTo>
-                  <a:lnTo>
-                    <a:pt x="0" y="311498"/>
-                  </a:lnTo>
-                  <a:close/>
-                </a:path>
-              </a:pathLst>
-            </a:custGeom>
-            <a:grpFill/>
-            <a:ln w="19050">
-              <a:noFill/>
-              <a:miter lim="800000"/>
-              <a:headEnd/>
-              <a:tailEnd/>
-            </a:ln>
-            <a:effectLst>
-              <a:outerShdw blurRad="44450" dist="27940" dir="5400000" algn="ctr">
-                <a:srgbClr val="000000">
-                  <a:alpha val="32000"/>
-                </a:srgbClr>
-              </a:outerShdw>
-            </a:effectLst>
-            <a:sp3d>
-              <a:bevelT w="190500" h="38100"/>
-            </a:sp3d>
-          </p:spPr>
-          <p:txBody>
-            <a:bodyPr rot="10800000" vert="eaVert" wrap="none" anchor="ctr"/>
-            <a:lstStyle/>
-            <a:p>
-              <a:endParaRPr lang="en-GB" dirty="0">
-                <a:solidFill>
-                  <a:schemeClr val="accent6"/>
-                </a:solidFill>
-              </a:endParaRPr>
-            </a:p>
-          </p:txBody>
-        </p:sp>
-        <p:sp>
-          <p:nvSpPr>
-            <p:cNvPr id="17" name="Freeform 11"/>
-            <p:cNvSpPr>
-              <a:spLocks/>
-            </p:cNvSpPr>
-            <p:nvPr/>
-          </p:nvSpPr>
-          <p:spPr bwMode="hidden">
-            <a:xfrm>
-              <a:off x="1802606" y="1545430"/>
-              <a:ext cx="701117" cy="344477"/>
-            </a:xfrm>
-            <a:custGeom>
-              <a:avLst/>
-              <a:gdLst>
-                <a:gd name="T0" fmla="*/ 0 w 245"/>
-                <a:gd name="T1" fmla="*/ 0 h 158"/>
-                <a:gd name="T2" fmla="*/ 245 w 245"/>
-                <a:gd name="T3" fmla="*/ 146 h 158"/>
-                <a:gd name="T4" fmla="*/ 226 w 245"/>
-                <a:gd name="T5" fmla="*/ 158 h 158"/>
-                <a:gd name="T6" fmla="*/ 0 w 245"/>
-                <a:gd name="T7" fmla="*/ 23 h 158"/>
-                <a:gd name="T8" fmla="*/ 0 w 245"/>
-                <a:gd name="T9" fmla="*/ 0 h 158"/>
-                <a:gd name="T10" fmla="*/ 0 60000 65536"/>
-                <a:gd name="T11" fmla="*/ 0 60000 65536"/>
-                <a:gd name="T12" fmla="*/ 0 60000 65536"/>
-                <a:gd name="T13" fmla="*/ 0 60000 65536"/>
-                <a:gd name="T14" fmla="*/ 0 60000 65536"/>
-                <a:gd name="T15" fmla="*/ 0 w 245"/>
-                <a:gd name="T16" fmla="*/ 0 h 158"/>
-                <a:gd name="T17" fmla="*/ 245 w 245"/>
-                <a:gd name="T18" fmla="*/ 158 h 158"/>
-              </a:gdLst>
-              <a:ahLst/>
-              <a:cxnLst>
-                <a:cxn ang="T10">
-                  <a:pos x="T0" y="T1"/>
-                </a:cxn>
-                <a:cxn ang="T11">
-                  <a:pos x="T2" y="T3"/>
-                </a:cxn>
-                <a:cxn ang="T12">
-                  <a:pos x="T4" y="T5"/>
-                </a:cxn>
-                <a:cxn ang="T13">
-                  <a:pos x="T6" y="T7"/>
-                </a:cxn>
-                <a:cxn ang="T14">
-                  <a:pos x="T8" y="T9"/>
-                </a:cxn>
-              </a:cxnLst>
-              <a:rect l="T15" t="T16" r="T17" b="T18"/>
-              <a:pathLst>
-                <a:path w="245" h="158">
-                  <a:moveTo>
-                    <a:pt x="0" y="0"/>
-                  </a:moveTo>
-                  <a:lnTo>
-                    <a:pt x="245" y="146"/>
-                  </a:lnTo>
-                  <a:lnTo>
-                    <a:pt x="226" y="158"/>
-                  </a:lnTo>
-                  <a:lnTo>
-                    <a:pt x="0" y="23"/>
-                  </a:lnTo>
-                  <a:lnTo>
-                    <a:pt x="0" y="0"/>
-                  </a:lnTo>
-                  <a:close/>
-                </a:path>
-              </a:pathLst>
-            </a:custGeom>
-            <a:grpFill/>
-            <a:ln w="28575" cap="flat" cmpd="sng">
-              <a:noFill/>
-              <a:prstDash val="solid"/>
-              <a:round/>
-              <a:headEnd type="none" w="med" len="med"/>
-              <a:tailEnd type="none" w="med" len="med"/>
-            </a:ln>
-            <a:effectLst>
-              <a:outerShdw blurRad="44450" dist="27940" dir="5400000" algn="ctr">
-                <a:srgbClr val="000000">
-                  <a:alpha val="32000"/>
-                </a:srgbClr>
-              </a:outerShdw>
-            </a:effectLst>
-            <a:sp3d>
-              <a:bevelT w="190500" h="38100"/>
-            </a:sp3d>
-          </p:spPr>
-          <p:txBody>
-            <a:bodyPr/>
-            <a:lstStyle/>
-            <a:p>
-              <a:endParaRPr lang="en-US" dirty="0">
-                <a:solidFill>
-                  <a:schemeClr val="accent6"/>
-                </a:solidFill>
-              </a:endParaRPr>
-            </a:p>
-          </p:txBody>
-        </p:sp>
-        <p:sp>
-          <p:nvSpPr>
-            <p:cNvPr id="18" name="Freeform 12"/>
-            <p:cNvSpPr>
-              <a:spLocks/>
-            </p:cNvSpPr>
-            <p:nvPr/>
-          </p:nvSpPr>
-          <p:spPr bwMode="hidden">
-            <a:xfrm>
-              <a:off x="1797843" y="1840589"/>
-              <a:ext cx="710079" cy="357304"/>
-            </a:xfrm>
-            <a:custGeom>
-              <a:avLst/>
-              <a:gdLst>
-                <a:gd name="T0" fmla="*/ 248 w 248"/>
-                <a:gd name="T1" fmla="*/ 12 h 156"/>
-                <a:gd name="T2" fmla="*/ 0 w 248"/>
-                <a:gd name="T3" fmla="*/ 156 h 156"/>
-                <a:gd name="T4" fmla="*/ 3 w 248"/>
-                <a:gd name="T5" fmla="*/ 131 h 156"/>
-                <a:gd name="T6" fmla="*/ 229 w 248"/>
-                <a:gd name="T7" fmla="*/ 0 h 156"/>
-                <a:gd name="T8" fmla="*/ 248 w 248"/>
-                <a:gd name="T9" fmla="*/ 12 h 156"/>
-                <a:gd name="T10" fmla="*/ 0 60000 65536"/>
-                <a:gd name="T11" fmla="*/ 0 60000 65536"/>
-                <a:gd name="T12" fmla="*/ 0 60000 65536"/>
-                <a:gd name="T13" fmla="*/ 0 60000 65536"/>
-                <a:gd name="T14" fmla="*/ 0 60000 65536"/>
-                <a:gd name="T15" fmla="*/ 0 w 248"/>
-                <a:gd name="T16" fmla="*/ 0 h 156"/>
-                <a:gd name="T17" fmla="*/ 248 w 248"/>
-                <a:gd name="T18" fmla="*/ 156 h 156"/>
-              </a:gdLst>
-              <a:ahLst/>
-              <a:cxnLst>
-                <a:cxn ang="T10">
-                  <a:pos x="T0" y="T1"/>
-                </a:cxn>
-                <a:cxn ang="T11">
-                  <a:pos x="T2" y="T3"/>
-                </a:cxn>
-                <a:cxn ang="T12">
-                  <a:pos x="T4" y="T5"/>
-                </a:cxn>
-                <a:cxn ang="T13">
-                  <a:pos x="T6" y="T7"/>
-                </a:cxn>
-                <a:cxn ang="T14">
-                  <a:pos x="T8" y="T9"/>
-                </a:cxn>
-              </a:cxnLst>
-              <a:rect l="T15" t="T16" r="T17" b="T18"/>
-              <a:pathLst>
-                <a:path w="248" h="156">
-                  <a:moveTo>
-                    <a:pt x="248" y="12"/>
-                  </a:moveTo>
-                  <a:lnTo>
-                    <a:pt x="0" y="156"/>
-                  </a:lnTo>
-                  <a:lnTo>
-                    <a:pt x="3" y="131"/>
-                  </a:lnTo>
-                  <a:lnTo>
-                    <a:pt x="229" y="0"/>
-                  </a:lnTo>
-                  <a:lnTo>
-                    <a:pt x="248" y="12"/>
-                  </a:lnTo>
-                  <a:close/>
-                </a:path>
-              </a:pathLst>
-            </a:custGeom>
-            <a:grpFill/>
-            <a:ln w="28575" cap="flat" cmpd="sng">
-              <a:noFill/>
-              <a:prstDash val="solid"/>
-              <a:round/>
-              <a:headEnd type="none" w="med" len="med"/>
-              <a:tailEnd type="none" w="med" len="med"/>
-            </a:ln>
-            <a:effectLst>
-              <a:outerShdw blurRad="44450" dist="27940" dir="5400000" algn="ctr">
-                <a:srgbClr val="000000">
-                  <a:alpha val="32000"/>
-                </a:srgbClr>
-              </a:outerShdw>
-            </a:effectLst>
-            <a:sp3d>
-              <a:bevelT w="190500" h="38100"/>
-            </a:sp3d>
-          </p:spPr>
-          <p:txBody>
-            <a:bodyPr/>
-            <a:lstStyle/>
-            <a:p>
-              <a:endParaRPr lang="en-US" dirty="0">
-                <a:solidFill>
-                  <a:schemeClr val="accent6"/>
-                </a:solidFill>
-              </a:endParaRPr>
-            </a:p>
-          </p:txBody>
-        </p:sp>
-      </p:grpSp>
+      <p:graphicFrame>
+        <p:nvGraphicFramePr>
+          <p:cNvPr id="8" name="Table 7">
+            <a:extLst>
+              <a:ext uri="{FF2B5EF4-FFF2-40B4-BE49-F238E27FC236}">
+                <a16:creationId xmlns:a16="http://schemas.microsoft.com/office/drawing/2014/main" id="{500A32C4-D4D6-4957-AFB2-C2E212A61071}"/>
+              </a:ext>
+            </a:extLst>
+          </p:cNvPr>
+          <p:cNvGraphicFramePr>
+            <a:graphicFrameLocks noGrp="1"/>
+          </p:cNvGraphicFramePr>
+          <p:nvPr>
+            <p:extLst>
+              <p:ext uri="{D42A27DB-BD31-4B8C-83A1-F6EECF244321}">
+                <p14:modId xmlns:p14="http://schemas.microsoft.com/office/powerpoint/2010/main" val="3587702103"/>
+              </p:ext>
+            </p:extLst>
+          </p:nvPr>
+        </p:nvGraphicFramePr>
+        <p:xfrm>
+          <a:off x="2880360" y="1447543"/>
+          <a:ext cx="3383280" cy="2743200"/>
+        </p:xfrm>
+        <a:graphic>
+          <a:graphicData uri="http://schemas.openxmlformats.org/drawingml/2006/table">
+            <a:tbl>
+              <a:tblPr>
+                <a:tableStyleId>{00A15C55-8517-42AA-B614-E9B94910E393}</a:tableStyleId>
+              </a:tblPr>
+              <a:tblGrid>
+                <a:gridCol w="3383280">
+                  <a:extLst>
+                    <a:ext uri="{9D8B030D-6E8A-4147-A177-3AD203B41FA5}">
+                      <a16:colId xmlns:a16="http://schemas.microsoft.com/office/drawing/2014/main" val="1695728431"/>
+                    </a:ext>
+                  </a:extLst>
+                </a:gridCol>
+              </a:tblGrid>
+              <a:tr h="548640">
+                <a:tc>
+                  <a:txBody>
+                    <a:bodyPr/>
+                    <a:lstStyle/>
+                    <a:p>
+                      <a:pPr>
+                        <a:lnSpc>
+                          <a:spcPct val="100000"/>
+                        </a:lnSpc>
+                        <a:spcAft>
+                          <a:spcPts val="0"/>
+                        </a:spcAft>
+                      </a:pPr>
+                      <a:r>
+                        <a:rPr lang="en-US" sz="2000" b="1" dirty="0">
+                          <a:solidFill>
+                            <a:schemeClr val="tx1"/>
+                          </a:solidFill>
+                        </a:rPr>
+                        <a:t>Statistics Primer</a:t>
+                      </a:r>
+                    </a:p>
+                  </a:txBody>
+                  <a:tcPr anchor="ctr">
+                    <a:lnB w="12700" cap="flat" cmpd="sng" algn="ctr">
+                      <a:solidFill>
+                        <a:schemeClr val="bg1">
+                          <a:lumMod val="65000"/>
+                        </a:schemeClr>
+                      </a:solidFill>
+                      <a:prstDash val="solid"/>
+                      <a:round/>
+                      <a:headEnd type="none" w="med" len="med"/>
+                      <a:tailEnd type="none" w="med" len="med"/>
+                    </a:lnB>
+                    <a:noFill/>
+                  </a:tcPr>
+                </a:tc>
+                <a:extLst>
+                  <a:ext uri="{0D108BD9-81ED-4DB2-BD59-A6C34878D82A}">
+                    <a16:rowId xmlns:a16="http://schemas.microsoft.com/office/drawing/2014/main" val="2307098774"/>
+                  </a:ext>
+                </a:extLst>
+              </a:tr>
+              <a:tr h="548640">
+                <a:tc>
+                  <a:txBody>
+                    <a:bodyPr/>
+                    <a:lstStyle/>
+                    <a:p>
+                      <a:pPr>
+                        <a:lnSpc>
+                          <a:spcPct val="100000"/>
+                        </a:lnSpc>
+                        <a:spcAft>
+                          <a:spcPts val="0"/>
+                        </a:spcAft>
+                      </a:pPr>
+                      <a:r>
+                        <a:rPr lang="en-US" sz="2000" dirty="0">
+                          <a:solidFill>
+                            <a:schemeClr val="bg1">
+                              <a:lumMod val="65000"/>
+                            </a:schemeClr>
+                          </a:solidFill>
+                        </a:rPr>
+                        <a:t>Basic ETL and Reshaping</a:t>
+                      </a:r>
+                    </a:p>
+                  </a:txBody>
+                  <a:tcPr anchor="ctr">
+                    <a:lnT w="12700" cap="flat" cmpd="sng" algn="ctr">
+                      <a:solidFill>
+                        <a:schemeClr val="bg1">
+                          <a:lumMod val="65000"/>
+                        </a:schemeClr>
+                      </a:solidFill>
+                      <a:prstDash val="solid"/>
+                      <a:round/>
+                      <a:headEnd type="none" w="med" len="med"/>
+                      <a:tailEnd type="none" w="med" len="med"/>
+                    </a:lnT>
+                    <a:lnB w="12700" cap="flat" cmpd="sng" algn="ctr">
+                      <a:solidFill>
+                        <a:schemeClr val="bg1">
+                          <a:lumMod val="65000"/>
+                        </a:schemeClr>
+                      </a:solidFill>
+                      <a:prstDash val="solid"/>
+                      <a:round/>
+                      <a:headEnd type="none" w="med" len="med"/>
+                      <a:tailEnd type="none" w="med" len="med"/>
+                    </a:lnB>
+                    <a:noFill/>
+                  </a:tcPr>
+                </a:tc>
+                <a:extLst>
+                  <a:ext uri="{0D108BD9-81ED-4DB2-BD59-A6C34878D82A}">
+                    <a16:rowId xmlns:a16="http://schemas.microsoft.com/office/drawing/2014/main" val="1466711860"/>
+                  </a:ext>
+                </a:extLst>
+              </a:tr>
+              <a:tr h="548640">
+                <a:tc>
+                  <a:txBody>
+                    <a:bodyPr/>
+                    <a:lstStyle/>
+                    <a:p>
+                      <a:pPr>
+                        <a:lnSpc>
+                          <a:spcPct val="100000"/>
+                        </a:lnSpc>
+                        <a:spcAft>
+                          <a:spcPts val="0"/>
+                        </a:spcAft>
+                      </a:pPr>
+                      <a:r>
+                        <a:rPr lang="en-US" sz="2000" dirty="0">
+                          <a:solidFill>
+                            <a:schemeClr val="bg1">
+                              <a:lumMod val="65000"/>
+                            </a:schemeClr>
+                          </a:solidFill>
+                        </a:rPr>
+                        <a:t>Splitting Data</a:t>
+                      </a:r>
+                    </a:p>
+                  </a:txBody>
+                  <a:tcPr anchor="ctr">
+                    <a:lnT w="12700" cap="flat" cmpd="sng" algn="ctr">
+                      <a:solidFill>
+                        <a:schemeClr val="bg1">
+                          <a:lumMod val="65000"/>
+                        </a:schemeClr>
+                      </a:solidFill>
+                      <a:prstDash val="solid"/>
+                      <a:round/>
+                      <a:headEnd type="none" w="med" len="med"/>
+                      <a:tailEnd type="none" w="med" len="med"/>
+                    </a:lnT>
+                    <a:lnB w="12700" cap="flat" cmpd="sng" algn="ctr">
+                      <a:solidFill>
+                        <a:schemeClr val="bg1">
+                          <a:lumMod val="65000"/>
+                        </a:schemeClr>
+                      </a:solidFill>
+                      <a:prstDash val="solid"/>
+                      <a:round/>
+                      <a:headEnd type="none" w="med" len="med"/>
+                      <a:tailEnd type="none" w="med" len="med"/>
+                    </a:lnB>
+                    <a:noFill/>
+                  </a:tcPr>
+                </a:tc>
+                <a:extLst>
+                  <a:ext uri="{0D108BD9-81ED-4DB2-BD59-A6C34878D82A}">
+                    <a16:rowId xmlns:a16="http://schemas.microsoft.com/office/drawing/2014/main" val="1924402624"/>
+                  </a:ext>
+                </a:extLst>
+              </a:tr>
+              <a:tr h="548640">
+                <a:tc>
+                  <a:txBody>
+                    <a:bodyPr/>
+                    <a:lstStyle/>
+                    <a:p>
+                      <a:pPr>
+                        <a:lnSpc>
+                          <a:spcPct val="100000"/>
+                        </a:lnSpc>
+                        <a:spcAft>
+                          <a:spcPts val="0"/>
+                        </a:spcAft>
+                      </a:pPr>
+                      <a:r>
+                        <a:rPr lang="en-US" sz="2000" dirty="0">
+                          <a:solidFill>
+                            <a:schemeClr val="bg1">
+                              <a:lumMod val="65000"/>
+                            </a:schemeClr>
+                          </a:solidFill>
+                        </a:rPr>
+                        <a:t>Free-Form Text</a:t>
+                      </a:r>
+                    </a:p>
+                  </a:txBody>
+                  <a:tcPr anchor="ctr">
+                    <a:lnT w="12700" cap="flat" cmpd="sng" algn="ctr">
+                      <a:solidFill>
+                        <a:schemeClr val="bg1">
+                          <a:lumMod val="65000"/>
+                        </a:schemeClr>
+                      </a:solidFill>
+                      <a:prstDash val="solid"/>
+                      <a:round/>
+                      <a:headEnd type="none" w="med" len="med"/>
+                      <a:tailEnd type="none" w="med" len="med"/>
+                    </a:lnT>
+                    <a:lnB w="12700" cap="flat" cmpd="sng" algn="ctr">
+                      <a:solidFill>
+                        <a:schemeClr val="bg1">
+                          <a:lumMod val="65000"/>
+                        </a:schemeClr>
+                      </a:solidFill>
+                      <a:prstDash val="solid"/>
+                      <a:round/>
+                      <a:headEnd type="none" w="med" len="med"/>
+                      <a:tailEnd type="none" w="med" len="med"/>
+                    </a:lnB>
+                    <a:noFill/>
+                  </a:tcPr>
+                </a:tc>
+                <a:extLst>
+                  <a:ext uri="{0D108BD9-81ED-4DB2-BD59-A6C34878D82A}">
+                    <a16:rowId xmlns:a16="http://schemas.microsoft.com/office/drawing/2014/main" val="2634114360"/>
+                  </a:ext>
+                </a:extLst>
+              </a:tr>
+              <a:tr h="548640">
+                <a:tc>
+                  <a:txBody>
+                    <a:bodyPr/>
+                    <a:lstStyle/>
+                    <a:p>
+                      <a:pPr>
+                        <a:lnSpc>
+                          <a:spcPct val="100000"/>
+                        </a:lnSpc>
+                        <a:spcAft>
+                          <a:spcPts val="0"/>
+                        </a:spcAft>
+                      </a:pPr>
+                      <a:r>
+                        <a:rPr lang="en-US" sz="2000" dirty="0">
+                          <a:solidFill>
+                            <a:schemeClr val="bg1">
+                              <a:lumMod val="65000"/>
+                            </a:schemeClr>
+                          </a:solidFill>
+                        </a:rPr>
+                        <a:t>Chapter Summary</a:t>
+                      </a:r>
+                    </a:p>
+                  </a:txBody>
+                  <a:tcPr anchor="ctr">
+                    <a:lnT w="12700" cap="flat" cmpd="sng" algn="ctr">
+                      <a:solidFill>
+                        <a:schemeClr val="bg1">
+                          <a:lumMod val="65000"/>
+                        </a:schemeClr>
+                      </a:solidFill>
+                      <a:prstDash val="solid"/>
+                      <a:round/>
+                      <a:headEnd type="none" w="med" len="med"/>
+                      <a:tailEnd type="none" w="med" len="med"/>
+                    </a:lnT>
+                    <a:lnB w="12700" cap="flat" cmpd="sng" algn="ctr">
+                      <a:solidFill>
+                        <a:schemeClr val="bg1">
+                          <a:lumMod val="65000"/>
+                        </a:schemeClr>
+                      </a:solidFill>
+                      <a:prstDash val="solid"/>
+                      <a:round/>
+                      <a:headEnd type="none" w="med" len="med"/>
+                      <a:tailEnd type="none" w="med" len="med"/>
+                    </a:lnB>
+                    <a:noFill/>
+                  </a:tcPr>
+                </a:tc>
+                <a:extLst>
+                  <a:ext uri="{0D108BD9-81ED-4DB2-BD59-A6C34878D82A}">
+                    <a16:rowId xmlns:a16="http://schemas.microsoft.com/office/drawing/2014/main" val="376303497"/>
+                  </a:ext>
+                </a:extLst>
+              </a:tr>
+            </a:tbl>
+          </a:graphicData>
+        </a:graphic>
+      </p:graphicFrame>
     </p:spTree>
     <p:extLst>
       <p:ext uri="{BB962C8B-B14F-4D97-AF65-F5344CB8AC3E}">
@@ -15716,31 +14657,31 @@
             </a:pPr>
             <a:r>
               <a:rPr lang="en-US" dirty="0"/>
-              <a:t>In this chapter, we have:</a:t>
+              <a:t>In this chapter, we have introduced:</a:t>
             </a:r>
           </a:p>
           <a:p>
             <a:r>
               <a:rPr lang="en-US" dirty="0"/>
-              <a:t>Basic refresher on statistics</a:t>
+              <a:t>A basic refresher on statistics</a:t>
             </a:r>
           </a:p>
           <a:p>
             <a:r>
               <a:rPr lang="en-US" dirty="0"/>
-              <a:t>Learned basic ETL (extract, transform, and load) and reshaping data for modeling</a:t>
+              <a:t>Basic ETL (extract, transform, and load) and reshaping data for modeling</a:t>
             </a:r>
           </a:p>
           <a:p>
             <a:r>
               <a:rPr lang="en-US" dirty="0"/>
-              <a:t>Split data into training and testing sets</a:t>
-            </a:r>
-          </a:p>
-          <a:p>
-            <a:r>
-              <a:rPr lang="en-US" dirty="0"/>
-              <a:t>Explored free-form text</a:t>
+              <a:t>Splitting data into training and testing sets</a:t>
+            </a:r>
+          </a:p>
+          <a:p>
+            <a:r>
+              <a:rPr lang="en-US"/>
+              <a:t>Free-form text</a:t>
             </a:r>
           </a:p>
           <a:p>
@@ -16067,8 +15008,8 @@
         </p:nvSpPr>
         <p:spPr>
           <a:xfrm>
-            <a:off x="1325563" y="3425432"/>
-            <a:ext cx="6492875" cy="2693045"/>
+            <a:off x="662782" y="3390263"/>
+            <a:ext cx="7818437" cy="2893100"/>
           </a:xfrm>
           <a:prstGeom prst="rect">
             <a:avLst/>
@@ -16203,67 +15144,67 @@
           </a:lstStyle>
           <a:p>
             <a:r>
-              <a:rPr lang="en-US" sz="1300" b="1" dirty="0"/>
+              <a:rPr lang="en-US" b="1" dirty="0"/>
               <a:t>import pandas as pd</a:t>
             </a:r>
           </a:p>
           <a:p>
             <a:r>
-              <a:rPr lang="en-US" sz="1300" b="1" dirty="0"/>
+              <a:rPr lang="en-US" b="1" dirty="0"/>
               <a:t>df = pd.DataFrame([9,10,10,11,11,11,12,12,12,13,13,13,13,14], columns=['Age'])</a:t>
             </a:r>
           </a:p>
           <a:p>
             <a:r>
-              <a:rPr lang="en-US" sz="1300" b="1" dirty="0"/>
+              <a:rPr lang="en-US" b="1" dirty="0"/>
               <a:t>print ("Mean", df.Age.mean(), "Median", df.Age.median(), "Mode", df.Age.mode()[0], "Count", df.Age.count())</a:t>
             </a:r>
           </a:p>
           <a:p>
             <a:r>
-              <a:rPr lang="en-US" sz="1300" b="1" dirty="0"/>
-              <a:t>print(df.Age.value_counts())</a:t>
-            </a:r>
-          </a:p>
-          <a:p>
-            <a:r>
-              <a:rPr lang="en-US" sz="1300" dirty="0"/>
+              <a:rPr lang="en-US" b="1" dirty="0"/>
+              <a:t>print (df.Age.value_counts())</a:t>
+            </a:r>
+          </a:p>
+          <a:p>
+            <a:r>
+              <a:rPr lang="en-US" dirty="0"/>
               <a:t>Mean 11.714285714285714 Median 12.0 Mode 13 Count 14</a:t>
             </a:r>
           </a:p>
           <a:p>
             <a:r>
-              <a:rPr lang="en-US" sz="1300" dirty="0"/>
+              <a:rPr lang="en-US" dirty="0"/>
               <a:t>13    4</a:t>
             </a:r>
           </a:p>
           <a:p>
             <a:r>
-              <a:rPr lang="en-US" sz="1300" dirty="0"/>
+              <a:rPr lang="en-US" dirty="0"/>
               <a:t>12    3</a:t>
             </a:r>
           </a:p>
           <a:p>
             <a:r>
-              <a:rPr lang="en-US" sz="1300" dirty="0"/>
+              <a:rPr lang="en-US" dirty="0"/>
               <a:t>11    3</a:t>
             </a:r>
           </a:p>
           <a:p>
             <a:r>
-              <a:rPr lang="en-US" sz="1300" dirty="0"/>
+              <a:rPr lang="en-US" dirty="0"/>
               <a:t>10    2</a:t>
             </a:r>
           </a:p>
           <a:p>
             <a:r>
-              <a:rPr lang="en-US" sz="1300" dirty="0"/>
+              <a:rPr lang="en-US" dirty="0"/>
               <a:t>14    1</a:t>
             </a:r>
           </a:p>
           <a:p>
             <a:r>
-              <a:rPr lang="en-US" sz="1300" dirty="0"/>
+              <a:rPr lang="en-US" dirty="0"/>
               <a:t>9     1</a:t>
             </a:r>
           </a:p>
@@ -16363,8 +15304,8 @@
         </p:nvSpPr>
         <p:spPr>
           <a:xfrm>
-            <a:off x="2492398" y="1709407"/>
-            <a:ext cx="4159204" cy="954107"/>
+            <a:off x="2525052" y="1709407"/>
+            <a:ext cx="4093897" cy="954107"/>
           </a:xfrm>
           <a:prstGeom prst="rect">
             <a:avLst/>
@@ -16551,7 +15492,7 @@
         </p:blipFill>
         <p:spPr>
           <a:xfrm>
-            <a:off x="2140204" y="2868513"/>
+            <a:off x="2121916" y="2929472"/>
             <a:ext cx="4699000" cy="3213100"/>
           </a:xfrm>
           <a:prstGeom prst="rect">
@@ -16937,8 +15878,8 @@
         </p:nvSpPr>
         <p:spPr>
           <a:xfrm>
-            <a:off x="1175662" y="1608823"/>
-            <a:ext cx="6792676" cy="954107"/>
+            <a:off x="929477" y="1659701"/>
+            <a:ext cx="6792676" cy="1169551"/>
           </a:xfrm>
           <a:prstGeom prst="rect">
             <a:avLst/>
@@ -17086,7 +16027,17 @@
           <a:p>
             <a:r>
               <a:rPr lang="en-US" b="1" dirty="0"/>
-              <a:t>print (x)x.plot(kind='bar')</a:t>
+              <a:t>print (x)</a:t>
+            </a:r>
+          </a:p>
+          <a:p>
+            <a:r>
+              <a:rPr lang="en-US" b="1" dirty="0" err="1"/>
+              <a:t>x.plot</a:t>
+            </a:r>
+            <a:r>
+              <a:rPr lang="en-US" b="1" dirty="0"/>
+              <a:t>(kind='bar')</a:t>
             </a:r>
           </a:p>
         </p:txBody>
@@ -17113,12 +16064,17 @@
         </p:blipFill>
         <p:spPr>
           <a:xfrm>
-            <a:off x="2523920" y="2742132"/>
+            <a:off x="4196993" y="2596994"/>
             <a:ext cx="4279041" cy="3631236"/>
           </a:xfrm>
           <a:prstGeom prst="rect">
             <a:avLst/>
           </a:prstGeom>
+          <a:ln>
+            <a:solidFill>
+              <a:schemeClr val="accent3"/>
+            </a:solidFill>
+          </a:ln>
         </p:spPr>
       </p:pic>
     </p:spTree>
@@ -18648,21 +17604,6 @@
 </file>
 
 <file path=customXml/item1.xml><?xml version="1.0" encoding="utf-8"?>
-<p:properties xmlns:p="http://schemas.microsoft.com/office/2006/metadata/properties" xmlns:xsi="http://www.w3.org/2001/XMLSchema-instance" xmlns:pc="http://schemas.microsoft.com/office/infopath/2007/PartnerControls">
-  <documentManagement/>
-</p:properties>
-</file>
-
-<file path=customXml/item2.xml><?xml version="1.0" encoding="utf-8"?>
-<?mso-contentType ?>
-<FormTemplates xmlns="http://schemas.microsoft.com/sharepoint/v3/contenttype/forms">
-  <Display>DocumentLibraryForm</Display>
-  <Edit>DocumentLibraryForm</Edit>
-  <New>DocumentLibraryForm</New>
-</FormTemplates>
-</file>
-
-<file path=customXml/item3.xml><?xml version="1.0" encoding="utf-8"?>
 <ct:contentTypeSchema xmlns:ct="http://schemas.microsoft.com/office/2006/metadata/contentType" xmlns:ma="http://schemas.microsoft.com/office/2006/metadata/properties/metaAttributes" ct:_="" ma:_="" ma:contentTypeName="Document" ma:contentTypeID="0x0101004C58D7A746750E48B9E257CBBD401C71" ma:contentTypeVersion="5" ma:contentTypeDescription="Create a new document." ma:contentTypeScope="" ma:versionID="9b104746e7bcdc89d5c9d8909bc79033">
   <xsd:schema xmlns:xsd="http://www.w3.org/2001/XMLSchema" xmlns:xs="http://www.w3.org/2001/XMLSchema" xmlns:p="http://schemas.microsoft.com/office/2006/metadata/properties" xmlns:ns2="3f1ded34-099e-46dd-b0de-95a90e7e1e5f" targetNamespace="http://schemas.microsoft.com/office/2006/metadata/properties" ma:root="true" ma:fieldsID="39039af933a2d9dca5a96354c4c2b0ed" ns2:_="">
     <xsd:import namespace="3f1ded34-099e-46dd-b0de-95a90e7e1e5f"/>
@@ -18814,24 +17755,22 @@
 </ct:contentTypeSchema>
 </file>
 
-<file path=customXml/itemProps1.xml><?xml version="1.0" encoding="utf-8"?>
-<ds:datastoreItem xmlns:ds="http://schemas.openxmlformats.org/officeDocument/2006/customXml" ds:itemID="{F47B9207-CE5C-49AD-B414-15CBFA246D65}">
-  <ds:schemaRefs>
-    <ds:schemaRef ds:uri="http://schemas.microsoft.com/office/2006/metadata/properties"/>
-    <ds:schemaRef ds:uri="http://schemas.microsoft.com/office/infopath/2007/PartnerControls"/>
-  </ds:schemaRefs>
-</ds:datastoreItem>
+<file path=customXml/item2.xml><?xml version="1.0" encoding="utf-8"?>
+<p:properties xmlns:p="http://schemas.microsoft.com/office/2006/metadata/properties" xmlns:xsi="http://www.w3.org/2001/XMLSchema-instance" xmlns:pc="http://schemas.microsoft.com/office/infopath/2007/PartnerControls">
+  <documentManagement/>
+</p:properties>
 </file>
 
-<file path=customXml/itemProps2.xml><?xml version="1.0" encoding="utf-8"?>
-<ds:datastoreItem xmlns:ds="http://schemas.openxmlformats.org/officeDocument/2006/customXml" ds:itemID="{2DA015F3-603C-4688-A5F3-81D587DAB8C9}">
-  <ds:schemaRefs>
-    <ds:schemaRef ds:uri="http://schemas.microsoft.com/sharepoint/v3/contenttype/forms"/>
-  </ds:schemaRefs>
-</ds:datastoreItem>
+<file path=customXml/item3.xml><?xml version="1.0" encoding="utf-8"?>
+<?mso-contentType ?>
+<FormTemplates xmlns="http://schemas.microsoft.com/sharepoint/v3/contenttype/forms">
+  <Display>DocumentLibraryForm</Display>
+  <Edit>DocumentLibraryForm</Edit>
+  <New>DocumentLibraryForm</New>
+</FormTemplates>
 </file>
 
-<file path=customXml/itemProps3.xml><?xml version="1.0" encoding="utf-8"?>
+<file path=customXml/itemProps1.xml><?xml version="1.0" encoding="utf-8"?>
 <ds:datastoreItem xmlns:ds="http://schemas.openxmlformats.org/officeDocument/2006/customXml" ds:itemID="{6751EBC6-C433-43E6-8F46-C6D6D677BF51}">
   <ds:schemaRefs>
     <ds:schemaRef ds:uri="http://schemas.microsoft.com/office/2006/metadata/contentType"/>
@@ -18847,4 +17786,28 @@
     <ds:schemaRef ds:uri="http://schemas.microsoft.com/internal/obd"/>
   </ds:schemaRefs>
 </ds:datastoreItem>
+</file>
+
+<file path=customXml/itemProps2.xml><?xml version="1.0" encoding="utf-8"?>
+<ds:datastoreItem xmlns:ds="http://schemas.openxmlformats.org/officeDocument/2006/customXml" ds:itemID="{F47B9207-CE5C-49AD-B414-15CBFA246D65}">
+  <ds:schemaRefs>
+    <ds:schemaRef ds:uri="http://schemas.microsoft.com/office/2006/documentManagement/types"/>
+    <ds:schemaRef ds:uri="http://schemas.microsoft.com/office/infopath/2007/PartnerControls"/>
+    <ds:schemaRef ds:uri="http://purl.org/dc/elements/1.1/"/>
+    <ds:schemaRef ds:uri="http://schemas.microsoft.com/office/2006/metadata/properties"/>
+    <ds:schemaRef ds:uri="http://purl.org/dc/terms/"/>
+    <ds:schemaRef ds:uri="3f1ded34-099e-46dd-b0de-95a90e7e1e5f"/>
+    <ds:schemaRef ds:uri="http://schemas.openxmlformats.org/package/2006/metadata/core-properties"/>
+    <ds:schemaRef ds:uri="http://www.w3.org/XML/1998/namespace"/>
+    <ds:schemaRef ds:uri="http://purl.org/dc/dcmitype/"/>
+  </ds:schemaRefs>
+</ds:datastoreItem>
+</file>
+
+<file path=customXml/itemProps3.xml><?xml version="1.0" encoding="utf-8"?>
+<ds:datastoreItem xmlns:ds="http://schemas.openxmlformats.org/officeDocument/2006/customXml" ds:itemID="{2DA015F3-603C-4688-A5F3-81D587DAB8C9}">
+  <ds:schemaRefs>
+    <ds:schemaRef ds:uri="http://schemas.microsoft.com/sharepoint/v3/contenttype/forms"/>
+  </ds:schemaRefs>
+</ds:datastoreItem>
 </file>
--- a/811M-Ch04_DataPreparation.pptx
+++ b/811M-Ch04_DataPreparation.pptx
@@ -21,9 +21,9 @@
     <p:sldId id="297" r:id="rId12"/>
     <p:sldId id="294" r:id="rId13"/>
     <p:sldId id="332" r:id="rId14"/>
-    <p:sldId id="315" r:id="rId15"/>
-    <p:sldId id="281" r:id="rId16"/>
-    <p:sldId id="314" r:id="rId17"/>
+    <p:sldId id="281" r:id="rId15"/>
+    <p:sldId id="314" r:id="rId16"/>
+    <p:sldId id="315" r:id="rId17"/>
     <p:sldId id="316" r:id="rId18"/>
     <p:sldId id="318" r:id="rId19"/>
     <p:sldId id="326" r:id="rId20"/>
@@ -1352,7 +1352,7 @@
     </p:spTree>
     <p:extLst>
       <p:ext uri="{BB962C8B-B14F-4D97-AF65-F5344CB8AC3E}">
-        <p14:creationId xmlns:p14="http://schemas.microsoft.com/office/powerpoint/2010/main" val="1124169638"/>
+        <p14:creationId xmlns:p14="http://schemas.microsoft.com/office/powerpoint/2010/main" val="431877283"/>
       </p:ext>
     </p:extLst>
   </p:cSld>
@@ -1418,7 +1418,7 @@
     </p:spTree>
     <p:extLst>
       <p:ext uri="{BB962C8B-B14F-4D97-AF65-F5344CB8AC3E}">
-        <p14:creationId xmlns:p14="http://schemas.microsoft.com/office/powerpoint/2010/main" val="431877283"/>
+        <p14:creationId xmlns:p14="http://schemas.microsoft.com/office/powerpoint/2010/main" val="1726487185"/>
       </p:ext>
     </p:extLst>
   </p:cSld>
@@ -1484,7 +1484,7 @@
     </p:spTree>
     <p:extLst>
       <p:ext uri="{BB962C8B-B14F-4D97-AF65-F5344CB8AC3E}">
-        <p14:creationId xmlns:p14="http://schemas.microsoft.com/office/powerpoint/2010/main" val="1726487185"/>
+        <p14:creationId xmlns:p14="http://schemas.microsoft.com/office/powerpoint/2010/main" val="1124169638"/>
       </p:ext>
     </p:extLst>
   </p:cSld>
@@ -8639,7 +8639,13 @@
       </p:grpSpPr>
       <p:sp>
         <p:nvSpPr>
-          <p:cNvPr id="3" name="Content Placeholder 2"/>
+          <p:cNvPr id="6" name="Content Placeholder 2">
+            <a:extLst>
+              <a:ext uri="{FF2B5EF4-FFF2-40B4-BE49-F238E27FC236}">
+                <a16:creationId xmlns:a16="http://schemas.microsoft.com/office/drawing/2014/main" id="{8394A484-6EF5-4C7D-B3F3-A5132CF08532}"/>
+              </a:ext>
+            </a:extLst>
+          </p:cNvPr>
           <p:cNvSpPr>
             <a:spLocks noGrp="1"/>
           </p:cNvSpPr>
@@ -8647,69 +8653,156 @@
             <p:ph idx="1"/>
           </p:nvPr>
         </p:nvSpPr>
-        <p:spPr/>
+        <p:spPr>
+          <a:xfrm>
+            <a:off x="581024" y="1155614"/>
+            <a:ext cx="8160639" cy="5072616"/>
+          </a:xfrm>
+        </p:spPr>
         <p:txBody>
           <a:bodyPr/>
           <a:lstStyle/>
           <a:p>
             <a:r>
-              <a:rPr lang="en-US" dirty="0">
-                <a:latin typeface="Courier New" panose="02070309020205020404" pitchFamily="49" charset="0"/>
-                <a:cs typeface="Courier New" panose="02070309020205020404" pitchFamily="49" charset="0"/>
-              </a:rPr>
-              <a:t>insert()</a:t>
-            </a:r>
-            <a:r>
               <a:rPr lang="en-US" dirty="0"/>
-              <a:t> can add a new column to a DataFrame</a:t>
-            </a:r>
-          </a:p>
-          <a:p>
-            <a:r>
-              <a:rPr lang="en-US" dirty="0">
-                <a:latin typeface="Courier New" panose="02070309020205020404" pitchFamily="49" charset="0"/>
-                <a:cs typeface="Courier New" panose="02070309020205020404" pitchFamily="49" charset="0"/>
-              </a:rPr>
-              <a:t>drop()</a:t>
-            </a:r>
+              <a:t>Most of the models you will use require data to be perfectly clean</a:t>
+            </a:r>
+          </a:p>
+          <a:p>
+            <a:pPr lvl="1"/>
             <a:r>
               <a:rPr lang="en-US" dirty="0"/>
-              <a:t> removes a column from a DataFrame</a:t>
-            </a:r>
-          </a:p>
-          <a:p>
+              <a:t>Cannot have null values</a:t>
+            </a:r>
+          </a:p>
+          <a:p>
+            <a:pPr lvl="1"/>
             <a:r>
               <a:rPr lang="en-US" dirty="0"/>
-              <a:t>Categorical replaces strings with number placeholders</a:t>
-            </a:r>
-          </a:p>
-          <a:p>
-            <a:r>
-              <a:rPr lang="en-US" dirty="0">
-                <a:latin typeface="Courier New" panose="02070309020205020404" pitchFamily="49" charset="0"/>
-                <a:cs typeface="Courier New" panose="02070309020205020404" pitchFamily="49" charset="0"/>
-              </a:rPr>
-              <a:t>astype</a:t>
-            </a:r>
+              <a:t>Text sometimes needs to be replaced with numbers</a:t>
+            </a:r>
+          </a:p>
+          <a:p>
+            <a:pPr lvl="1"/>
             <a:r>
               <a:rPr lang="en-US" dirty="0"/>
-              <a:t> converts the data type of a column</a:t>
-            </a:r>
-          </a:p>
-          <a:p>
-            <a:endParaRPr lang="en-US" dirty="0"/>
-          </a:p>
-          <a:p>
-            <a:pPr marL="0" indent="0">
-              <a:buNone/>
-            </a:pPr>
-            <a:endParaRPr lang="en-US" dirty="0"/>
+              <a:t>Numbers need to be on the same scale</a:t>
+            </a:r>
+          </a:p>
+          <a:p>
+            <a:r>
+              <a:rPr lang="en-US" dirty="0"/>
+              <a:t>There are some basic data types in machine learning</a:t>
+            </a:r>
+          </a:p>
+          <a:p>
+            <a:pPr lvl="1"/>
+            <a:r>
+              <a:rPr lang="en-US" dirty="0"/>
+              <a:t>Numeric</a:t>
+            </a:r>
+          </a:p>
+          <a:p>
+            <a:pPr lvl="2"/>
+            <a:r>
+              <a:rPr lang="en-US" dirty="0"/>
+              <a:t>Continuous </a:t>
+            </a:r>
+            <a:r>
+              <a:rPr lang="mr-IN" dirty="0"/>
+              <a:t>–</a:t>
+            </a:r>
+            <a:r>
+              <a:rPr lang="en-US" dirty="0"/>
+              <a:t> decimal numbers (weight or income)</a:t>
+            </a:r>
+          </a:p>
+          <a:p>
+            <a:pPr lvl="2"/>
+            <a:r>
+              <a:rPr lang="en-US" dirty="0"/>
+              <a:t>Discreet </a:t>
+            </a:r>
+            <a:r>
+              <a:rPr lang="mr-IN" dirty="0"/>
+              <a:t>–</a:t>
+            </a:r>
+            <a:r>
+              <a:rPr lang="en-US" dirty="0"/>
+              <a:t> whole numbers (number of students)</a:t>
+            </a:r>
+          </a:p>
+          <a:p>
+            <a:pPr lvl="2"/>
+            <a:r>
+              <a:rPr lang="en-US" dirty="0"/>
+              <a:t>Binned </a:t>
+            </a:r>
+            <a:r>
+              <a:rPr lang="mr-IN" dirty="0"/>
+              <a:t>–</a:t>
+            </a:r>
+            <a:r>
+              <a:rPr lang="en-US" dirty="0"/>
+              <a:t> numbers grouped together to form a category (18-25) (26-35) (36-45)</a:t>
+            </a:r>
+          </a:p>
+          <a:p>
+            <a:pPr lvl="1"/>
+            <a:r>
+              <a:rPr lang="en-US" dirty="0"/>
+              <a:t>Categorical </a:t>
+            </a:r>
+            <a:r>
+              <a:rPr lang="mr-IN" dirty="0"/>
+              <a:t>–</a:t>
+            </a:r>
+            <a:r>
+              <a:rPr lang="en-US" dirty="0"/>
+              <a:t> text or numeric that represents a category (male/female)</a:t>
+            </a:r>
+          </a:p>
+          <a:p>
+            <a:pPr lvl="1"/>
+            <a:r>
+              <a:rPr lang="en-US" dirty="0"/>
+              <a:t>Time series </a:t>
+            </a:r>
+            <a:r>
+              <a:rPr lang="mr-IN" dirty="0"/>
+              <a:t>–</a:t>
+            </a:r>
+            <a:r>
+              <a:rPr lang="en-US" dirty="0"/>
+              <a:t> sequence of numbers collected at regular interval (temperature measurement from a weather station)</a:t>
+            </a:r>
+          </a:p>
+          <a:p>
+            <a:pPr lvl="1"/>
+            <a:r>
+              <a:rPr lang="en-US" dirty="0"/>
+              <a:t>Text </a:t>
+            </a:r>
+            <a:r>
+              <a:rPr lang="mr-IN" dirty="0"/>
+              <a:t>–</a:t>
+            </a:r>
+            <a:r>
+              <a:rPr lang="en-US" dirty="0"/>
+              <a:t> any free-form text needs to be converted to a numeric document term matrix first</a:t>
+            </a:r>
           </a:p>
         </p:txBody>
       </p:sp>
       <p:sp>
         <p:nvSpPr>
-          <p:cNvPr id="2" name="Title 1"/>
+          <p:cNvPr id="7" name="Title 1">
+            <a:extLst>
+              <a:ext uri="{FF2B5EF4-FFF2-40B4-BE49-F238E27FC236}">
+                <a16:creationId xmlns:a16="http://schemas.microsoft.com/office/drawing/2014/main" id="{CDF2A063-C413-46A5-887A-53D5752649BD}"/>
+              </a:ext>
+            </a:extLst>
+          </p:cNvPr>
           <p:cNvSpPr>
             <a:spLocks noGrp="1"/>
           </p:cNvSpPr>
@@ -8717,24 +8810,178 @@
             <p:ph type="title"/>
           </p:nvPr>
         </p:nvSpPr>
-        <p:spPr/>
+        <p:spPr>
+          <a:xfrm>
+            <a:off x="1050925" y="290495"/>
+            <a:ext cx="7002463" cy="627062"/>
+          </a:xfrm>
+        </p:spPr>
         <p:txBody>
           <a:bodyPr/>
           <a:lstStyle/>
           <a:p>
             <a:r>
               <a:rPr lang="en-US" dirty="0"/>
-              <a:t>Fixing Up DataFrames</a:t>
+              <a:t>Basic Data Types</a:t>
             </a:r>
           </a:p>
         </p:txBody>
       </p:sp>
-      <p:sp>
-        <p:nvSpPr>
-          <p:cNvPr id="4" name="TextBox 3">
+    </p:spTree>
+    <p:extLst>
+      <p:ext uri="{BB962C8B-B14F-4D97-AF65-F5344CB8AC3E}">
+        <p14:creationId xmlns:p14="http://schemas.microsoft.com/office/powerpoint/2010/main" val="3309313356"/>
+      </p:ext>
+    </p:extLst>
+  </p:cSld>
+  <p:clrMapOvr>
+    <a:masterClrMapping/>
+  </p:clrMapOvr>
+</p:sld>
+</file>
+
+<file path=ppt/slides/slide12.xml><?xml version="1.0" encoding="utf-8"?>
+<p:sld xmlns:a="http://schemas.openxmlformats.org/drawingml/2006/main" xmlns:r="http://schemas.openxmlformats.org/officeDocument/2006/relationships" xmlns:p="http://schemas.openxmlformats.org/presentationml/2006/main">
+  <p:cSld>
+    <p:spTree>
+      <p:nvGrpSpPr>
+        <p:cNvPr id="1" name=""/>
+        <p:cNvGrpSpPr/>
+        <p:nvPr/>
+      </p:nvGrpSpPr>
+      <p:grpSpPr>
+        <a:xfrm>
+          <a:off x="0" y="0"/>
+          <a:ext cx="0" cy="0"/>
+          <a:chOff x="0" y="0"/>
+          <a:chExt cx="0" cy="0"/>
+        </a:xfrm>
+      </p:grpSpPr>
+      <p:sp>
+        <p:nvSpPr>
+          <p:cNvPr id="16" name="Content Placeholder 2">
             <a:extLst>
               <a:ext uri="{FF2B5EF4-FFF2-40B4-BE49-F238E27FC236}">
-                <a16:creationId xmlns:a16="http://schemas.microsoft.com/office/drawing/2014/main" id="{B25BD5BC-E8B9-4540-A404-A5C6B4AFC25D}"/>
+                <a16:creationId xmlns:a16="http://schemas.microsoft.com/office/drawing/2014/main" id="{66165D60-691A-4A63-8B19-24D352233EAD}"/>
+              </a:ext>
+            </a:extLst>
+          </p:cNvPr>
+          <p:cNvSpPr>
+            <a:spLocks noGrp="1"/>
+          </p:cNvSpPr>
+          <p:nvPr>
+            <p:ph idx="1"/>
+          </p:nvPr>
+        </p:nvSpPr>
+        <p:spPr>
+          <a:xfrm>
+            <a:off x="581025" y="1119038"/>
+            <a:ext cx="8020050" cy="5072616"/>
+          </a:xfrm>
+        </p:spPr>
+        <p:txBody>
+          <a:bodyPr/>
+          <a:lstStyle/>
+          <a:p>
+            <a:r>
+              <a:rPr lang="en-US" dirty="0"/>
+              <a:t>Nulls or missing values can mess up the calculation</a:t>
+            </a:r>
+          </a:p>
+          <a:p>
+            <a:pPr lvl="1"/>
+            <a:r>
+              <a:rPr lang="en-US" dirty="0"/>
+              <a:t>Need to remove them or replace them</a:t>
+            </a:r>
+          </a:p>
+          <a:p>
+            <a:pPr lvl="1"/>
+            <a:r>
+              <a:rPr lang="en-US" dirty="0"/>
+              <a:t>Usually replace them with the central tendency (mean, median, mode) or zero</a:t>
+            </a:r>
+          </a:p>
+          <a:p>
+            <a:pPr lvl="1"/>
+            <a:r>
+              <a:rPr lang="en-US" dirty="0"/>
+              <a:t>NaN is used in Pandas to represent Not a Number</a:t>
+            </a:r>
+          </a:p>
+          <a:p>
+            <a:r>
+              <a:rPr lang="en-US" dirty="0">
+                <a:latin typeface="Courier New" panose="02070309020205020404" pitchFamily="49" charset="0"/>
+                <a:cs typeface="Courier New" panose="02070309020205020404" pitchFamily="49" charset="0"/>
+              </a:rPr>
+              <a:t>isnull()</a:t>
+            </a:r>
+            <a:r>
+              <a:rPr lang="en-US" dirty="0"/>
+              <a:t> will return a series of True/False indicating if a value is Null</a:t>
+            </a:r>
+          </a:p>
+          <a:p>
+            <a:r>
+              <a:rPr lang="en-US" dirty="0">
+                <a:latin typeface="Courier New" panose="02070309020205020404" pitchFamily="49" charset="0"/>
+                <a:cs typeface="Courier New" panose="02070309020205020404" pitchFamily="49" charset="0"/>
+              </a:rPr>
+              <a:t>fillna()</a:t>
+            </a:r>
+            <a:r>
+              <a:rPr lang="en-US" dirty="0"/>
+              <a:t> replaces nulls with another value</a:t>
+            </a:r>
+          </a:p>
+          <a:p>
+            <a:pPr marL="0" indent="0">
+              <a:buNone/>
+            </a:pPr>
+            <a:endParaRPr lang="en-US" dirty="0"/>
+          </a:p>
+        </p:txBody>
+      </p:sp>
+      <p:sp>
+        <p:nvSpPr>
+          <p:cNvPr id="17" name="Title 1">
+            <a:extLst>
+              <a:ext uri="{FF2B5EF4-FFF2-40B4-BE49-F238E27FC236}">
+                <a16:creationId xmlns:a16="http://schemas.microsoft.com/office/drawing/2014/main" id="{41324579-10FD-4CEA-908E-3FAA1E804956}"/>
+              </a:ext>
+            </a:extLst>
+          </p:cNvPr>
+          <p:cNvSpPr>
+            <a:spLocks noGrp="1"/>
+          </p:cNvSpPr>
+          <p:nvPr>
+            <p:ph type="title"/>
+          </p:nvPr>
+        </p:nvSpPr>
+        <p:spPr>
+          <a:xfrm>
+            <a:off x="1050925" y="290495"/>
+            <a:ext cx="7002463" cy="627062"/>
+          </a:xfrm>
+        </p:spPr>
+        <p:txBody>
+          <a:bodyPr/>
+          <a:lstStyle/>
+          <a:p>
+            <a:r>
+              <a:rPr lang="en-US" dirty="0"/>
+              <a:t>Missing Values</a:t>
+            </a:r>
+          </a:p>
+        </p:txBody>
+      </p:sp>
+      <p:sp>
+        <p:nvSpPr>
+          <p:cNvPr id="18" name="TextBox 17">
+            <a:extLst>
+              <a:ext uri="{FF2B5EF4-FFF2-40B4-BE49-F238E27FC236}">
+                <a16:creationId xmlns:a16="http://schemas.microsoft.com/office/drawing/2014/main" id="{B75C6F41-BEEF-410A-8078-0F5459591171}"/>
               </a:ext>
             </a:extLst>
           </p:cNvPr>
@@ -8743,8 +8990,8 @@
         </p:nvSpPr>
         <p:spPr>
           <a:xfrm>
-            <a:off x="939928" y="2957742"/>
-            <a:ext cx="7264144" cy="1815882"/>
+            <a:off x="581025" y="3472603"/>
+            <a:ext cx="8092017" cy="2492990"/>
           </a:xfrm>
           <a:prstGeom prst="rect">
             <a:avLst/>
@@ -8879,35 +9126,62 @@
           </a:lstStyle>
           <a:p>
             <a:r>
-              <a:rPr lang="en-US" b="1" dirty="0"/>
-              <a:t>fatal.insert(11, 'Program', pd.Categorical(fatal['State or Federal Program']).codes)</a:t>
-            </a:r>
-          </a:p>
-          <a:p>
-            <a:endParaRPr lang="en-US" b="1" dirty="0"/>
-          </a:p>
-          <a:p>
-            <a:r>
-              <a:rPr lang="en-US" b="1" dirty="0"/>
-              <a:t>print (fatal[['Program', 'State or Federal Program']])</a:t>
-            </a:r>
-          </a:p>
-          <a:p>
-            <a:endParaRPr lang="en-US" b="1" dirty="0"/>
-          </a:p>
-          <a:p>
-            <a:r>
-              <a:rPr lang="en-US" b="1" dirty="0"/>
-              <a:t>fatal['Number of Fatalities, 2012'].fillna(0).astype(int)</a:t>
-            </a:r>
-          </a:p>
-          <a:p>
-            <a:endParaRPr lang="en-US" b="1" dirty="0"/>
-          </a:p>
-          <a:p>
-            <a:r>
-              <a:rPr lang="en-US" b="1" dirty="0"/>
-              <a:t>fatal.drop(['State or Federal Program'], axis=1, inplace=True)</a:t>
+              <a:rPr lang="en-US" sz="1200" b="1" dirty="0"/>
+              <a:t>import pandas as pd</a:t>
+            </a:r>
+          </a:p>
+          <a:p>
+            <a:r>
+              <a:rPr lang="en-US" sz="1200" b="1" dirty="0"/>
+              <a:t>fatal = pd.read_csv('2012_Workplace_Fatalities_by_State.csv')</a:t>
+            </a:r>
+          </a:p>
+          <a:p>
+            <a:r>
+              <a:rPr lang="en-US" sz="1200" b="1" dirty="0"/>
+              <a:t>print (fatal.columns)</a:t>
+            </a:r>
+          </a:p>
+          <a:p>
+            <a:endParaRPr lang="en-US" sz="1200" b="1" dirty="0"/>
+          </a:p>
+          <a:p>
+            <a:r>
+              <a:rPr lang="en-US" sz="1200" b="1" dirty="0"/>
+              <a:t>fatal.columns = ['State', 'NumberOfFatalities', 'RateOfFatalities', 'StateRank', 'NumberOfInjuries', 'InjuriesRate', 'PenaltiesAvg', 'PenaltiesRank', 'Inspectors', 'YearsToInspectEachWorkplaceOnce', 'StateFederal']</a:t>
+            </a:r>
+          </a:p>
+          <a:p>
+            <a:endParaRPr lang="en-US" sz="1200" b="1" dirty="0"/>
+          </a:p>
+          <a:p>
+            <a:r>
+              <a:rPr lang="en-US" sz="1200" b="1" dirty="0"/>
+              <a:t>print (fatal['PenaltiesRank'].mean())</a:t>
+            </a:r>
+          </a:p>
+          <a:p>
+            <a:r>
+              <a:rPr lang="en-US" sz="1200" b="1" dirty="0"/>
+              <a:t>print (fatal['PenaltiesRank'][48:])</a:t>
+            </a:r>
+          </a:p>
+          <a:p>
+            <a:r>
+              <a:rPr lang="en-US" sz="1200" b="1" dirty="0"/>
+              <a:t>print (fatal['PenaltiesRank'][48:].isnull())</a:t>
+            </a:r>
+          </a:p>
+          <a:p>
+            <a:r>
+              <a:rPr lang="en-US" sz="1200" b="1" dirty="0"/>
+              <a:t>fatal['PenaltiesRank'] = fatal['PenaltiesRank'].fillna(fatal['PenaltiesRank'].mean())</a:t>
+            </a:r>
+          </a:p>
+          <a:p>
+            <a:r>
+              <a:rPr lang="en-US" sz="1200" b="1" dirty="0"/>
+              <a:t>print (fatal['PenaltiesRank'][48:])</a:t>
             </a:r>
           </a:p>
         </p:txBody>
@@ -8915,210 +9189,7 @@
     </p:spTree>
     <p:extLst>
       <p:ext uri="{BB962C8B-B14F-4D97-AF65-F5344CB8AC3E}">
-        <p14:creationId xmlns:p14="http://schemas.microsoft.com/office/powerpoint/2010/main" val="1952951998"/>
-      </p:ext>
-    </p:extLst>
-  </p:cSld>
-  <p:clrMapOvr>
-    <a:masterClrMapping/>
-  </p:clrMapOvr>
-</p:sld>
-</file>
-
-<file path=ppt/slides/slide12.xml><?xml version="1.0" encoding="utf-8"?>
-<p:sld xmlns:a="http://schemas.openxmlformats.org/drawingml/2006/main" xmlns:r="http://schemas.openxmlformats.org/officeDocument/2006/relationships" xmlns:p="http://schemas.openxmlformats.org/presentationml/2006/main">
-  <p:cSld>
-    <p:spTree>
-      <p:nvGrpSpPr>
-        <p:cNvPr id="1" name=""/>
-        <p:cNvGrpSpPr/>
-        <p:nvPr/>
-      </p:nvGrpSpPr>
-      <p:grpSpPr>
-        <a:xfrm>
-          <a:off x="0" y="0"/>
-          <a:ext cx="0" cy="0"/>
-          <a:chOff x="0" y="0"/>
-          <a:chExt cx="0" cy="0"/>
-        </a:xfrm>
-      </p:grpSpPr>
-      <p:sp>
-        <p:nvSpPr>
-          <p:cNvPr id="3" name="Content Placeholder 2"/>
-          <p:cNvSpPr>
-            <a:spLocks noGrp="1"/>
-          </p:cNvSpPr>
-          <p:nvPr>
-            <p:ph idx="1"/>
-          </p:nvPr>
-        </p:nvSpPr>
-        <p:spPr>
-          <a:xfrm>
-            <a:off x="581024" y="1155614"/>
-            <a:ext cx="8160639" cy="5072616"/>
-          </a:xfrm>
-        </p:spPr>
-        <p:txBody>
-          <a:bodyPr/>
-          <a:lstStyle/>
-          <a:p>
-            <a:r>
-              <a:rPr lang="en-US" dirty="0"/>
-              <a:t>Most of the models you will use require data to be perfectly clean</a:t>
-            </a:r>
-          </a:p>
-          <a:p>
-            <a:pPr lvl="1"/>
-            <a:r>
-              <a:rPr lang="en-US" dirty="0"/>
-              <a:t>Cannot have null values</a:t>
-            </a:r>
-          </a:p>
-          <a:p>
-            <a:pPr lvl="1"/>
-            <a:r>
-              <a:rPr lang="en-US" dirty="0"/>
-              <a:t>Text sometimes needs to be replaced with numbers</a:t>
-            </a:r>
-          </a:p>
-          <a:p>
-            <a:pPr lvl="1"/>
-            <a:r>
-              <a:rPr lang="en-US" dirty="0"/>
-              <a:t>Numbers need to be on the same scale</a:t>
-            </a:r>
-          </a:p>
-          <a:p>
-            <a:r>
-              <a:rPr lang="en-US" dirty="0"/>
-              <a:t>There are some basic data types in machine learning</a:t>
-            </a:r>
-          </a:p>
-          <a:p>
-            <a:pPr lvl="1"/>
-            <a:r>
-              <a:rPr lang="en-US" dirty="0"/>
-              <a:t>Numeric</a:t>
-            </a:r>
-          </a:p>
-          <a:p>
-            <a:pPr lvl="2"/>
-            <a:r>
-              <a:rPr lang="en-US" dirty="0"/>
-              <a:t>Continuous </a:t>
-            </a:r>
-            <a:r>
-              <a:rPr lang="mr-IN" dirty="0"/>
-              <a:t>–</a:t>
-            </a:r>
-            <a:r>
-              <a:rPr lang="en-US" dirty="0"/>
-              <a:t> decimal numbers (weight or income)</a:t>
-            </a:r>
-          </a:p>
-          <a:p>
-            <a:pPr lvl="2"/>
-            <a:r>
-              <a:rPr lang="en-US" dirty="0"/>
-              <a:t>Discreet </a:t>
-            </a:r>
-            <a:r>
-              <a:rPr lang="mr-IN" dirty="0"/>
-              <a:t>–</a:t>
-            </a:r>
-            <a:r>
-              <a:rPr lang="en-US" dirty="0"/>
-              <a:t> whole numbers (number of students)</a:t>
-            </a:r>
-          </a:p>
-          <a:p>
-            <a:pPr lvl="2"/>
-            <a:r>
-              <a:rPr lang="en-US" dirty="0"/>
-              <a:t>Binned </a:t>
-            </a:r>
-            <a:r>
-              <a:rPr lang="mr-IN" dirty="0"/>
-              <a:t>–</a:t>
-            </a:r>
-            <a:r>
-              <a:rPr lang="en-US" dirty="0"/>
-              <a:t> numbers grouped together to form a category (18-25) (26-35) (36-45)</a:t>
-            </a:r>
-          </a:p>
-          <a:p>
-            <a:pPr lvl="1"/>
-            <a:r>
-              <a:rPr lang="en-US" dirty="0"/>
-              <a:t>Categorical </a:t>
-            </a:r>
-            <a:r>
-              <a:rPr lang="mr-IN" dirty="0"/>
-              <a:t>–</a:t>
-            </a:r>
-            <a:r>
-              <a:rPr lang="en-US" dirty="0"/>
-              <a:t> text or numeric that represents a category (male/female)</a:t>
-            </a:r>
-          </a:p>
-          <a:p>
-            <a:pPr lvl="1"/>
-            <a:r>
-              <a:rPr lang="en-US" dirty="0"/>
-              <a:t>Time series </a:t>
-            </a:r>
-            <a:r>
-              <a:rPr lang="mr-IN" dirty="0"/>
-              <a:t>–</a:t>
-            </a:r>
-            <a:r>
-              <a:rPr lang="en-US" dirty="0"/>
-              <a:t> sequence of numbers collected at regular interval (temperature measurement from a weather station)</a:t>
-            </a:r>
-          </a:p>
-          <a:p>
-            <a:pPr lvl="1"/>
-            <a:r>
-              <a:rPr lang="en-US" dirty="0"/>
-              <a:t>Text </a:t>
-            </a:r>
-            <a:r>
-              <a:rPr lang="mr-IN" dirty="0"/>
-              <a:t>–</a:t>
-            </a:r>
-            <a:r>
-              <a:rPr lang="en-US" dirty="0"/>
-              <a:t> any free-form text needs to be converted to a numeric document term matrix first</a:t>
-            </a:r>
-          </a:p>
-        </p:txBody>
-      </p:sp>
-      <p:sp>
-        <p:nvSpPr>
-          <p:cNvPr id="2" name="Title 1"/>
-          <p:cNvSpPr>
-            <a:spLocks noGrp="1"/>
-          </p:cNvSpPr>
-          <p:nvPr>
-            <p:ph type="title"/>
-          </p:nvPr>
-        </p:nvSpPr>
-        <p:spPr/>
-        <p:txBody>
-          <a:bodyPr/>
-          <a:lstStyle/>
-          <a:p>
-            <a:r>
-              <a:rPr lang="en-US" dirty="0"/>
-              <a:t>Basic Data Types</a:t>
-            </a:r>
-          </a:p>
-        </p:txBody>
-      </p:sp>
-    </p:spTree>
-    <p:extLst>
-      <p:ext uri="{BB962C8B-B14F-4D97-AF65-F5344CB8AC3E}">
-        <p14:creationId xmlns:p14="http://schemas.microsoft.com/office/powerpoint/2010/main" val="3309313356"/>
+        <p14:creationId xmlns:p14="http://schemas.microsoft.com/office/powerpoint/2010/main" val="208117443"/>
       </p:ext>
     </p:extLst>
   </p:cSld>
@@ -9147,7 +9218,13 @@
       </p:grpSpPr>
       <p:sp>
         <p:nvSpPr>
-          <p:cNvPr id="3" name="Content Placeholder 2"/>
+          <p:cNvPr id="7" name="Content Placeholder 2">
+            <a:extLst>
+              <a:ext uri="{FF2B5EF4-FFF2-40B4-BE49-F238E27FC236}">
+                <a16:creationId xmlns:a16="http://schemas.microsoft.com/office/drawing/2014/main" id="{74136CC8-782F-4073-8B6B-93AB4501ED61}"/>
+              </a:ext>
+            </a:extLst>
+          </p:cNvPr>
           <p:cNvSpPr>
             <a:spLocks noGrp="1"/>
           </p:cNvSpPr>
@@ -9157,7 +9234,7 @@
         </p:nvSpPr>
         <p:spPr>
           <a:xfrm>
-            <a:off x="581025" y="1119038"/>
+            <a:off x="581025" y="1155614"/>
             <a:ext cx="8020050" cy="5072616"/>
           </a:xfrm>
         </p:spPr>
@@ -9166,42 +9243,15 @@
           <a:lstStyle/>
           <a:p>
             <a:r>
-              <a:rPr lang="en-US" dirty="0"/>
-              <a:t>Nulls or missing values can mess up the calculation</a:t>
-            </a:r>
-          </a:p>
-          <a:p>
-            <a:pPr lvl="1"/>
-            <a:r>
-              <a:rPr lang="en-US" dirty="0"/>
-              <a:t>Need to remove them or replace them</a:t>
-            </a:r>
-          </a:p>
-          <a:p>
-            <a:pPr lvl="1"/>
-            <a:r>
-              <a:rPr lang="en-US" dirty="0"/>
-              <a:t>Usually replace them with the central tendency (mean, median, mode) or zero</a:t>
-            </a:r>
-          </a:p>
-          <a:p>
-            <a:pPr lvl="1"/>
-            <a:r>
-              <a:rPr lang="en-US" dirty="0"/>
-              <a:t>NaN is used in Pandas to represent Not a Number</a:t>
-            </a:r>
-          </a:p>
-          <a:p>
-            <a:r>
               <a:rPr lang="en-US" dirty="0">
                 <a:latin typeface="Courier New" panose="02070309020205020404" pitchFamily="49" charset="0"/>
                 <a:cs typeface="Courier New" panose="02070309020205020404" pitchFamily="49" charset="0"/>
               </a:rPr>
-              <a:t>isnull()</a:t>
+              <a:t>insert()</a:t>
             </a:r>
             <a:r>
               <a:rPr lang="en-US" dirty="0"/>
-              <a:t> will return a series of True/False indicating if a value is Null</a:t>
+              <a:t> can add a new column to a DataFrame</a:t>
             </a:r>
           </a:p>
           <a:p>
@@ -9210,12 +9260,34 @@
                 <a:latin typeface="Courier New" panose="02070309020205020404" pitchFamily="49" charset="0"/>
                 <a:cs typeface="Courier New" panose="02070309020205020404" pitchFamily="49" charset="0"/>
               </a:rPr>
-              <a:t>fillna()</a:t>
+              <a:t>drop()</a:t>
             </a:r>
             <a:r>
               <a:rPr lang="en-US" dirty="0"/>
-              <a:t> replaces nulls with another value</a:t>
-            </a:r>
+              <a:t> removes a column from a DataFrame</a:t>
+            </a:r>
+          </a:p>
+          <a:p>
+            <a:r>
+              <a:rPr lang="en-US" dirty="0"/>
+              <a:t>Categorical replaces strings with number placeholders</a:t>
+            </a:r>
+          </a:p>
+          <a:p>
+            <a:r>
+              <a:rPr lang="en-US" dirty="0">
+                <a:latin typeface="Courier New" panose="02070309020205020404" pitchFamily="49" charset="0"/>
+                <a:cs typeface="Courier New" panose="02070309020205020404" pitchFamily="49" charset="0"/>
+              </a:rPr>
+              <a:t>astype</a:t>
+            </a:r>
+            <a:r>
+              <a:rPr lang="en-US" dirty="0"/>
+              <a:t> converts the data type of a column</a:t>
+            </a:r>
+          </a:p>
+          <a:p>
+            <a:endParaRPr lang="en-US" dirty="0"/>
           </a:p>
           <a:p>
             <a:pPr marL="0" indent="0">
@@ -9227,7 +9299,13 @@
       </p:sp>
       <p:sp>
         <p:nvSpPr>
-          <p:cNvPr id="2" name="Title 1"/>
+          <p:cNvPr id="8" name="Title 1">
+            <a:extLst>
+              <a:ext uri="{FF2B5EF4-FFF2-40B4-BE49-F238E27FC236}">
+                <a16:creationId xmlns:a16="http://schemas.microsoft.com/office/drawing/2014/main" id="{7EE4F74B-0835-41E3-9DD7-F9189FC40142}"/>
+              </a:ext>
+            </a:extLst>
+          </p:cNvPr>
           <p:cNvSpPr>
             <a:spLocks noGrp="1"/>
           </p:cNvSpPr>
@@ -9235,24 +9313,29 @@
             <p:ph type="title"/>
           </p:nvPr>
         </p:nvSpPr>
-        <p:spPr/>
+        <p:spPr>
+          <a:xfrm>
+            <a:off x="1050925" y="290495"/>
+            <a:ext cx="7002463" cy="627062"/>
+          </a:xfrm>
+        </p:spPr>
         <p:txBody>
           <a:bodyPr/>
           <a:lstStyle/>
           <a:p>
             <a:r>
               <a:rPr lang="en-US" dirty="0"/>
-              <a:t>Missing Values</a:t>
+              <a:t>Fixing Up DataFrames</a:t>
             </a:r>
           </a:p>
         </p:txBody>
       </p:sp>
       <p:sp>
         <p:nvSpPr>
-          <p:cNvPr id="4" name="TextBox 3">
+          <p:cNvPr id="9" name="TextBox 8">
             <a:extLst>
               <a:ext uri="{FF2B5EF4-FFF2-40B4-BE49-F238E27FC236}">
-                <a16:creationId xmlns:a16="http://schemas.microsoft.com/office/drawing/2014/main" id="{B25BD5BC-E8B9-4540-A404-A5C6B4AFC25D}"/>
+                <a16:creationId xmlns:a16="http://schemas.microsoft.com/office/drawing/2014/main" id="{64A93F72-0D71-428D-83E4-D0E0E0B1184C}"/>
               </a:ext>
             </a:extLst>
           </p:cNvPr>
@@ -9261,8 +9344,8 @@
         </p:nvSpPr>
         <p:spPr>
           <a:xfrm>
-            <a:off x="704431" y="3472603"/>
-            <a:ext cx="7968611" cy="2893100"/>
+            <a:off x="542925" y="2957742"/>
+            <a:ext cx="7902335" cy="1600438"/>
           </a:xfrm>
           <a:prstGeom prst="rect">
             <a:avLst/>
@@ -9397,62 +9480,35 @@
           </a:lstStyle>
           <a:p>
             <a:r>
-              <a:rPr lang="en-US" sz="1300" b="1" dirty="0"/>
-              <a:t>import pandas as pd</a:t>
-            </a:r>
-          </a:p>
-          <a:p>
-            <a:r>
-              <a:rPr lang="en-US" sz="1300" b="1" dirty="0"/>
-              <a:t>fatal = pd.read_csv('2012_Workplace_Fatalities_by_State.csv')</a:t>
-            </a:r>
-          </a:p>
-          <a:p>
-            <a:r>
-              <a:rPr lang="en-US" sz="1300" b="1" dirty="0"/>
-              <a:t>print (fatal.columns)</a:t>
-            </a:r>
-          </a:p>
-          <a:p>
-            <a:endParaRPr lang="en-US" sz="1300" b="1" dirty="0"/>
-          </a:p>
-          <a:p>
-            <a:r>
-              <a:rPr lang="en-US" sz="1300" b="1" dirty="0"/>
-              <a:t>fatal.columns = ['State', 'Number of Fatalities', 'Rate of Fatalities', 'State Rank', 'Number of Injuries', 'InjuriesRate', 'Penalties Avg', 'Penalties Rank', 'Inspectors', 'Years to Inspect Each Workplace Once', 'StateFederal']</a:t>
-            </a:r>
-          </a:p>
-          <a:p>
-            <a:endParaRPr lang="en-US" sz="1300" b="1" dirty="0"/>
-          </a:p>
-          <a:p>
-            <a:r>
-              <a:rPr lang="en-US" sz="1300" b="1" dirty="0"/>
-              <a:t>print (fatal['Penalties Rank'].mean())</a:t>
-            </a:r>
-          </a:p>
-          <a:p>
-            <a:r>
-              <a:rPr lang="en-US" sz="1300" b="1" dirty="0"/>
-              <a:t>print (fatal['Penalties Rank'][48:])</a:t>
-            </a:r>
-          </a:p>
-          <a:p>
-            <a:r>
-              <a:rPr lang="en-US" sz="1300" b="1" dirty="0"/>
-              <a:t>print (fatal['Penalties Rank'][48:].isnull())</a:t>
-            </a:r>
-          </a:p>
-          <a:p>
-            <a:r>
-              <a:rPr lang="en-US" sz="1300" b="1" dirty="0"/>
-              <a:t>fatal['Penalties Rank'] = fatal['Penalties Rank'].fillna(fatal['Penalties Rank'].mean())</a:t>
-            </a:r>
-          </a:p>
-          <a:p>
-            <a:r>
-              <a:rPr lang="en-US" sz="1300" b="1" dirty="0"/>
-              <a:t>print (fatal['Penalties Rank'][48:])</a:t>
+              <a:rPr lang="en-US" b="1" dirty="0"/>
+              <a:t>fatal.insert(11, 'Program', pd.Categorical(fatal['StateFederal']).codes)</a:t>
+            </a:r>
+          </a:p>
+          <a:p>
+            <a:endParaRPr lang="en-US" b="1" dirty="0"/>
+          </a:p>
+          <a:p>
+            <a:r>
+              <a:rPr lang="en-US" b="1" dirty="0"/>
+              <a:t>print (fatal[['Program', 'StateFederal']])</a:t>
+            </a:r>
+          </a:p>
+          <a:p>
+            <a:endParaRPr lang="en-US" b="1" dirty="0"/>
+          </a:p>
+          <a:p>
+            <a:r>
+              <a:rPr lang="en-US" b="1" dirty="0"/>
+              <a:t>fatal['NumberOfFatalities'].fillna(0).astype(int)</a:t>
+            </a:r>
+          </a:p>
+          <a:p>
+            <a:endParaRPr lang="en-US" b="1" dirty="0"/>
+          </a:p>
+          <a:p>
+            <a:r>
+              <a:rPr lang="en-US" b="1" dirty="0"/>
+              <a:t>fatal.drop(['StateFederal'], axis=1, inplace=True)</a:t>
             </a:r>
           </a:p>
         </p:txBody>
@@ -9460,7 +9516,7 @@
     </p:spTree>
     <p:extLst>
       <p:ext uri="{BB962C8B-B14F-4D97-AF65-F5344CB8AC3E}">
-        <p14:creationId xmlns:p14="http://schemas.microsoft.com/office/powerpoint/2010/main" val="208117443"/>
+        <p14:creationId xmlns:p14="http://schemas.microsoft.com/office/powerpoint/2010/main" val="1952951998"/>
       </p:ext>
     </p:extLst>
   </p:cSld>
@@ -9489,7 +9545,13 @@
       </p:grpSpPr>
       <p:sp>
         <p:nvSpPr>
-          <p:cNvPr id="3" name="Content Placeholder 2"/>
+          <p:cNvPr id="7" name="Content Placeholder 2">
+            <a:extLst>
+              <a:ext uri="{FF2B5EF4-FFF2-40B4-BE49-F238E27FC236}">
+                <a16:creationId xmlns:a16="http://schemas.microsoft.com/office/drawing/2014/main" id="{DD0D2844-6C22-4BF9-9727-CF00AA0748A0}"/>
+              </a:ext>
+            </a:extLst>
+          </p:cNvPr>
           <p:cNvSpPr>
             <a:spLocks noGrp="1"/>
           </p:cNvSpPr>
@@ -9497,7 +9559,12 @@
             <p:ph idx="1"/>
           </p:nvPr>
         </p:nvSpPr>
-        <p:spPr/>
+        <p:spPr>
+          <a:xfrm>
+            <a:off x="581025" y="1155614"/>
+            <a:ext cx="8020050" cy="5072616"/>
+          </a:xfrm>
+        </p:spPr>
         <p:txBody>
           <a:bodyPr/>
           <a:lstStyle/>
@@ -9543,7 +9610,13 @@
       </p:sp>
       <p:sp>
         <p:nvSpPr>
-          <p:cNvPr id="2" name="Title 1"/>
+          <p:cNvPr id="8" name="Title 1">
+            <a:extLst>
+              <a:ext uri="{FF2B5EF4-FFF2-40B4-BE49-F238E27FC236}">
+                <a16:creationId xmlns:a16="http://schemas.microsoft.com/office/drawing/2014/main" id="{FBD18F47-9939-4A10-9AED-9DC56ABA72E7}"/>
+              </a:ext>
+            </a:extLst>
+          </p:cNvPr>
           <p:cNvSpPr>
             <a:spLocks noGrp="1"/>
           </p:cNvSpPr>
@@ -9551,7 +9624,12 @@
             <p:ph type="title"/>
           </p:nvPr>
         </p:nvSpPr>
-        <p:spPr/>
+        <p:spPr>
+          <a:xfrm>
+            <a:off x="1050925" y="290495"/>
+            <a:ext cx="7002463" cy="627062"/>
+          </a:xfrm>
+        </p:spPr>
         <p:txBody>
           <a:bodyPr/>
           <a:lstStyle/>
@@ -9565,10 +9643,10 @@
       </p:sp>
       <p:sp>
         <p:nvSpPr>
-          <p:cNvPr id="5" name="TextBox 4">
+          <p:cNvPr id="9" name="TextBox 8">
             <a:extLst>
               <a:ext uri="{FF2B5EF4-FFF2-40B4-BE49-F238E27FC236}">
-                <a16:creationId xmlns:a16="http://schemas.microsoft.com/office/drawing/2014/main" id="{6E2B987B-3EAA-4E97-8E1A-5B79760D5A5B}"/>
+                <a16:creationId xmlns:a16="http://schemas.microsoft.com/office/drawing/2014/main" id="{C3B8CC6D-1278-46D6-BF78-0BF1CDC2A151}"/>
               </a:ext>
             </a:extLst>
           </p:cNvPr>
@@ -12097,7 +12175,13 @@
       </p:grpSpPr>
       <p:sp>
         <p:nvSpPr>
-          <p:cNvPr id="3" name="Content Placeholder 2"/>
+          <p:cNvPr id="7" name="Content Placeholder 2">
+            <a:extLst>
+              <a:ext uri="{FF2B5EF4-FFF2-40B4-BE49-F238E27FC236}">
+                <a16:creationId xmlns:a16="http://schemas.microsoft.com/office/drawing/2014/main" id="{ABC038CC-935E-4C90-9D74-986216294FCA}"/>
+              </a:ext>
+            </a:extLst>
+          </p:cNvPr>
           <p:cNvSpPr>
             <a:spLocks noGrp="1"/>
           </p:cNvSpPr>
@@ -12130,7 +12214,13 @@
       </p:sp>
       <p:sp>
         <p:nvSpPr>
-          <p:cNvPr id="2" name="Title 1"/>
+          <p:cNvPr id="8" name="Title 1">
+            <a:extLst>
+              <a:ext uri="{FF2B5EF4-FFF2-40B4-BE49-F238E27FC236}">
+                <a16:creationId xmlns:a16="http://schemas.microsoft.com/office/drawing/2014/main" id="{D8A9E12E-3344-4DAD-82C5-C9B510041270}"/>
+              </a:ext>
+            </a:extLst>
+          </p:cNvPr>
           <p:cNvSpPr>
             <a:spLocks noGrp="1"/>
           </p:cNvSpPr>
@@ -12138,7 +12228,12 @@
             <p:ph type="title"/>
           </p:nvPr>
         </p:nvSpPr>
-        <p:spPr/>
+        <p:spPr>
+          <a:xfrm>
+            <a:off x="1050925" y="290495"/>
+            <a:ext cx="7002463" cy="627062"/>
+          </a:xfrm>
+        </p:spPr>
         <p:txBody>
           <a:bodyPr/>
           <a:lstStyle/>
@@ -12152,10 +12247,10 @@
       </p:sp>
       <p:sp>
         <p:nvSpPr>
-          <p:cNvPr id="4" name="TextBox 3">
+          <p:cNvPr id="9" name="TextBox 8">
             <a:extLst>
               <a:ext uri="{FF2B5EF4-FFF2-40B4-BE49-F238E27FC236}">
-                <a16:creationId xmlns:a16="http://schemas.microsoft.com/office/drawing/2014/main" id="{B25BD5BC-E8B9-4540-A404-A5C6B4AFC25D}"/>
+                <a16:creationId xmlns:a16="http://schemas.microsoft.com/office/drawing/2014/main" id="{C93B2ECC-AF96-4145-AD20-52199D162E47}"/>
               </a:ext>
             </a:extLst>
           </p:cNvPr>
@@ -12165,7 +12260,7 @@
         <p:spPr>
           <a:xfrm>
             <a:off x="1500380" y="2189086"/>
-            <a:ext cx="6143240" cy="4185761"/>
+            <a:ext cx="6143240" cy="3847207"/>
           </a:xfrm>
           <a:prstGeom prst="rect">
             <a:avLst/>
@@ -12300,106 +12395,112 @@
           </a:lstStyle>
           <a:p>
             <a:r>
-              <a:rPr lang="en-US" b="1" dirty="0"/>
+              <a:rPr lang="en-US" sz="1200" b="1" dirty="0"/>
               <a:t>train = fatal.sample(frac=0.8,random_state=200)</a:t>
             </a:r>
           </a:p>
           <a:p>
             <a:r>
-              <a:rPr lang="en-US" b="1" dirty="0"/>
+              <a:rPr lang="en-US" sz="1200" b="1" dirty="0"/>
               <a:t>test = fatal[~fatal.index.isin(train.index)]</a:t>
             </a:r>
           </a:p>
           <a:p>
             <a:r>
-              <a:rPr lang="en-US" b="1" dirty="0"/>
-              <a:t>x0 = fatal.ProgramType</a:t>
-            </a:r>
-          </a:p>
-          <a:p>
-            <a:r>
-              <a:rPr lang="en-US" b="1" dirty="0"/>
-              <a:t>x1 = train.ProgramType</a:t>
-            </a:r>
-          </a:p>
-          <a:p>
-            <a:r>
-              <a:rPr lang="en-US" b="1" dirty="0"/>
-              <a:t>x2 = test.ProgramTypeprint(x0.value_counts()/x0.count())</a:t>
-            </a:r>
-          </a:p>
-          <a:p>
-            <a:r>
-              <a:rPr lang="en-US" b="1" dirty="0"/>
+              <a:rPr lang="en-US" sz="1200" b="1" dirty="0"/>
+              <a:t>x0 = fatal.Program</a:t>
+            </a:r>
+          </a:p>
+          <a:p>
+            <a:r>
+              <a:rPr lang="en-US" sz="1200" b="1" dirty="0"/>
+              <a:t>x1 = train.Program</a:t>
+            </a:r>
+          </a:p>
+          <a:p>
+            <a:r>
+              <a:rPr lang="en-US" sz="1200" b="1" dirty="0"/>
+              <a:t>x2 = test.Program</a:t>
+            </a:r>
+          </a:p>
+          <a:p>
+            <a:r>
+              <a:rPr lang="en-US" sz="1200" b="1" dirty="0"/>
+              <a:t>print(x0.value_counts()/x0.count())</a:t>
+            </a:r>
+          </a:p>
+          <a:p>
+            <a:r>
+              <a:rPr lang="en-US" sz="1200" b="1" dirty="0"/>
               <a:t>print (x1.value_counts()/x1.count())</a:t>
             </a:r>
           </a:p>
           <a:p>
             <a:r>
-              <a:rPr lang="en-US" b="1" dirty="0"/>
+              <a:rPr lang="en-US" sz="1200" b="1" dirty="0"/>
               <a:t>print (x2.value_counts()/x2.count())</a:t>
             </a:r>
           </a:p>
           <a:p>
             <a:r>
-              <a:rPr lang="en-US" b="1" dirty="0"/>
+              <a:rPr lang="en-US" sz="1200" b="1" dirty="0"/>
               <a:t>print (fatal.shape, train.shape, test.shape)</a:t>
             </a:r>
           </a:p>
           <a:p>
-            <a:endParaRPr lang="en-US" b="1" dirty="0"/>
-          </a:p>
-          <a:p>
-            <a:r>
-              <a:rPr lang="en-US" b="1" dirty="0"/>
+            <a:endParaRPr lang="en-US" sz="1200" b="1" dirty="0"/>
+          </a:p>
+          <a:p>
+            <a:r>
+              <a:rPr lang="en-US" sz="1200" b="1" dirty="0"/>
               <a:t>1     0.5</a:t>
             </a:r>
           </a:p>
           <a:p>
             <a:r>
-              <a:rPr lang="en-US" b="1" dirty="0"/>
+              <a:rPr lang="en-US" sz="1200" b="1" dirty="0"/>
               <a:t>0     0.5</a:t>
             </a:r>
           </a:p>
           <a:p>
-            <a:endParaRPr lang="en-US" b="1" dirty="0"/>
-          </a:p>
-          <a:p>
-            <a:r>
-              <a:rPr lang="en-US" b="1" dirty="0"/>
+            <a:endParaRPr lang="en-US" sz="1200" b="1" dirty="0"/>
+          </a:p>
+          <a:p>
+            <a:r>
+              <a:rPr lang="en-US" sz="1200" b="1" dirty="0"/>
               <a:t>1     0.592</a:t>
             </a:r>
           </a:p>
           <a:p>
             <a:r>
-              <a:rPr lang="en-US" b="1" dirty="0"/>
+              <a:rPr lang="en-US" sz="1200" b="1" dirty="0"/>
               <a:t>0     0.470</a:t>
             </a:r>
           </a:p>
           <a:p>
-            <a:endParaRPr lang="en-US" b="1" dirty="0"/>
-          </a:p>
-          <a:p>
-            <a:r>
-              <a:rPr lang="en-US" b="1" dirty="0"/>
+            <a:endParaRPr lang="en-US" sz="1200" b="1" dirty="0"/>
+          </a:p>
+          <a:p>
+            <a:r>
+              <a:rPr lang="en-US" sz="1200" b="1" dirty="0"/>
               <a:t>1     0.625</a:t>
             </a:r>
           </a:p>
           <a:p>
             <a:r>
-              <a:rPr lang="en-US" b="1" dirty="0"/>
+              <a:rPr lang="en-US" sz="1200" b="1" dirty="0"/>
               <a:t>0     0.375</a:t>
             </a:r>
           </a:p>
           <a:p>
-            <a:endParaRPr lang="en-US" b="1" dirty="0"/>
-          </a:p>
-          <a:p>
-            <a:r>
-              <a:rPr lang="is-IS" b="1" dirty="0"/>
+            <a:endParaRPr lang="en-US" sz="1200" b="1" dirty="0"/>
+          </a:p>
+          <a:p>
+            <a:r>
+              <a:rPr lang="is-IS" sz="1200" b="1" dirty="0"/>
               <a:t>(42, 11) (34, 11) (8, 11)</a:t>
             </a:r>
-            <a:endParaRPr lang="en-US" b="1" dirty="0"/>
+            <a:endParaRPr lang="en-US" sz="1200" b="1" dirty="0"/>
           </a:p>
         </p:txBody>
       </p:sp>
@@ -12435,7 +12536,13 @@
       </p:grpSpPr>
       <p:sp>
         <p:nvSpPr>
-          <p:cNvPr id="3" name="Content Placeholder 2"/>
+          <p:cNvPr id="7" name="Content Placeholder 2">
+            <a:extLst>
+              <a:ext uri="{FF2B5EF4-FFF2-40B4-BE49-F238E27FC236}">
+                <a16:creationId xmlns:a16="http://schemas.microsoft.com/office/drawing/2014/main" id="{CF475D75-066B-48E5-9F28-6820FA9FD22C}"/>
+              </a:ext>
+            </a:extLst>
+          </p:cNvPr>
           <p:cNvSpPr>
             <a:spLocks noGrp="1"/>
           </p:cNvSpPr>
@@ -12468,7 +12575,13 @@
       </p:sp>
       <p:sp>
         <p:nvSpPr>
-          <p:cNvPr id="2" name="Title 1"/>
+          <p:cNvPr id="8" name="Title 1">
+            <a:extLst>
+              <a:ext uri="{FF2B5EF4-FFF2-40B4-BE49-F238E27FC236}">
+                <a16:creationId xmlns:a16="http://schemas.microsoft.com/office/drawing/2014/main" id="{5684A92C-94BF-4C55-807E-A0B401B71D23}"/>
+              </a:ext>
+            </a:extLst>
+          </p:cNvPr>
           <p:cNvSpPr>
             <a:spLocks noGrp="1"/>
           </p:cNvSpPr>
@@ -12476,7 +12589,12 @@
             <p:ph type="title"/>
           </p:nvPr>
         </p:nvSpPr>
-        <p:spPr/>
+        <p:spPr>
+          <a:xfrm>
+            <a:off x="1050925" y="290495"/>
+            <a:ext cx="7002463" cy="627062"/>
+          </a:xfrm>
+        </p:spPr>
         <p:txBody>
           <a:bodyPr/>
           <a:lstStyle/>
@@ -12494,10 +12612,10 @@
       </p:sp>
       <p:sp>
         <p:nvSpPr>
-          <p:cNvPr id="4" name="TextBox 3">
+          <p:cNvPr id="9" name="TextBox 8">
             <a:extLst>
               <a:ext uri="{FF2B5EF4-FFF2-40B4-BE49-F238E27FC236}">
-                <a16:creationId xmlns:a16="http://schemas.microsoft.com/office/drawing/2014/main" id="{B25BD5BC-E8B9-4540-A404-A5C6B4AFC25D}"/>
+                <a16:creationId xmlns:a16="http://schemas.microsoft.com/office/drawing/2014/main" id="{B1311309-77A8-4DF6-94F5-A2590B373592}"/>
               </a:ext>
             </a:extLst>
           </p:cNvPr>
@@ -12507,7 +12625,7 @@
         <p:spPr>
           <a:xfrm>
             <a:off x="1491236" y="2170798"/>
-            <a:ext cx="6161528" cy="4185761"/>
+            <a:ext cx="6161528" cy="3847207"/>
           </a:xfrm>
           <a:prstGeom prst="rect">
             <a:avLst/>
@@ -12642,106 +12760,112 @@
           </a:lstStyle>
           <a:p>
             <a:r>
-              <a:rPr lang="en-US" b="1" dirty="0"/>
+              <a:rPr lang="en-US" sz="1200" b="1" dirty="0"/>
               <a:t>from sklearn.model_selection import train_test_split</a:t>
             </a:r>
           </a:p>
           <a:p>
             <a:r>
-              <a:rPr lang="en-US" b="1" dirty="0"/>
+              <a:rPr lang="en-US" sz="1200" b="1" dirty="0"/>
               <a:t>train, test = train_test_split(fatal, test_size=0.2)</a:t>
             </a:r>
           </a:p>
           <a:p>
             <a:r>
-              <a:rPr lang="en-US" b="1" dirty="0"/>
-              <a:t>x0 = fatal.ProgramType</a:t>
-            </a:r>
-          </a:p>
-          <a:p>
-            <a:r>
-              <a:rPr lang="en-US" b="1" dirty="0"/>
-              <a:t>x1 = train.ProgramType</a:t>
-            </a:r>
-          </a:p>
-          <a:p>
-            <a:r>
-              <a:rPr lang="en-US" b="1" dirty="0"/>
-              <a:t>x2 = test.ProgramTypeprint(x0.value_counts()/x0.count())</a:t>
-            </a:r>
-          </a:p>
-          <a:p>
-            <a:r>
-              <a:rPr lang="en-US" b="1" dirty="0"/>
+              <a:rPr lang="en-US" sz="1200" b="1" dirty="0"/>
+              <a:t>x0 = fatal.Program</a:t>
+            </a:r>
+          </a:p>
+          <a:p>
+            <a:r>
+              <a:rPr lang="en-US" sz="1200" b="1" dirty="0"/>
+              <a:t>x1 = train.Program</a:t>
+            </a:r>
+          </a:p>
+          <a:p>
+            <a:r>
+              <a:rPr lang="en-US" sz="1200" b="1" dirty="0"/>
+              <a:t>x2 = test.Program</a:t>
+            </a:r>
+          </a:p>
+          <a:p>
+            <a:r>
+              <a:rPr lang="en-US" sz="1200" b="1" dirty="0"/>
+              <a:t>print(x0.value_counts()/x0.count())</a:t>
+            </a:r>
+          </a:p>
+          <a:p>
+            <a:r>
+              <a:rPr lang="en-US" sz="1200" b="1" dirty="0"/>
               <a:t>print (x1.value_counts()/x1.count())</a:t>
             </a:r>
           </a:p>
           <a:p>
             <a:r>
-              <a:rPr lang="en-US" b="1" dirty="0"/>
+              <a:rPr lang="en-US" sz="1200" b="1" dirty="0"/>
               <a:t>print (x2.value_counts()/x2.count())</a:t>
             </a:r>
           </a:p>
           <a:p>
             <a:r>
-              <a:rPr lang="en-US" b="1" dirty="0"/>
+              <a:rPr lang="en-US" sz="1200" b="1" dirty="0"/>
               <a:t>print (fatal.shape, train.shape, test.shape)</a:t>
             </a:r>
           </a:p>
           <a:p>
-            <a:endParaRPr lang="en-US" b="1" dirty="0"/>
-          </a:p>
-          <a:p>
-            <a:r>
-              <a:rPr lang="en-US" b="1" dirty="0"/>
+            <a:endParaRPr lang="en-US" sz="1200" b="1" dirty="0"/>
+          </a:p>
+          <a:p>
+            <a:r>
+              <a:rPr lang="en-US" sz="1200" b="1" dirty="0"/>
               <a:t>1     0.5</a:t>
             </a:r>
           </a:p>
           <a:p>
             <a:r>
-              <a:rPr lang="en-US" b="1" dirty="0"/>
+              <a:rPr lang="en-US" sz="1200" b="1" dirty="0"/>
               <a:t>0     0.5</a:t>
             </a:r>
           </a:p>
           <a:p>
-            <a:endParaRPr lang="en-US" b="1" dirty="0"/>
-          </a:p>
-          <a:p>
-            <a:r>
-              <a:rPr lang="en-US" b="1" dirty="0"/>
+            <a:endParaRPr lang="en-US" sz="1200" b="1" dirty="0"/>
+          </a:p>
+          <a:p>
+            <a:r>
+              <a:rPr lang="en-US" sz="1200" b="1" dirty="0"/>
               <a:t>1     0.515</a:t>
             </a:r>
           </a:p>
           <a:p>
             <a:r>
-              <a:rPr lang="en-US" b="1" dirty="0"/>
+              <a:rPr lang="en-US" sz="1200" b="1" dirty="0"/>
               <a:t>0     0.484</a:t>
             </a:r>
           </a:p>
           <a:p>
-            <a:endParaRPr lang="en-US" b="1" dirty="0"/>
-          </a:p>
-          <a:p>
-            <a:r>
-              <a:rPr lang="en-US" b="1" dirty="0"/>
+            <a:endParaRPr lang="en-US" sz="1200" b="1" dirty="0"/>
+          </a:p>
+          <a:p>
+            <a:r>
+              <a:rPr lang="en-US" sz="1200" b="1" dirty="0"/>
               <a:t>1     0.555</a:t>
             </a:r>
           </a:p>
           <a:p>
             <a:r>
-              <a:rPr lang="en-US" b="1" dirty="0"/>
+              <a:rPr lang="en-US" sz="1200" b="1" dirty="0"/>
               <a:t>0     0.444</a:t>
             </a:r>
           </a:p>
           <a:p>
-            <a:endParaRPr lang="en-US" b="1" dirty="0"/>
-          </a:p>
-          <a:p>
-            <a:r>
-              <a:rPr lang="is-IS" b="1" dirty="0"/>
+            <a:endParaRPr lang="en-US" sz="1200" b="1" dirty="0"/>
+          </a:p>
+          <a:p>
+            <a:r>
+              <a:rPr lang="is-IS" sz="1200" b="1" dirty="0"/>
               <a:t>(42, 11) (33, 11) (9, 11)</a:t>
             </a:r>
-            <a:endParaRPr lang="en-US" b="1" dirty="0"/>
+            <a:endParaRPr lang="en-US" sz="1200" b="1" dirty="0"/>
           </a:p>
         </p:txBody>
       </p:sp>
@@ -13418,7 +13542,13 @@
       </p:grpSpPr>
       <p:sp>
         <p:nvSpPr>
-          <p:cNvPr id="2" name="Title 1"/>
+          <p:cNvPr id="5" name="Title 1">
+            <a:extLst>
+              <a:ext uri="{FF2B5EF4-FFF2-40B4-BE49-F238E27FC236}">
+                <a16:creationId xmlns:a16="http://schemas.microsoft.com/office/drawing/2014/main" id="{A8A7E42A-923C-4492-81D2-F6BC4208F018}"/>
+              </a:ext>
+            </a:extLst>
+          </p:cNvPr>
           <p:cNvSpPr>
             <a:spLocks noGrp="1"/>
           </p:cNvSpPr>
@@ -13426,7 +13556,12 @@
             <p:ph type="title"/>
           </p:nvPr>
         </p:nvSpPr>
-        <p:spPr/>
+        <p:spPr>
+          <a:xfrm>
+            <a:off x="1050925" y="290495"/>
+            <a:ext cx="7002463" cy="627062"/>
+          </a:xfrm>
+        </p:spPr>
         <p:txBody>
           <a:bodyPr/>
           <a:lstStyle/>
@@ -13445,10 +13580,10 @@
       </p:sp>
       <p:sp>
         <p:nvSpPr>
-          <p:cNvPr id="4" name="TextBox 3">
+          <p:cNvPr id="6" name="TextBox 5">
             <a:extLst>
               <a:ext uri="{FF2B5EF4-FFF2-40B4-BE49-F238E27FC236}">
-                <a16:creationId xmlns:a16="http://schemas.microsoft.com/office/drawing/2014/main" id="{B25BD5BC-E8B9-4540-A404-A5C6B4AFC25D}"/>
+                <a16:creationId xmlns:a16="http://schemas.microsoft.com/office/drawing/2014/main" id="{135F6D43-F1AB-40F2-9F18-0FB4C6B9BF7F}"/>
               </a:ext>
             </a:extLst>
           </p:cNvPr>
@@ -13458,7 +13593,7 @@
         <p:spPr>
           <a:xfrm>
             <a:off x="587695" y="1292461"/>
-            <a:ext cx="7968611" cy="5047536"/>
+            <a:ext cx="7968611" cy="4832092"/>
           </a:xfrm>
           <a:prstGeom prst="rect">
             <a:avLst/>
@@ -13600,13 +13735,7 @@
           <a:p>
             <a:r>
               <a:rPr lang="en-US" b="1" dirty="0"/>
-              <a:t>from sklearn.feature_extraction.text </a:t>
-            </a:r>
-          </a:p>
-          <a:p>
-            <a:r>
-              <a:rPr lang="en-US" b="1" dirty="0"/>
-              <a:t>import CountVectorizer </a:t>
+              <a:t>from sklearn.feature_extraction.text import CountVectorizer </a:t>
             </a:r>
           </a:p>
           <a:p>
@@ -13693,7 +13822,7 @@
           <a:p>
             <a:r>
               <a:rPr lang="en-US" b="1" dirty="0"/>
-              <a:t>corpus = corpus_from_dir('text’)</a:t>
+              <a:t>corpus = corpus_from_dir('text')</a:t>
             </a:r>
           </a:p>
           <a:p>
@@ -17604,6 +17733,12 @@
 </file>
 
 <file path=customXml/item1.xml><?xml version="1.0" encoding="utf-8"?>
+<p:properties xmlns:p="http://schemas.microsoft.com/office/2006/metadata/properties" xmlns:xsi="http://www.w3.org/2001/XMLSchema-instance" xmlns:pc="http://schemas.microsoft.com/office/infopath/2007/PartnerControls">
+  <documentManagement/>
+</p:properties>
+</file>
+
+<file path=customXml/item2.xml><?xml version="1.0" encoding="utf-8"?>
 <ct:contentTypeSchema xmlns:ct="http://schemas.microsoft.com/office/2006/metadata/contentType" xmlns:ma="http://schemas.microsoft.com/office/2006/metadata/properties/metaAttributes" ct:_="" ma:_="" ma:contentTypeName="Document" ma:contentTypeID="0x0101004C58D7A746750E48B9E257CBBD401C71" ma:contentTypeVersion="5" ma:contentTypeDescription="Create a new document." ma:contentTypeScope="" ma:versionID="9b104746e7bcdc89d5c9d8909bc79033">
   <xsd:schema xmlns:xsd="http://www.w3.org/2001/XMLSchema" xmlns:xs="http://www.w3.org/2001/XMLSchema" xmlns:p="http://schemas.microsoft.com/office/2006/metadata/properties" xmlns:ns2="3f1ded34-099e-46dd-b0de-95a90e7e1e5f" targetNamespace="http://schemas.microsoft.com/office/2006/metadata/properties" ma:root="true" ma:fieldsID="39039af933a2d9dca5a96354c4c2b0ed" ns2:_="">
     <xsd:import namespace="3f1ded34-099e-46dd-b0de-95a90e7e1e5f"/>
@@ -17755,12 +17890,6 @@
 </ct:contentTypeSchema>
 </file>
 
-<file path=customXml/item2.xml><?xml version="1.0" encoding="utf-8"?>
-<p:properties xmlns:p="http://schemas.microsoft.com/office/2006/metadata/properties" xmlns:xsi="http://www.w3.org/2001/XMLSchema-instance" xmlns:pc="http://schemas.microsoft.com/office/infopath/2007/PartnerControls">
-  <documentManagement/>
-</p:properties>
-</file>
-
 <file path=customXml/item3.xml><?xml version="1.0" encoding="utf-8"?>
 <?mso-contentType ?>
 <FormTemplates xmlns="http://schemas.microsoft.com/sharepoint/v3/contenttype/forms">
@@ -17771,6 +17900,22 @@
 </file>
 
 <file path=customXml/itemProps1.xml><?xml version="1.0" encoding="utf-8"?>
+<ds:datastoreItem xmlns:ds="http://schemas.openxmlformats.org/officeDocument/2006/customXml" ds:itemID="{F47B9207-CE5C-49AD-B414-15CBFA246D65}">
+  <ds:schemaRefs>
+    <ds:schemaRef ds:uri="http://schemas.microsoft.com/office/2006/documentManagement/types"/>
+    <ds:schemaRef ds:uri="http://schemas.microsoft.com/office/infopath/2007/PartnerControls"/>
+    <ds:schemaRef ds:uri="http://purl.org/dc/elements/1.1/"/>
+    <ds:schemaRef ds:uri="http://schemas.microsoft.com/office/2006/metadata/properties"/>
+    <ds:schemaRef ds:uri="http://purl.org/dc/terms/"/>
+    <ds:schemaRef ds:uri="3f1ded34-099e-46dd-b0de-95a90e7e1e5f"/>
+    <ds:schemaRef ds:uri="http://schemas.openxmlformats.org/package/2006/metadata/core-properties"/>
+    <ds:schemaRef ds:uri="http://www.w3.org/XML/1998/namespace"/>
+    <ds:schemaRef ds:uri="http://purl.org/dc/dcmitype/"/>
+  </ds:schemaRefs>
+</ds:datastoreItem>
+</file>
+
+<file path=customXml/itemProps2.xml><?xml version="1.0" encoding="utf-8"?>
 <ds:datastoreItem xmlns:ds="http://schemas.openxmlformats.org/officeDocument/2006/customXml" ds:itemID="{6751EBC6-C433-43E6-8F46-C6D6D677BF51}">
   <ds:schemaRefs>
     <ds:schemaRef ds:uri="http://schemas.microsoft.com/office/2006/metadata/contentType"/>
@@ -17788,22 +17933,6 @@
 </ds:datastoreItem>
 </file>
 
-<file path=customXml/itemProps2.xml><?xml version="1.0" encoding="utf-8"?>
-<ds:datastoreItem xmlns:ds="http://schemas.openxmlformats.org/officeDocument/2006/customXml" ds:itemID="{F47B9207-CE5C-49AD-B414-15CBFA246D65}">
-  <ds:schemaRefs>
-    <ds:schemaRef ds:uri="http://schemas.microsoft.com/office/2006/documentManagement/types"/>
-    <ds:schemaRef ds:uri="http://schemas.microsoft.com/office/infopath/2007/PartnerControls"/>
-    <ds:schemaRef ds:uri="http://purl.org/dc/elements/1.1/"/>
-    <ds:schemaRef ds:uri="http://schemas.microsoft.com/office/2006/metadata/properties"/>
-    <ds:schemaRef ds:uri="http://purl.org/dc/terms/"/>
-    <ds:schemaRef ds:uri="3f1ded34-099e-46dd-b0de-95a90e7e1e5f"/>
-    <ds:schemaRef ds:uri="http://schemas.openxmlformats.org/package/2006/metadata/core-properties"/>
-    <ds:schemaRef ds:uri="http://www.w3.org/XML/1998/namespace"/>
-    <ds:schemaRef ds:uri="http://purl.org/dc/dcmitype/"/>
-  </ds:schemaRefs>
-</ds:datastoreItem>
-</file>
-
 <file path=customXml/itemProps3.xml><?xml version="1.0" encoding="utf-8"?>
 <ds:datastoreItem xmlns:ds="http://schemas.openxmlformats.org/officeDocument/2006/customXml" ds:itemID="{2DA015F3-603C-4688-A5F3-81D587DAB8C9}">
   <ds:schemaRefs>
